--- a/sensortoolkit/evaluation_objs/templates/PM10/Reporting_Template_Base_PM10.pptx
+++ b/sensortoolkit/evaluation_objs/templates/PM10/Reporting_Template_Base_PM10.pptx
@@ -2879,6 +2879,38 @@
       </pc:sldChg>
     </pc:docChg>
   </pc:docChgLst>
+  <pc:docChgLst>
+    <pc:chgData name="Kumar, Menaka" userId="8972b6a7-3ec9-4ac8-b4ad-4e01d2fc2916" providerId="ADAL" clId="{3A59A504-4BBF-4CE1-B725-22C02D41D3A9}"/>
+    <pc:docChg chg="modSld">
+      <pc:chgData name="Kumar, Menaka" userId="8972b6a7-3ec9-4ac8-b4ad-4e01d2fc2916" providerId="ADAL" clId="{3A59A504-4BBF-4CE1-B725-22C02D41D3A9}" dt="2024-05-30T18:54:23.963" v="5" actId="20577"/>
+      <pc:docMkLst>
+        <pc:docMk/>
+      </pc:docMkLst>
+      <pc:sldChg chg="modSp mod">
+        <pc:chgData name="Kumar, Menaka" userId="8972b6a7-3ec9-4ac8-b4ad-4e01d2fc2916" providerId="ADAL" clId="{3A59A504-4BBF-4CE1-B725-22C02D41D3A9}" dt="2024-05-30T18:54:23.963" v="5" actId="20577"/>
+        <pc:sldMkLst>
+          <pc:docMk/>
+          <pc:sldMk cId="1609848839" sldId="256"/>
+        </pc:sldMkLst>
+        <pc:graphicFrameChg chg="mod">
+          <ac:chgData name="Kumar, Menaka" userId="8972b6a7-3ec9-4ac8-b4ad-4e01d2fc2916" providerId="ADAL" clId="{3A59A504-4BBF-4CE1-B725-22C02D41D3A9}" dt="2024-05-30T18:54:13.006" v="1"/>
+          <ac:graphicFrameMkLst>
+            <pc:docMk/>
+            <pc:sldMk cId="1609848839" sldId="256"/>
+            <ac:graphicFrameMk id="32" creationId="{0D1D374C-B4C8-4DAE-87EF-F02EFE4AFFB7}"/>
+          </ac:graphicFrameMkLst>
+        </pc:graphicFrameChg>
+        <pc:graphicFrameChg chg="modGraphic">
+          <ac:chgData name="Kumar, Menaka" userId="8972b6a7-3ec9-4ac8-b4ad-4e01d2fc2916" providerId="ADAL" clId="{3A59A504-4BBF-4CE1-B725-22C02D41D3A9}" dt="2024-05-30T18:54:23.963" v="5" actId="20577"/>
+          <ac:graphicFrameMkLst>
+            <pc:docMk/>
+            <pc:sldMk cId="1609848839" sldId="256"/>
+            <ac:graphicFrameMk id="75" creationId="{6EB4E630-8A33-412B-A3BF-8934090A792B}"/>
+          </ac:graphicFrameMkLst>
+        </pc:graphicFrameChg>
+      </pc:sldChg>
+    </pc:docChg>
+  </pc:docChgLst>
 </pc:chgInfo>
 </file>
 
@@ -2976,7 +3008,7 @@
           <a:p>
             <a:fld id="{3086CAC7-D409-43E0-9239-3260F031D6D3}" type="datetimeFigureOut">
               <a:rPr lang="en-US" smtClean="0"/>
-              <a:t>2/8/2023</a:t>
+              <a:t>5/30/2024</a:t>
             </a:fld>
             <a:endParaRPr lang="en-US"/>
           </a:p>
@@ -3153,7 +3185,7 @@
           <a:p>
             <a:fld id="{3CA1DE52-DF04-4D3A-9C2F-16E440759AD9}" type="datetimeFigureOut">
               <a:rPr lang="en-US" smtClean="0"/>
-              <a:t>2/8/2023</a:t>
+              <a:t>5/30/2024</a:t>
             </a:fld>
             <a:endParaRPr lang="en-US"/>
           </a:p>
@@ -4498,7 +4530,7 @@
           <p:nvPr>
             <p:extLst>
               <p:ext uri="{D42A27DB-BD31-4B8C-83A1-F6EECF244321}">
-                <p14:modId xmlns:p14="http://schemas.microsoft.com/office/powerpoint/2010/main" val="1023492629"/>
+                <p14:modId xmlns:p14="http://schemas.microsoft.com/office/powerpoint/2010/main" val="3411218623"/>
               </p:ext>
             </p:extLst>
           </p:nvPr>
@@ -4542,7 +4574,7 @@
                             <a:sysClr val="windowText" lastClr="000000"/>
                           </a:solidFill>
                         </a:rPr>
-                        <a:t>Mean number of paired, normalized concentration and temperature values (1-hr averages)</a:t>
+                        <a:t>Number of paired, normalized concentration and temperature values</a:t>
                       </a:r>
                     </a:p>
                   </a:txBody>
@@ -4695,7 +4727,7 @@
                             <a:sysClr val="windowText" lastClr="000000"/>
                           </a:solidFill>
                         </a:rPr>
-                        <a:t>Mean number of paired, normalized concentration and relative humidity values (1-hr averages)</a:t>
+                        <a:t>Mean number of paired, normalized concentration and relative humidity values</a:t>
                       </a:r>
                     </a:p>
                   </a:txBody>
@@ -8101,7 +8133,7 @@
           <p:nvPr>
             <p:extLst>
               <p:ext uri="{D42A27DB-BD31-4B8C-83A1-F6EECF244321}">
-                <p14:modId xmlns:p14="http://schemas.microsoft.com/office/powerpoint/2010/main" val="2530439557"/>
+                <p14:modId xmlns:p14="http://schemas.microsoft.com/office/powerpoint/2010/main" val="3374240126"/>
               </p:ext>
             </p:extLst>
           </p:nvPr>
@@ -8330,7 +8362,15 @@
                             <a:sysClr val="windowText" lastClr="000000"/>
                           </a:solidFill>
                         </a:rPr>
-                        <a:t>Number of 24-hr periods in FRM/FEM monitor measurements with a goal concentration ≥ 25 </a:t>
+                        <a:t>Number of 24-hr periods in FRM/FEM monitor measurements with a goal concentration </a:t>
+                      </a:r>
+                      <a:r>
+                        <a:rPr lang="en-US" sz="1100" b="0">
+                          <a:solidFill>
+                            <a:sysClr val="windowText" lastClr="000000"/>
+                          </a:solidFill>
+                        </a:rPr>
+                        <a:t>≥ 40 </a:t>
                       </a:r>
                       <a:r>
                         <a:rPr lang="el-GR" sz="1100" b="0" dirty="0">
@@ -14691,42 +14731,8 @@
 </file>
 
 <file path=customXml/item1.xml><?xml version="1.0" encoding="utf-8"?>
-<p:properties xmlns:p="http://schemas.microsoft.com/office/2006/metadata/properties" xmlns:xsi="http://www.w3.org/2001/XMLSchema-instance" xmlns:pc="http://schemas.microsoft.com/office/infopath/2007/PartnerControls">
-  <documentManagement>
-    <_Source xmlns="http://schemas.microsoft.com/sharepoint/v3/fields" xsi:nil="true"/>
-    <Language xmlns="http://schemas.microsoft.com/sharepoint/v3">English</Language>
-    <j747ac98061d40f0aa7bd47e1db5675d xmlns="4ffa91fb-a0ff-4ac5-b2db-65c790d184a4">
-      <Terms xmlns="http://schemas.microsoft.com/office/infopath/2007/PartnerControls"/>
-    </j747ac98061d40f0aa7bd47e1db5675d>
-    <External_x0020_Contributor xmlns="4ffa91fb-a0ff-4ac5-b2db-65c790d184a4" xsi:nil="true"/>
-    <TaxKeywordTaxHTField xmlns="4ffa91fb-a0ff-4ac5-b2db-65c790d184a4">
-      <Terms xmlns="http://schemas.microsoft.com/office/infopath/2007/PartnerControls"/>
-    </TaxKeywordTaxHTField>
-    <Record xmlns="4ffa91fb-a0ff-4ac5-b2db-65c790d184a4">Shared</Record>
-    <Rights xmlns="4ffa91fb-a0ff-4ac5-b2db-65c790d184a4" xsi:nil="true"/>
-    <Document_x0020_Creation_x0020_Date xmlns="4ffa91fb-a0ff-4ac5-b2db-65c790d184a4">2020-03-04T16:29:16+00:00</Document_x0020_Creation_x0020_Date>
-    <EPA_x0020_Office xmlns="4ffa91fb-a0ff-4ac5-b2db-65c790d184a4" xsi:nil="true"/>
-    <CategoryDescription xmlns="http://schemas.microsoft.com/sharepoint.v3" xsi:nil="true"/>
-    <Identifier xmlns="4ffa91fb-a0ff-4ac5-b2db-65c790d184a4" xsi:nil="true"/>
-    <_Coverage xmlns="http://schemas.microsoft.com/sharepoint/v3/fields" xsi:nil="true"/>
-    <Creator xmlns="4ffa91fb-a0ff-4ac5-b2db-65c790d184a4">
-      <UserInfo>
-        <DisplayName/>
-        <AccountId xsi:nil="true"/>
-        <AccountType/>
-      </UserInfo>
-    </Creator>
-    <EPA_x0020_Related_x0020_Documents xmlns="4ffa91fb-a0ff-4ac5-b2db-65c790d184a4" xsi:nil="true"/>
-    <EPA_x0020_Contributor xmlns="4ffa91fb-a0ff-4ac5-b2db-65c790d184a4">
-      <UserInfo>
-        <DisplayName/>
-        <AccountId xsi:nil="true"/>
-        <AccountType/>
-      </UserInfo>
-    </EPA_x0020_Contributor>
-    <TaxCatchAll xmlns="4ffa91fb-a0ff-4ac5-b2db-65c790d184a4"/>
-  </documentManagement>
-</p:properties>
+<?mso-contentType ?>
+<SharedContentType xmlns="Microsoft.SharePoint.Taxonomy.ContentTypeSync" SourceId="29f62856-1543-49d4-a736-4569d363f533" ContentTypeId="0x0101" PreviousValue="false"/>
 </file>
 
 <file path=customXml/item2.xml><?xml version="1.0" encoding="utf-8"?>
@@ -15128,8 +15134,42 @@
 </file>
 
 <file path=customXml/item3.xml><?xml version="1.0" encoding="utf-8"?>
-<?mso-contentType ?>
-<SharedContentType xmlns="Microsoft.SharePoint.Taxonomy.ContentTypeSync" SourceId="29f62856-1543-49d4-a736-4569d363f533" ContentTypeId="0x0101" PreviousValue="false"/>
+<p:properties xmlns:p="http://schemas.microsoft.com/office/2006/metadata/properties" xmlns:xsi="http://www.w3.org/2001/XMLSchema-instance" xmlns:pc="http://schemas.microsoft.com/office/infopath/2007/PartnerControls">
+  <documentManagement>
+    <_Source xmlns="http://schemas.microsoft.com/sharepoint/v3/fields" xsi:nil="true"/>
+    <Language xmlns="http://schemas.microsoft.com/sharepoint/v3">English</Language>
+    <j747ac98061d40f0aa7bd47e1db5675d xmlns="4ffa91fb-a0ff-4ac5-b2db-65c790d184a4">
+      <Terms xmlns="http://schemas.microsoft.com/office/infopath/2007/PartnerControls"/>
+    </j747ac98061d40f0aa7bd47e1db5675d>
+    <External_x0020_Contributor xmlns="4ffa91fb-a0ff-4ac5-b2db-65c790d184a4" xsi:nil="true"/>
+    <TaxKeywordTaxHTField xmlns="4ffa91fb-a0ff-4ac5-b2db-65c790d184a4">
+      <Terms xmlns="http://schemas.microsoft.com/office/infopath/2007/PartnerControls"/>
+    </TaxKeywordTaxHTField>
+    <Record xmlns="4ffa91fb-a0ff-4ac5-b2db-65c790d184a4">Shared</Record>
+    <Rights xmlns="4ffa91fb-a0ff-4ac5-b2db-65c790d184a4" xsi:nil="true"/>
+    <Document_x0020_Creation_x0020_Date xmlns="4ffa91fb-a0ff-4ac5-b2db-65c790d184a4">2020-03-04T16:29:16+00:00</Document_x0020_Creation_x0020_Date>
+    <EPA_x0020_Office xmlns="4ffa91fb-a0ff-4ac5-b2db-65c790d184a4" xsi:nil="true"/>
+    <CategoryDescription xmlns="http://schemas.microsoft.com/sharepoint.v3" xsi:nil="true"/>
+    <Identifier xmlns="4ffa91fb-a0ff-4ac5-b2db-65c790d184a4" xsi:nil="true"/>
+    <_Coverage xmlns="http://schemas.microsoft.com/sharepoint/v3/fields" xsi:nil="true"/>
+    <Creator xmlns="4ffa91fb-a0ff-4ac5-b2db-65c790d184a4">
+      <UserInfo>
+        <DisplayName/>
+        <AccountId xsi:nil="true"/>
+        <AccountType/>
+      </UserInfo>
+    </Creator>
+    <EPA_x0020_Related_x0020_Documents xmlns="4ffa91fb-a0ff-4ac5-b2db-65c790d184a4" xsi:nil="true"/>
+    <EPA_x0020_Contributor xmlns="4ffa91fb-a0ff-4ac5-b2db-65c790d184a4">
+      <UserInfo>
+        <DisplayName/>
+        <AccountId xsi:nil="true"/>
+        <AccountType/>
+      </UserInfo>
+    </EPA_x0020_Contributor>
+    <TaxCatchAll xmlns="4ffa91fb-a0ff-4ac5-b2db-65c790d184a4"/>
+  </documentManagement>
+</p:properties>
 </file>
 
 <file path=customXml/item4.xml><?xml version="1.0" encoding="utf-8"?>
@@ -15142,14 +15182,9 @@
 </file>
 
 <file path=customXml/itemProps1.xml><?xml version="1.0" encoding="utf-8"?>
-<ds:datastoreItem xmlns:ds="http://schemas.openxmlformats.org/officeDocument/2006/customXml" ds:itemID="{2EED311A-CCB5-4625-B52F-BB9F85A51581}">
+<ds:datastoreItem xmlns:ds="http://schemas.openxmlformats.org/officeDocument/2006/customXml" ds:itemID="{9D969709-82DA-4F6F-85CB-B966EACA0A33}">
   <ds:schemaRefs>
-    <ds:schemaRef ds:uri="http://schemas.microsoft.com/office/2006/metadata/properties"/>
-    <ds:schemaRef ds:uri="http://schemas.microsoft.com/office/infopath/2007/PartnerControls"/>
-    <ds:schemaRef ds:uri="http://schemas.microsoft.com/sharepoint/v3/fields"/>
-    <ds:schemaRef ds:uri="http://schemas.microsoft.com/sharepoint/v3"/>
-    <ds:schemaRef ds:uri="4ffa91fb-a0ff-4ac5-b2db-65c790d184a4"/>
-    <ds:schemaRef ds:uri="http://schemas.microsoft.com/sharepoint.v3"/>
+    <ds:schemaRef ds:uri="Microsoft.SharePoint.Taxonomy.ContentTypeSync"/>
   </ds:schemaRefs>
 </ds:datastoreItem>
 </file>
@@ -15177,9 +15212,14 @@
 </file>
 
 <file path=customXml/itemProps3.xml><?xml version="1.0" encoding="utf-8"?>
-<ds:datastoreItem xmlns:ds="http://schemas.openxmlformats.org/officeDocument/2006/customXml" ds:itemID="{9D969709-82DA-4F6F-85CB-B966EACA0A33}">
+<ds:datastoreItem xmlns:ds="http://schemas.openxmlformats.org/officeDocument/2006/customXml" ds:itemID="{2EED311A-CCB5-4625-B52F-BB9F85A51581}">
   <ds:schemaRefs>
-    <ds:schemaRef ds:uri="Microsoft.SharePoint.Taxonomy.ContentTypeSync"/>
+    <ds:schemaRef ds:uri="http://schemas.microsoft.com/office/2006/metadata/properties"/>
+    <ds:schemaRef ds:uri="http://schemas.microsoft.com/office/infopath/2007/PartnerControls"/>
+    <ds:schemaRef ds:uri="http://schemas.microsoft.com/sharepoint/v3/fields"/>
+    <ds:schemaRef ds:uri="http://schemas.microsoft.com/sharepoint/v3"/>
+    <ds:schemaRef ds:uri="4ffa91fb-a0ff-4ac5-b2db-65c790d184a4"/>
+    <ds:schemaRef ds:uri="http://schemas.microsoft.com/sharepoint.v3"/>
   </ds:schemaRefs>
 </ds:datastoreItem>
 </file>

--- a/sensortoolkit/evaluation_objs/templates/PM10/Reporting_Template_Base_PM10.pptx
+++ b/sensortoolkit/evaluation_objs/templates/PM10/Reporting_Template_Base_PM10.pptx
@@ -145,2775 +145,6 @@
 </p:cmAuthorLst>
 </file>
 
-<file path=ppt/changesInfos/changesInfo1.xml><?xml version="1.0" encoding="utf-8"?>
-<pc:chgInfo xmlns:a="http://schemas.openxmlformats.org/drawingml/2006/main" xmlns:r="http://schemas.openxmlformats.org/officeDocument/2006/relationships" xmlns:ac="http://schemas.microsoft.com/office/drawing/2013/main/command" xmlns:pc="http://schemas.microsoft.com/office/powerpoint/2013/main/command">
-  <pc:docChgLst>
-    <pc:chgData name="Frederick, Samuel" userId="090dec4f-7d84-4616-bef6-b2226d1b24c4" providerId="ADAL" clId="{16E7F5A5-37CD-4DCF-AA86-0430B846547F}"/>
-    <pc:docChg chg="custSel modSld modMainMaster">
-      <pc:chgData name="Frederick, Samuel" userId="090dec4f-7d84-4616-bef6-b2226d1b24c4" providerId="ADAL" clId="{16E7F5A5-37CD-4DCF-AA86-0430B846547F}" dt="2021-06-25T17:32:23.351" v="27" actId="20577"/>
-      <pc:docMkLst>
-        <pc:docMk/>
-      </pc:docMkLst>
-      <pc:sldChg chg="addSp delSp modSp mod">
-        <pc:chgData name="Frederick, Samuel" userId="090dec4f-7d84-4616-bef6-b2226d1b24c4" providerId="ADAL" clId="{16E7F5A5-37CD-4DCF-AA86-0430B846547F}" dt="2021-06-25T17:32:23.351" v="27" actId="20577"/>
-        <pc:sldMkLst>
-          <pc:docMk/>
-          <pc:sldMk cId="1609848839" sldId="256"/>
-        </pc:sldMkLst>
-        <pc:spChg chg="add mod">
-          <ac:chgData name="Frederick, Samuel" userId="090dec4f-7d84-4616-bef6-b2226d1b24c4" providerId="ADAL" clId="{16E7F5A5-37CD-4DCF-AA86-0430B846547F}" dt="2021-06-25T17:28:15.461" v="9"/>
-          <ac:spMkLst>
-            <pc:docMk/>
-            <pc:sldMk cId="1609848839" sldId="256"/>
-            <ac:spMk id="2" creationId="{DF25D9C5-0140-43A2-9D86-F50EC8F42E3A}"/>
-          </ac:spMkLst>
-        </pc:spChg>
-        <pc:spChg chg="del">
-          <ac:chgData name="Frederick, Samuel" userId="090dec4f-7d84-4616-bef6-b2226d1b24c4" providerId="ADAL" clId="{16E7F5A5-37CD-4DCF-AA86-0430B846547F}" dt="2021-06-25T17:28:15.461" v="9"/>
-          <ac:spMkLst>
-            <pc:docMk/>
-            <pc:sldMk cId="1609848839" sldId="256"/>
-            <ac:spMk id="3" creationId="{EC43C2E1-FF84-42C2-B9B6-D45A6FDCF74E}"/>
-          </ac:spMkLst>
-        </pc:spChg>
-        <pc:spChg chg="add mod">
-          <ac:chgData name="Frederick, Samuel" userId="090dec4f-7d84-4616-bef6-b2226d1b24c4" providerId="ADAL" clId="{16E7F5A5-37CD-4DCF-AA86-0430B846547F}" dt="2021-06-25T17:28:15.461" v="9"/>
-          <ac:spMkLst>
-            <pc:docMk/>
-            <pc:sldMk cId="1609848839" sldId="256"/>
-            <ac:spMk id="4" creationId="{5FA2AB1B-0DDB-4270-9042-278DCF800F26}"/>
-          </ac:spMkLst>
-        </pc:spChg>
-        <pc:spChg chg="add mod">
-          <ac:chgData name="Frederick, Samuel" userId="090dec4f-7d84-4616-bef6-b2226d1b24c4" providerId="ADAL" clId="{16E7F5A5-37CD-4DCF-AA86-0430B846547F}" dt="2021-06-25T17:28:15.461" v="9"/>
-          <ac:spMkLst>
-            <pc:docMk/>
-            <pc:sldMk cId="1609848839" sldId="256"/>
-            <ac:spMk id="6" creationId="{D5BA74ED-89C1-407E-9747-8407E312C6D6}"/>
-          </ac:spMkLst>
-        </pc:spChg>
-        <pc:spChg chg="del">
-          <ac:chgData name="Frederick, Samuel" userId="090dec4f-7d84-4616-bef6-b2226d1b24c4" providerId="ADAL" clId="{16E7F5A5-37CD-4DCF-AA86-0430B846547F}" dt="2021-06-25T17:28:15.461" v="9"/>
-          <ac:spMkLst>
-            <pc:docMk/>
-            <pc:sldMk cId="1609848839" sldId="256"/>
-            <ac:spMk id="30" creationId="{52383DDE-3607-48CE-A7B4-400D3E2BA74C}"/>
-          </ac:spMkLst>
-        </pc:spChg>
-        <pc:spChg chg="del">
-          <ac:chgData name="Frederick, Samuel" userId="090dec4f-7d84-4616-bef6-b2226d1b24c4" providerId="ADAL" clId="{16E7F5A5-37CD-4DCF-AA86-0430B846547F}" dt="2021-06-25T17:28:15.461" v="9"/>
-          <ac:spMkLst>
-            <pc:docMk/>
-            <pc:sldMk cId="1609848839" sldId="256"/>
-            <ac:spMk id="32" creationId="{8803B0E4-94DC-49ED-B09E-4AB178653AAC}"/>
-          </ac:spMkLst>
-        </pc:spChg>
-        <pc:graphicFrameChg chg="mod">
-          <ac:chgData name="Frederick, Samuel" userId="090dec4f-7d84-4616-bef6-b2226d1b24c4" providerId="ADAL" clId="{16E7F5A5-37CD-4DCF-AA86-0430B846547F}" dt="2021-06-25T17:29:35.720" v="12"/>
-          <ac:graphicFrameMkLst>
-            <pc:docMk/>
-            <pc:sldMk cId="1609848839" sldId="256"/>
-            <ac:graphicFrameMk id="18" creationId="{47941790-F508-45B8-841D-BA5D6A7CA69F}"/>
-          </ac:graphicFrameMkLst>
-        </pc:graphicFrameChg>
-        <pc:graphicFrameChg chg="mod modGraphic">
-          <ac:chgData name="Frederick, Samuel" userId="090dec4f-7d84-4616-bef6-b2226d1b24c4" providerId="ADAL" clId="{16E7F5A5-37CD-4DCF-AA86-0430B846547F}" dt="2021-06-25T17:31:36.901" v="18" actId="20577"/>
-          <ac:graphicFrameMkLst>
-            <pc:docMk/>
-            <pc:sldMk cId="1609848839" sldId="256"/>
-            <ac:graphicFrameMk id="75" creationId="{6EB4E630-8A33-412B-A3BF-8934090A792B}"/>
-          </ac:graphicFrameMkLst>
-        </pc:graphicFrameChg>
-        <pc:graphicFrameChg chg="modGraphic">
-          <ac:chgData name="Frederick, Samuel" userId="090dec4f-7d84-4616-bef6-b2226d1b24c4" providerId="ADAL" clId="{16E7F5A5-37CD-4DCF-AA86-0430B846547F}" dt="2021-06-25T17:32:23.351" v="27" actId="20577"/>
-          <ac:graphicFrameMkLst>
-            <pc:docMk/>
-            <pc:sldMk cId="1609848839" sldId="256"/>
-            <ac:graphicFrameMk id="76" creationId="{CFBC78B5-ECBB-4AC5-A5A0-78434B4C50A3}"/>
-          </ac:graphicFrameMkLst>
-        </pc:graphicFrameChg>
-      </pc:sldChg>
-      <pc:sldChg chg="addSp delSp modSp">
-        <pc:chgData name="Frederick, Samuel" userId="090dec4f-7d84-4616-bef6-b2226d1b24c4" providerId="ADAL" clId="{16E7F5A5-37CD-4DCF-AA86-0430B846547F}" dt="2021-06-25T17:28:34.500" v="11"/>
-        <pc:sldMkLst>
-          <pc:docMk/>
-          <pc:sldMk cId="3695094907" sldId="260"/>
-        </pc:sldMkLst>
-        <pc:spChg chg="del">
-          <ac:chgData name="Frederick, Samuel" userId="090dec4f-7d84-4616-bef6-b2226d1b24c4" providerId="ADAL" clId="{16E7F5A5-37CD-4DCF-AA86-0430B846547F}" dt="2021-06-25T17:28:19.994" v="10"/>
-          <ac:spMkLst>
-            <pc:docMk/>
-            <pc:sldMk cId="3695094907" sldId="260"/>
-            <ac:spMk id="2" creationId="{12BA04D6-C757-4968-BA01-F5D9DB9535A0}"/>
-          </ac:spMkLst>
-        </pc:spChg>
-        <pc:spChg chg="mod">
-          <ac:chgData name="Frederick, Samuel" userId="090dec4f-7d84-4616-bef6-b2226d1b24c4" providerId="ADAL" clId="{16E7F5A5-37CD-4DCF-AA86-0430B846547F}" dt="2021-06-25T17:28:34.500" v="11"/>
-          <ac:spMkLst>
-            <pc:docMk/>
-            <pc:sldMk cId="3695094907" sldId="260"/>
-            <ac:spMk id="3" creationId="{134F2AC9-9658-4E8C-BDC7-D0B45D979304}"/>
-          </ac:spMkLst>
-        </pc:spChg>
-        <pc:spChg chg="add del mod">
-          <ac:chgData name="Frederick, Samuel" userId="090dec4f-7d84-4616-bef6-b2226d1b24c4" providerId="ADAL" clId="{16E7F5A5-37CD-4DCF-AA86-0430B846547F}" dt="2021-06-25T17:28:34.500" v="11"/>
-          <ac:spMkLst>
-            <pc:docMk/>
-            <pc:sldMk cId="3695094907" sldId="260"/>
-            <ac:spMk id="4" creationId="{BD872500-41B1-4493-B51E-9C4455726B09}"/>
-          </ac:spMkLst>
-        </pc:spChg>
-        <pc:spChg chg="add del mod">
-          <ac:chgData name="Frederick, Samuel" userId="090dec4f-7d84-4616-bef6-b2226d1b24c4" providerId="ADAL" clId="{16E7F5A5-37CD-4DCF-AA86-0430B846547F}" dt="2021-06-25T17:28:34.500" v="11"/>
-          <ac:spMkLst>
-            <pc:docMk/>
-            <pc:sldMk cId="3695094907" sldId="260"/>
-            <ac:spMk id="9" creationId="{5D9DB8B7-AC2C-4666-ACFE-07D9C1A4959C}"/>
-          </ac:spMkLst>
-        </pc:spChg>
-        <pc:spChg chg="add del mod">
-          <ac:chgData name="Frederick, Samuel" userId="090dec4f-7d84-4616-bef6-b2226d1b24c4" providerId="ADAL" clId="{16E7F5A5-37CD-4DCF-AA86-0430B846547F}" dt="2021-06-25T17:28:34.500" v="11"/>
-          <ac:spMkLst>
-            <pc:docMk/>
-            <pc:sldMk cId="3695094907" sldId="260"/>
-            <ac:spMk id="10" creationId="{655821AA-1CEA-421C-B7D3-05D675322271}"/>
-          </ac:spMkLst>
-        </pc:spChg>
-        <pc:spChg chg="add mod">
-          <ac:chgData name="Frederick, Samuel" userId="090dec4f-7d84-4616-bef6-b2226d1b24c4" providerId="ADAL" clId="{16E7F5A5-37CD-4DCF-AA86-0430B846547F}" dt="2021-06-25T17:28:34.500" v="11"/>
-          <ac:spMkLst>
-            <pc:docMk/>
-            <pc:sldMk cId="3695094907" sldId="260"/>
-            <ac:spMk id="11" creationId="{298F8845-151A-4903-B51E-36945146BEA6}"/>
-          </ac:spMkLst>
-        </pc:spChg>
-        <pc:spChg chg="add mod">
-          <ac:chgData name="Frederick, Samuel" userId="090dec4f-7d84-4616-bef6-b2226d1b24c4" providerId="ADAL" clId="{16E7F5A5-37CD-4DCF-AA86-0430B846547F}" dt="2021-06-25T17:28:34.500" v="11"/>
-          <ac:spMkLst>
-            <pc:docMk/>
-            <pc:sldMk cId="3695094907" sldId="260"/>
-            <ac:spMk id="12" creationId="{A982DFAA-961C-4308-8521-CD2CC0B5C8EC}"/>
-          </ac:spMkLst>
-        </pc:spChg>
-        <pc:spChg chg="del">
-          <ac:chgData name="Frederick, Samuel" userId="090dec4f-7d84-4616-bef6-b2226d1b24c4" providerId="ADAL" clId="{16E7F5A5-37CD-4DCF-AA86-0430B846547F}" dt="2021-06-25T17:28:19.994" v="10"/>
-          <ac:spMkLst>
-            <pc:docMk/>
-            <pc:sldMk cId="3695094907" sldId="260"/>
-            <ac:spMk id="13" creationId="{57381A0D-B69E-4A24-B245-72BF7BC8473F}"/>
-          </ac:spMkLst>
-        </pc:spChg>
-        <pc:spChg chg="del">
-          <ac:chgData name="Frederick, Samuel" userId="090dec4f-7d84-4616-bef6-b2226d1b24c4" providerId="ADAL" clId="{16E7F5A5-37CD-4DCF-AA86-0430B846547F}" dt="2021-06-25T17:28:19.994" v="10"/>
-          <ac:spMkLst>
-            <pc:docMk/>
-            <pc:sldMk cId="3695094907" sldId="260"/>
-            <ac:spMk id="14" creationId="{82BD2AFD-C4C4-4B13-9B40-F1FA8C3DD477}"/>
-          </ac:spMkLst>
-        </pc:spChg>
-        <pc:spChg chg="add mod">
-          <ac:chgData name="Frederick, Samuel" userId="090dec4f-7d84-4616-bef6-b2226d1b24c4" providerId="ADAL" clId="{16E7F5A5-37CD-4DCF-AA86-0430B846547F}" dt="2021-06-25T17:28:34.500" v="11"/>
-          <ac:spMkLst>
-            <pc:docMk/>
-            <pc:sldMk cId="3695094907" sldId="260"/>
-            <ac:spMk id="15" creationId="{166E19D3-E968-46F8-A6B6-6F87ED2DA99E}"/>
-          </ac:spMkLst>
-        </pc:spChg>
-      </pc:sldChg>
-      <pc:sldMasterChg chg="modSldLayout">
-        <pc:chgData name="Frederick, Samuel" userId="090dec4f-7d84-4616-bef6-b2226d1b24c4" providerId="ADAL" clId="{16E7F5A5-37CD-4DCF-AA86-0430B846547F}" dt="2021-06-25T17:27:48.261" v="8"/>
-        <pc:sldMasterMkLst>
-          <pc:docMk/>
-          <pc:sldMasterMk cId="1191321755" sldId="2147483684"/>
-        </pc:sldMasterMkLst>
-        <pc:sldLayoutChg chg="addSp modSp mod">
-          <pc:chgData name="Frederick, Samuel" userId="090dec4f-7d84-4616-bef6-b2226d1b24c4" providerId="ADAL" clId="{16E7F5A5-37CD-4DCF-AA86-0430B846547F}" dt="2021-06-25T17:27:12.899" v="6" actId="20577"/>
-          <pc:sldLayoutMkLst>
-            <pc:docMk/>
-            <pc:sldMasterMk cId="1191321755" sldId="2147483684"/>
-            <pc:sldLayoutMk cId="6746695" sldId="2147483685"/>
-          </pc:sldLayoutMkLst>
-          <pc:spChg chg="mod">
-            <ac:chgData name="Frederick, Samuel" userId="090dec4f-7d84-4616-bef6-b2226d1b24c4" providerId="ADAL" clId="{16E7F5A5-37CD-4DCF-AA86-0430B846547F}" dt="2021-06-25T17:26:13.008" v="3" actId="14100"/>
-            <ac:spMkLst>
-              <pc:docMk/>
-              <pc:sldMasterMk cId="1191321755" sldId="2147483684"/>
-              <pc:sldLayoutMk cId="6746695" sldId="2147483685"/>
-              <ac:spMk id="7" creationId="{9C129ADE-2450-4964-9002-6159F00A83DF}"/>
-            </ac:spMkLst>
-          </pc:spChg>
-          <pc:spChg chg="add mod">
-            <ac:chgData name="Frederick, Samuel" userId="090dec4f-7d84-4616-bef6-b2226d1b24c4" providerId="ADAL" clId="{16E7F5A5-37CD-4DCF-AA86-0430B846547F}" dt="2021-06-25T17:27:12.899" v="6" actId="20577"/>
-            <ac:spMkLst>
-              <pc:docMk/>
-              <pc:sldMasterMk cId="1191321755" sldId="2147483684"/>
-              <pc:sldLayoutMk cId="6746695" sldId="2147483685"/>
-              <ac:spMk id="9" creationId="{B2C3F971-6563-4D48-8CDB-134B7D63D25E}"/>
-            </ac:spMkLst>
-          </pc:spChg>
-        </pc:sldLayoutChg>
-        <pc:sldLayoutChg chg="addSp delSp modSp mod">
-          <pc:chgData name="Frederick, Samuel" userId="090dec4f-7d84-4616-bef6-b2226d1b24c4" providerId="ADAL" clId="{16E7F5A5-37CD-4DCF-AA86-0430B846547F}" dt="2021-06-25T17:27:48.261" v="8"/>
-          <pc:sldLayoutMkLst>
-            <pc:docMk/>
-            <pc:sldMasterMk cId="1191321755" sldId="2147483684"/>
-            <pc:sldLayoutMk cId="1708679687" sldId="2147483696"/>
-          </pc:sldLayoutMkLst>
-          <pc:spChg chg="del">
-            <ac:chgData name="Frederick, Samuel" userId="090dec4f-7d84-4616-bef6-b2226d1b24c4" providerId="ADAL" clId="{16E7F5A5-37CD-4DCF-AA86-0430B846547F}" dt="2021-06-25T17:27:46.993" v="7" actId="478"/>
-            <ac:spMkLst>
-              <pc:docMk/>
-              <pc:sldMasterMk cId="1191321755" sldId="2147483684"/>
-              <pc:sldLayoutMk cId="1708679687" sldId="2147483696"/>
-              <ac:spMk id="6" creationId="{4A98EBBE-82D6-4F96-BC74-AD84E61479EE}"/>
-            </ac:spMkLst>
-          </pc:spChg>
-          <pc:spChg chg="add mod">
-            <ac:chgData name="Frederick, Samuel" userId="090dec4f-7d84-4616-bef6-b2226d1b24c4" providerId="ADAL" clId="{16E7F5A5-37CD-4DCF-AA86-0430B846547F}" dt="2021-06-25T17:27:48.261" v="8"/>
-            <ac:spMkLst>
-              <pc:docMk/>
-              <pc:sldMasterMk cId="1191321755" sldId="2147483684"/>
-              <pc:sldLayoutMk cId="1708679687" sldId="2147483696"/>
-              <ac:spMk id="11" creationId="{8B99C8BF-BF9B-481F-A038-CC1E27893E66}"/>
-            </ac:spMkLst>
-          </pc:spChg>
-          <pc:spChg chg="add mod">
-            <ac:chgData name="Frederick, Samuel" userId="090dec4f-7d84-4616-bef6-b2226d1b24c4" providerId="ADAL" clId="{16E7F5A5-37CD-4DCF-AA86-0430B846547F}" dt="2021-06-25T17:27:48.261" v="8"/>
-            <ac:spMkLst>
-              <pc:docMk/>
-              <pc:sldMasterMk cId="1191321755" sldId="2147483684"/>
-              <pc:sldLayoutMk cId="1708679687" sldId="2147483696"/>
-              <ac:spMk id="12" creationId="{2EFDDF6A-7F60-4092-B2D1-F357562A77BD}"/>
-            </ac:spMkLst>
-          </pc:spChg>
-        </pc:sldLayoutChg>
-      </pc:sldMasterChg>
-    </pc:docChg>
-  </pc:docChgLst>
-  <pc:docChgLst>
-    <pc:chgData name="Frederick, Samuel" userId="090dec4f-7d84-4616-bef6-b2226d1b24c4" providerId="ADAL" clId="{4B126191-4CA9-487C-BAEC-6AD27F68715D}"/>
-    <pc:docChg chg="undo custSel modSld">
-      <pc:chgData name="Frederick, Samuel" userId="090dec4f-7d84-4616-bef6-b2226d1b24c4" providerId="ADAL" clId="{4B126191-4CA9-487C-BAEC-6AD27F68715D}" dt="2021-03-16T18:39:41.464" v="529" actId="20577"/>
-      <pc:docMkLst>
-        <pc:docMk/>
-      </pc:docMkLst>
-      <pc:sldChg chg="modSp mod">
-        <pc:chgData name="Frederick, Samuel" userId="090dec4f-7d84-4616-bef6-b2226d1b24c4" providerId="ADAL" clId="{4B126191-4CA9-487C-BAEC-6AD27F68715D}" dt="2021-03-16T18:39:41.464" v="529" actId="20577"/>
-        <pc:sldMkLst>
-          <pc:docMk/>
-          <pc:sldMk cId="1609848839" sldId="256"/>
-        </pc:sldMkLst>
-        <pc:spChg chg="mod">
-          <ac:chgData name="Frederick, Samuel" userId="090dec4f-7d84-4616-bef6-b2226d1b24c4" providerId="ADAL" clId="{4B126191-4CA9-487C-BAEC-6AD27F68715D}" dt="2021-03-15T18:42:34.455" v="67" actId="20577"/>
-          <ac:spMkLst>
-            <pc:docMk/>
-            <pc:sldMk cId="1609848839" sldId="256"/>
-            <ac:spMk id="31" creationId="{C2D3D90C-F994-4CC3-8652-BCA3D4370ADC}"/>
-          </ac:spMkLst>
-        </pc:spChg>
-        <pc:spChg chg="mod">
-          <ac:chgData name="Frederick, Samuel" userId="090dec4f-7d84-4616-bef6-b2226d1b24c4" providerId="ADAL" clId="{4B126191-4CA9-487C-BAEC-6AD27F68715D}" dt="2021-03-15T18:44:19.859" v="134" actId="20577"/>
-          <ac:spMkLst>
-            <pc:docMk/>
-            <pc:sldMk cId="1609848839" sldId="256"/>
-            <ac:spMk id="59" creationId="{E04B0A2A-7186-444B-A2FD-564ED46DF573}"/>
-          </ac:spMkLst>
-        </pc:spChg>
-        <pc:graphicFrameChg chg="modGraphic">
-          <ac:chgData name="Frederick, Samuel" userId="090dec4f-7d84-4616-bef6-b2226d1b24c4" providerId="ADAL" clId="{4B126191-4CA9-487C-BAEC-6AD27F68715D}" dt="2021-03-15T18:40:20.656" v="7" actId="20577"/>
-          <ac:graphicFrameMkLst>
-            <pc:docMk/>
-            <pc:sldMk cId="1609848839" sldId="256"/>
-            <ac:graphicFrameMk id="18" creationId="{47941790-F508-45B8-841D-BA5D6A7CA69F}"/>
-          </ac:graphicFrameMkLst>
-        </pc:graphicFrameChg>
-        <pc:graphicFrameChg chg="modGraphic">
-          <ac:chgData name="Frederick, Samuel" userId="090dec4f-7d84-4616-bef6-b2226d1b24c4" providerId="ADAL" clId="{4B126191-4CA9-487C-BAEC-6AD27F68715D}" dt="2021-03-15T18:41:38.156" v="32" actId="20577"/>
-          <ac:graphicFrameMkLst>
-            <pc:docMk/>
-            <pc:sldMk cId="1609848839" sldId="256"/>
-            <ac:graphicFrameMk id="49" creationId="{8441374A-C641-48D4-B774-EC64A11FB91C}"/>
-          </ac:graphicFrameMkLst>
-        </pc:graphicFrameChg>
-        <pc:graphicFrameChg chg="modGraphic">
-          <ac:chgData name="Frederick, Samuel" userId="090dec4f-7d84-4616-bef6-b2226d1b24c4" providerId="ADAL" clId="{4B126191-4CA9-487C-BAEC-6AD27F68715D}" dt="2021-03-15T18:42:12.688" v="60" actId="20577"/>
-          <ac:graphicFrameMkLst>
-            <pc:docMk/>
-            <pc:sldMk cId="1609848839" sldId="256"/>
-            <ac:graphicFrameMk id="51" creationId="{38C03BB1-CCE2-4806-8CE1-DD9943BC99C5}"/>
-          </ac:graphicFrameMkLst>
-        </pc:graphicFrameChg>
-        <pc:graphicFrameChg chg="modGraphic">
-          <ac:chgData name="Frederick, Samuel" userId="090dec4f-7d84-4616-bef6-b2226d1b24c4" providerId="ADAL" clId="{4B126191-4CA9-487C-BAEC-6AD27F68715D}" dt="2021-03-15T18:44:03.368" v="124" actId="122"/>
-          <ac:graphicFrameMkLst>
-            <pc:docMk/>
-            <pc:sldMk cId="1609848839" sldId="256"/>
-            <ac:graphicFrameMk id="75" creationId="{6EB4E630-8A33-412B-A3BF-8934090A792B}"/>
-          </ac:graphicFrameMkLst>
-        </pc:graphicFrameChg>
-        <pc:graphicFrameChg chg="modGraphic">
-          <ac:chgData name="Frederick, Samuel" userId="090dec4f-7d84-4616-bef6-b2226d1b24c4" providerId="ADAL" clId="{4B126191-4CA9-487C-BAEC-6AD27F68715D}" dt="2021-03-16T18:39:41.464" v="529" actId="20577"/>
-          <ac:graphicFrameMkLst>
-            <pc:docMk/>
-            <pc:sldMk cId="1609848839" sldId="256"/>
-            <ac:graphicFrameMk id="76" creationId="{CFBC78B5-ECBB-4AC5-A5A0-78434B4C50A3}"/>
-          </ac:graphicFrameMkLst>
-        </pc:graphicFrameChg>
-      </pc:sldChg>
-      <pc:sldChg chg="modSp mod">
-        <pc:chgData name="Frederick, Samuel" userId="090dec4f-7d84-4616-bef6-b2226d1b24c4" providerId="ADAL" clId="{4B126191-4CA9-487C-BAEC-6AD27F68715D}" dt="2021-03-15T18:50:45.743" v="489" actId="20577"/>
-        <pc:sldMkLst>
-          <pc:docMk/>
-          <pc:sldMk cId="3695094907" sldId="260"/>
-        </pc:sldMkLst>
-        <pc:spChg chg="mod">
-          <ac:chgData name="Frederick, Samuel" userId="090dec4f-7d84-4616-bef6-b2226d1b24c4" providerId="ADAL" clId="{4B126191-4CA9-487C-BAEC-6AD27F68715D}" dt="2021-03-15T18:50:45.743" v="489" actId="20577"/>
-          <ac:spMkLst>
-            <pc:docMk/>
-            <pc:sldMk cId="3695094907" sldId="260"/>
-            <ac:spMk id="5" creationId="{87C71407-EF7C-4BA0-806E-4181E2359064}"/>
-          </ac:spMkLst>
-        </pc:spChg>
-        <pc:graphicFrameChg chg="mod modGraphic">
-          <ac:chgData name="Frederick, Samuel" userId="090dec4f-7d84-4616-bef6-b2226d1b24c4" providerId="ADAL" clId="{4B126191-4CA9-487C-BAEC-6AD27F68715D}" dt="2021-03-15T18:49:20.511" v="415" actId="20577"/>
-          <ac:graphicFrameMkLst>
-            <pc:docMk/>
-            <pc:sldMk cId="3695094907" sldId="260"/>
-            <ac:graphicFrameMk id="8" creationId="{35CBF3A8-21BF-4348-8673-6D11DB01D959}"/>
-          </ac:graphicFrameMkLst>
-        </pc:graphicFrameChg>
-      </pc:sldChg>
-    </pc:docChg>
-  </pc:docChgLst>
-  <pc:docChgLst>
-    <pc:chgData name="Frederick, Samuel" userId="090dec4f-7d84-4616-bef6-b2226d1b24c4" providerId="ADAL" clId="{6EB9735C-16A3-4AB5-A5E6-DA3B6B555828}"/>
-    <pc:docChg chg="undo custSel modSld">
-      <pc:chgData name="Frederick, Samuel" userId="090dec4f-7d84-4616-bef6-b2226d1b24c4" providerId="ADAL" clId="{6EB9735C-16A3-4AB5-A5E6-DA3B6B555828}" dt="2022-03-08T15:48:25.148" v="34" actId="20577"/>
-      <pc:docMkLst>
-        <pc:docMk/>
-      </pc:docMkLst>
-      <pc:sldChg chg="addSp delSp modSp mod">
-        <pc:chgData name="Frederick, Samuel" userId="090dec4f-7d84-4616-bef6-b2226d1b24c4" providerId="ADAL" clId="{6EB9735C-16A3-4AB5-A5E6-DA3B6B555828}" dt="2022-03-08T15:48:25.148" v="34" actId="20577"/>
-        <pc:sldMkLst>
-          <pc:docMk/>
-          <pc:sldMk cId="1609848839" sldId="256"/>
-        </pc:sldMkLst>
-        <pc:spChg chg="add del">
-          <ac:chgData name="Frederick, Samuel" userId="090dec4f-7d84-4616-bef6-b2226d1b24c4" providerId="ADAL" clId="{6EB9735C-16A3-4AB5-A5E6-DA3B6B555828}" dt="2022-03-08T15:43:36.053" v="4" actId="22"/>
-          <ac:spMkLst>
-            <pc:docMk/>
-            <pc:sldMk cId="1609848839" sldId="256"/>
-            <ac:spMk id="32" creationId="{BD20FB1E-70F5-4365-BBBB-D71BD624831B}"/>
-          </ac:spMkLst>
-        </pc:spChg>
-        <pc:graphicFrameChg chg="add del mod">
-          <ac:chgData name="Frederick, Samuel" userId="090dec4f-7d84-4616-bef6-b2226d1b24c4" providerId="ADAL" clId="{6EB9735C-16A3-4AB5-A5E6-DA3B6B555828}" dt="2022-03-08T15:43:43.638" v="6"/>
-          <ac:graphicFrameMkLst>
-            <pc:docMk/>
-            <pc:sldMk cId="1609848839" sldId="256"/>
-            <ac:graphicFrameMk id="33" creationId="{5452DF6E-9C16-48E2-9CD6-3FE30C2D95DE}"/>
-          </ac:graphicFrameMkLst>
-        </pc:graphicFrameChg>
-        <pc:graphicFrameChg chg="add mod modGraphic">
-          <ac:chgData name="Frederick, Samuel" userId="090dec4f-7d84-4616-bef6-b2226d1b24c4" providerId="ADAL" clId="{6EB9735C-16A3-4AB5-A5E6-DA3B6B555828}" dt="2022-03-08T15:48:25.148" v="34" actId="20577"/>
-          <ac:graphicFrameMkLst>
-            <pc:docMk/>
-            <pc:sldMk cId="1609848839" sldId="256"/>
-            <ac:graphicFrameMk id="34" creationId="{D0B531C8-60C2-48F9-BB0F-5A2C4BDD52AD}"/>
-          </ac:graphicFrameMkLst>
-        </pc:graphicFrameChg>
-        <pc:graphicFrameChg chg="add del mod modGraphic">
-          <ac:chgData name="Frederick, Samuel" userId="090dec4f-7d84-4616-bef6-b2226d1b24c4" providerId="ADAL" clId="{6EB9735C-16A3-4AB5-A5E6-DA3B6B555828}" dt="2022-03-08T15:44:31.213" v="12" actId="21"/>
-          <ac:graphicFrameMkLst>
-            <pc:docMk/>
-            <pc:sldMk cId="1609848839" sldId="256"/>
-            <ac:graphicFrameMk id="49" creationId="{8441374A-C641-48D4-B774-EC64A11FB91C}"/>
-          </ac:graphicFrameMkLst>
-        </pc:graphicFrameChg>
-      </pc:sldChg>
-    </pc:docChg>
-  </pc:docChgLst>
-  <pc:docChgLst>
-    <pc:chgData name="Frederick, Samuel" userId="090dec4f-7d84-4616-bef6-b2226d1b24c4" providerId="ADAL" clId="{89F68C54-55B7-49AF-A76F-B6940287DEDA}"/>
-    <pc:docChg chg="undo custSel addSld delSld modSld sldOrd modMainMaster">
-      <pc:chgData name="Frederick, Samuel" userId="090dec4f-7d84-4616-bef6-b2226d1b24c4" providerId="ADAL" clId="{89F68C54-55B7-49AF-A76F-B6940287DEDA}" dt="2020-12-30T21:27:20.234" v="590" actId="1076"/>
-      <pc:docMkLst>
-        <pc:docMk/>
-      </pc:docMkLst>
-      <pc:sldChg chg="addSp delSp modSp">
-        <pc:chgData name="Frederick, Samuel" userId="090dec4f-7d84-4616-bef6-b2226d1b24c4" providerId="ADAL" clId="{89F68C54-55B7-49AF-A76F-B6940287DEDA}" dt="2020-12-30T21:27:20.234" v="590" actId="1076"/>
-        <pc:sldMkLst>
-          <pc:docMk/>
-          <pc:sldMk cId="1609848839" sldId="256"/>
-        </pc:sldMkLst>
-        <pc:spChg chg="add del mod">
-          <ac:chgData name="Frederick, Samuel" userId="090dec4f-7d84-4616-bef6-b2226d1b24c4" providerId="ADAL" clId="{89F68C54-55B7-49AF-A76F-B6940287DEDA}" dt="2020-12-17T15:55:06.163" v="292"/>
-          <ac:spMkLst>
-            <pc:docMk/>
-            <pc:sldMk cId="1609848839" sldId="256"/>
-            <ac:spMk id="2" creationId="{222C60C8-0A0B-49F8-9114-72281039B5C2}"/>
-          </ac:spMkLst>
-        </pc:spChg>
-        <pc:spChg chg="add del mod">
-          <ac:chgData name="Frederick, Samuel" userId="090dec4f-7d84-4616-bef6-b2226d1b24c4" providerId="ADAL" clId="{89F68C54-55B7-49AF-A76F-B6940287DEDA}" dt="2020-12-18T20:55:25.396" v="546"/>
-          <ac:spMkLst>
-            <pc:docMk/>
-            <pc:sldMk cId="1609848839" sldId="256"/>
-            <ac:spMk id="2" creationId="{64E224B1-0860-4B0D-BCE1-29F0B05A80F8}"/>
-          </ac:spMkLst>
-        </pc:spChg>
-        <pc:spChg chg="del">
-          <ac:chgData name="Frederick, Samuel" userId="090dec4f-7d84-4616-bef6-b2226d1b24c4" providerId="ADAL" clId="{89F68C54-55B7-49AF-A76F-B6940287DEDA}" dt="2020-12-17T15:15:17.402" v="67" actId="478"/>
-          <ac:spMkLst>
-            <pc:docMk/>
-            <pc:sldMk cId="1609848839" sldId="256"/>
-            <ac:spMk id="3" creationId="{39D61524-7CBC-4415-8FC4-32349453BC1C}"/>
-          </ac:spMkLst>
-        </pc:spChg>
-        <pc:spChg chg="add mod">
-          <ac:chgData name="Frederick, Samuel" userId="090dec4f-7d84-4616-bef6-b2226d1b24c4" providerId="ADAL" clId="{89F68C54-55B7-49AF-A76F-B6940287DEDA}" dt="2020-12-18T20:55:25.396" v="546"/>
-          <ac:spMkLst>
-            <pc:docMk/>
-            <pc:sldMk cId="1609848839" sldId="256"/>
-            <ac:spMk id="3" creationId="{EC43C2E1-FF84-42C2-B9B6-D45A6FDCF74E}"/>
-          </ac:spMkLst>
-        </pc:spChg>
-        <pc:spChg chg="del">
-          <ac:chgData name="Frederick, Samuel" userId="090dec4f-7d84-4616-bef6-b2226d1b24c4" providerId="ADAL" clId="{89F68C54-55B7-49AF-A76F-B6940287DEDA}" dt="2020-12-17T15:14:54.015" v="64" actId="478"/>
-          <ac:spMkLst>
-            <pc:docMk/>
-            <pc:sldMk cId="1609848839" sldId="256"/>
-            <ac:spMk id="4" creationId="{D160735D-5660-42BF-A682-D4AB43960647}"/>
-          </ac:spMkLst>
-        </pc:spChg>
-        <pc:spChg chg="add del mod">
-          <ac:chgData name="Frederick, Samuel" userId="090dec4f-7d84-4616-bef6-b2226d1b24c4" providerId="ADAL" clId="{89F68C54-55B7-49AF-A76F-B6940287DEDA}" dt="2020-12-17T16:20:13.061" v="437" actId="478"/>
-          <ac:spMkLst>
-            <pc:docMk/>
-            <pc:sldMk cId="1609848839" sldId="256"/>
-            <ac:spMk id="6" creationId="{96D0B3B1-DDA5-4736-BD1E-FD4E2DE19A54}"/>
-          </ac:spMkLst>
-        </pc:spChg>
-        <pc:spChg chg="mod">
-          <ac:chgData name="Frederick, Samuel" userId="090dec4f-7d84-4616-bef6-b2226d1b24c4" providerId="ADAL" clId="{89F68C54-55B7-49AF-A76F-B6940287DEDA}" dt="2020-12-17T13:29:55.456" v="47" actId="1076"/>
-          <ac:spMkLst>
-            <pc:docMk/>
-            <pc:sldMk cId="1609848839" sldId="256"/>
-            <ac:spMk id="12" creationId="{2DD033D2-CE90-47B0-BBE7-77BA1962547E}"/>
-          </ac:spMkLst>
-        </pc:spChg>
-        <pc:spChg chg="add del mod">
-          <ac:chgData name="Frederick, Samuel" userId="090dec4f-7d84-4616-bef6-b2226d1b24c4" providerId="ADAL" clId="{89F68C54-55B7-49AF-A76F-B6940287DEDA}" dt="2020-12-17T21:49:47.238" v="528" actId="478"/>
-          <ac:spMkLst>
-            <pc:docMk/>
-            <pc:sldMk cId="1609848839" sldId="256"/>
-            <ac:spMk id="28" creationId="{915354AC-CD88-4208-B98C-BA55F727E821}"/>
-          </ac:spMkLst>
-        </pc:spChg>
-        <pc:spChg chg="add">
-          <ac:chgData name="Frederick, Samuel" userId="090dec4f-7d84-4616-bef6-b2226d1b24c4" providerId="ADAL" clId="{89F68C54-55B7-49AF-A76F-B6940287DEDA}" dt="2020-12-21T14:56:29.172" v="564"/>
-          <ac:spMkLst>
-            <pc:docMk/>
-            <pc:sldMk cId="1609848839" sldId="256"/>
-            <ac:spMk id="30" creationId="{52383DDE-3607-48CE-A7B4-400D3E2BA74C}"/>
-          </ac:spMkLst>
-        </pc:spChg>
-        <pc:spChg chg="add del mod">
-          <ac:chgData name="Frederick, Samuel" userId="090dec4f-7d84-4616-bef6-b2226d1b24c4" providerId="ADAL" clId="{89F68C54-55B7-49AF-A76F-B6940287DEDA}" dt="2020-12-17T15:53:05.824" v="281" actId="478"/>
-          <ac:spMkLst>
-            <pc:docMk/>
-            <pc:sldMk cId="1609848839" sldId="256"/>
-            <ac:spMk id="32" creationId="{1E4F3EE5-0BF3-48B6-BFF7-F167CC2F5785}"/>
-          </ac:spMkLst>
-        </pc:spChg>
-        <pc:spChg chg="add">
-          <ac:chgData name="Frederick, Samuel" userId="090dec4f-7d84-4616-bef6-b2226d1b24c4" providerId="ADAL" clId="{89F68C54-55B7-49AF-A76F-B6940287DEDA}" dt="2020-12-21T14:56:29.172" v="564"/>
-          <ac:spMkLst>
-            <pc:docMk/>
-            <pc:sldMk cId="1609848839" sldId="256"/>
-            <ac:spMk id="32" creationId="{8803B0E4-94DC-49ED-B09E-4AB178653AAC}"/>
-          </ac:spMkLst>
-        </pc:spChg>
-        <pc:spChg chg="add del">
-          <ac:chgData name="Frederick, Samuel" userId="090dec4f-7d84-4616-bef6-b2226d1b24c4" providerId="ADAL" clId="{89F68C54-55B7-49AF-A76F-B6940287DEDA}" dt="2020-12-21T14:56:28.708" v="563" actId="478"/>
-          <ac:spMkLst>
-            <pc:docMk/>
-            <pc:sldMk cId="1609848839" sldId="256"/>
-            <ac:spMk id="34" creationId="{3A95716C-5A0B-47EE-911C-9ADDEFDD9D19}"/>
-          </ac:spMkLst>
-        </pc:spChg>
-        <pc:spChg chg="add del mod">
-          <ac:chgData name="Frederick, Samuel" userId="090dec4f-7d84-4616-bef6-b2226d1b24c4" providerId="ADAL" clId="{89F68C54-55B7-49AF-A76F-B6940287DEDA}" dt="2020-12-21T14:56:28.708" v="563" actId="478"/>
-          <ac:spMkLst>
-            <pc:docMk/>
-            <pc:sldMk cId="1609848839" sldId="256"/>
-            <ac:spMk id="35" creationId="{BFFF4C26-26A0-49CA-A429-592727FBCF5B}"/>
-          </ac:spMkLst>
-        </pc:spChg>
-        <pc:spChg chg="del mod">
-          <ac:chgData name="Frederick, Samuel" userId="090dec4f-7d84-4616-bef6-b2226d1b24c4" providerId="ADAL" clId="{89F68C54-55B7-49AF-A76F-B6940287DEDA}" dt="2020-12-17T15:15:14.829" v="66" actId="478"/>
-          <ac:spMkLst>
-            <pc:docMk/>
-            <pc:sldMk cId="1609848839" sldId="256"/>
-            <ac:spMk id="41" creationId="{A39650BC-E063-40E4-AE66-012C71A9AE0F}"/>
-          </ac:spMkLst>
-        </pc:spChg>
-        <pc:spChg chg="del">
-          <ac:chgData name="Frederick, Samuel" userId="090dec4f-7d84-4616-bef6-b2226d1b24c4" providerId="ADAL" clId="{89F68C54-55B7-49AF-A76F-B6940287DEDA}" dt="2020-12-17T15:15:10.062" v="65" actId="478"/>
-          <ac:spMkLst>
-            <pc:docMk/>
-            <pc:sldMk cId="1609848839" sldId="256"/>
-            <ac:spMk id="50" creationId="{646EF1C4-2DB2-4555-979B-490672CB6428}"/>
-          </ac:spMkLst>
-        </pc:spChg>
-        <pc:spChg chg="mod">
-          <ac:chgData name="Frederick, Samuel" userId="090dec4f-7d84-4616-bef6-b2226d1b24c4" providerId="ADAL" clId="{89F68C54-55B7-49AF-A76F-B6940287DEDA}" dt="2020-12-17T16:11:14.213" v="318" actId="13244"/>
-          <ac:spMkLst>
-            <pc:docMk/>
-            <pc:sldMk cId="1609848839" sldId="256"/>
-            <ac:spMk id="55" creationId="{E2FA6826-B2D6-4FC9-B661-98C8142A0164}"/>
-          </ac:spMkLst>
-        </pc:spChg>
-        <pc:graphicFrameChg chg="add del mod">
-          <ac:chgData name="Frederick, Samuel" userId="090dec4f-7d84-4616-bef6-b2226d1b24c4" providerId="ADAL" clId="{89F68C54-55B7-49AF-A76F-B6940287DEDA}" dt="2020-12-17T18:46:08.646" v="459" actId="478"/>
-          <ac:graphicFrameMkLst>
-            <pc:docMk/>
-            <pc:sldMk cId="1609848839" sldId="256"/>
-            <ac:graphicFrameMk id="3" creationId="{EFBC9C4F-D11F-466D-BD08-206EB73BF948}"/>
-          </ac:graphicFrameMkLst>
-        </pc:graphicFrameChg>
-        <pc:graphicFrameChg chg="mod modGraphic">
-          <ac:chgData name="Frederick, Samuel" userId="090dec4f-7d84-4616-bef6-b2226d1b24c4" providerId="ADAL" clId="{89F68C54-55B7-49AF-A76F-B6940287DEDA}" dt="2020-12-30T21:26:56.132" v="586" actId="1036"/>
-          <ac:graphicFrameMkLst>
-            <pc:docMk/>
-            <pc:sldMk cId="1609848839" sldId="256"/>
-            <ac:graphicFrameMk id="18" creationId="{47941790-F508-45B8-841D-BA5D6A7CA69F}"/>
-          </ac:graphicFrameMkLst>
-        </pc:graphicFrameChg>
-        <pc:graphicFrameChg chg="mod modGraphic">
-          <ac:chgData name="Frederick, Samuel" userId="090dec4f-7d84-4616-bef6-b2226d1b24c4" providerId="ADAL" clId="{89F68C54-55B7-49AF-A76F-B6940287DEDA}" dt="2020-12-30T21:27:15.058" v="589" actId="1076"/>
-          <ac:graphicFrameMkLst>
-            <pc:docMk/>
-            <pc:sldMk cId="1609848839" sldId="256"/>
-            <ac:graphicFrameMk id="49" creationId="{8441374A-C641-48D4-B774-EC64A11FB91C}"/>
-          </ac:graphicFrameMkLst>
-        </pc:graphicFrameChg>
-        <pc:graphicFrameChg chg="mod modGraphic">
-          <ac:chgData name="Frederick, Samuel" userId="090dec4f-7d84-4616-bef6-b2226d1b24c4" providerId="ADAL" clId="{89F68C54-55B7-49AF-A76F-B6940287DEDA}" dt="2020-12-30T21:27:20.234" v="590" actId="1076"/>
-          <ac:graphicFrameMkLst>
-            <pc:docMk/>
-            <pc:sldMk cId="1609848839" sldId="256"/>
-            <ac:graphicFrameMk id="51" creationId="{38C03BB1-CCE2-4806-8CE1-DD9943BC99C5}"/>
-          </ac:graphicFrameMkLst>
-        </pc:graphicFrameChg>
-        <pc:graphicFrameChg chg="mod modGraphic">
-          <ac:chgData name="Frederick, Samuel" userId="090dec4f-7d84-4616-bef6-b2226d1b24c4" providerId="ADAL" clId="{89F68C54-55B7-49AF-A76F-B6940287DEDA}" dt="2020-12-17T13:24:19.545" v="25" actId="14100"/>
-          <ac:graphicFrameMkLst>
-            <pc:docMk/>
-            <pc:sldMk cId="1609848839" sldId="256"/>
-            <ac:graphicFrameMk id="75" creationId="{6EB4E630-8A33-412B-A3BF-8934090A792B}"/>
-          </ac:graphicFrameMkLst>
-        </pc:graphicFrameChg>
-        <pc:graphicFrameChg chg="mod modGraphic">
-          <ac:chgData name="Frederick, Samuel" userId="090dec4f-7d84-4616-bef6-b2226d1b24c4" providerId="ADAL" clId="{89F68C54-55B7-49AF-A76F-B6940287DEDA}" dt="2020-12-17T13:26:09.213" v="27" actId="14100"/>
-          <ac:graphicFrameMkLst>
-            <pc:docMk/>
-            <pc:sldMk cId="1609848839" sldId="256"/>
-            <ac:graphicFrameMk id="76" creationId="{CFBC78B5-ECBB-4AC5-A5A0-78434B4C50A3}"/>
-          </ac:graphicFrameMkLst>
-        </pc:graphicFrameChg>
-        <pc:picChg chg="add del mod">
-          <ac:chgData name="Frederick, Samuel" userId="090dec4f-7d84-4616-bef6-b2226d1b24c4" providerId="ADAL" clId="{89F68C54-55B7-49AF-A76F-B6940287DEDA}" dt="2020-12-17T15:38:27.333" v="152" actId="931"/>
-          <ac:picMkLst>
-            <pc:docMk/>
-            <pc:sldMk cId="1609848839" sldId="256"/>
-            <ac:picMk id="4" creationId="{D6A7D0EB-4DD2-479D-ABE4-8210BE6A5BBA}"/>
-          </ac:picMkLst>
-        </pc:picChg>
-        <pc:picChg chg="add del mod">
-          <ac:chgData name="Frederick, Samuel" userId="090dec4f-7d84-4616-bef6-b2226d1b24c4" providerId="ADAL" clId="{89F68C54-55B7-49AF-A76F-B6940287DEDA}" dt="2020-12-18T21:20:32.806" v="550" actId="478"/>
-          <ac:picMkLst>
-            <pc:docMk/>
-            <pc:sldMk cId="1609848839" sldId="256"/>
-            <ac:picMk id="30" creationId="{60B100A1-ACD0-42C7-B90B-4ADC5532FDF0}"/>
-          </ac:picMkLst>
-        </pc:picChg>
-        <pc:picChg chg="del mod">
-          <ac:chgData name="Frederick, Samuel" userId="090dec4f-7d84-4616-bef6-b2226d1b24c4" providerId="ADAL" clId="{89F68C54-55B7-49AF-A76F-B6940287DEDA}" dt="2020-12-17T15:15:18.862" v="69" actId="478"/>
-          <ac:picMkLst>
-            <pc:docMk/>
-            <pc:sldMk cId="1609848839" sldId="256"/>
-            <ac:picMk id="47" creationId="{0ADE4642-9AAF-4C8E-942C-AAC4492013B9}"/>
-          </ac:picMkLst>
-        </pc:picChg>
-        <pc:cxnChg chg="add del">
-          <ac:chgData name="Frederick, Samuel" userId="090dec4f-7d84-4616-bef6-b2226d1b24c4" providerId="ADAL" clId="{89F68C54-55B7-49AF-A76F-B6940287DEDA}" dt="2020-12-17T21:49:50.073" v="529" actId="478"/>
-          <ac:cxnSpMkLst>
-            <pc:docMk/>
-            <pc:sldMk cId="1609848839" sldId="256"/>
-            <ac:cxnSpMk id="33" creationId="{A77A0E7E-CE99-470E-A750-7D15B53D8744}"/>
-          </ac:cxnSpMkLst>
-        </pc:cxnChg>
-      </pc:sldChg>
-      <pc:sldChg chg="addSp delSp modSp del">
-        <pc:chgData name="Frederick, Samuel" userId="090dec4f-7d84-4616-bef6-b2226d1b24c4" providerId="ADAL" clId="{89F68C54-55B7-49AF-A76F-B6940287DEDA}" dt="2020-12-17T15:53:47.825" v="285" actId="2696"/>
-        <pc:sldMkLst>
-          <pc:docMk/>
-          <pc:sldMk cId="2545776838" sldId="257"/>
-        </pc:sldMkLst>
-        <pc:spChg chg="add del mod">
-          <ac:chgData name="Frederick, Samuel" userId="090dec4f-7d84-4616-bef6-b2226d1b24c4" providerId="ADAL" clId="{89F68C54-55B7-49AF-A76F-B6940287DEDA}" dt="2020-12-17T15:39:10.939" v="154"/>
-          <ac:spMkLst>
-            <pc:docMk/>
-            <pc:sldMk cId="2545776838" sldId="257"/>
-            <ac:spMk id="2" creationId="{A2115E23-34B0-447F-9C4A-B89DDD51CAD1}"/>
-          </ac:spMkLst>
-        </pc:spChg>
-        <pc:spChg chg="del">
-          <ac:chgData name="Frederick, Samuel" userId="090dec4f-7d84-4616-bef6-b2226d1b24c4" providerId="ADAL" clId="{89F68C54-55B7-49AF-A76F-B6940287DEDA}" dt="2020-12-17T15:47:44.301" v="181" actId="478"/>
-          <ac:spMkLst>
-            <pc:docMk/>
-            <pc:sldMk cId="2545776838" sldId="257"/>
-            <ac:spMk id="3" creationId="{629E6F75-73C6-4688-8B25-46349C625EA7}"/>
-          </ac:spMkLst>
-        </pc:spChg>
-        <pc:spChg chg="add del">
-          <ac:chgData name="Frederick, Samuel" userId="090dec4f-7d84-4616-bef6-b2226d1b24c4" providerId="ADAL" clId="{89F68C54-55B7-49AF-A76F-B6940287DEDA}" dt="2020-12-17T15:35:17.004" v="147" actId="478"/>
-          <ac:spMkLst>
-            <pc:docMk/>
-            <pc:sldMk cId="2545776838" sldId="257"/>
-            <ac:spMk id="16" creationId="{6E72D003-462F-47A9-983E-A70D275870A2}"/>
-          </ac:spMkLst>
-        </pc:spChg>
-        <pc:spChg chg="add del">
-          <ac:chgData name="Frederick, Samuel" userId="090dec4f-7d84-4616-bef6-b2226d1b24c4" providerId="ADAL" clId="{89F68C54-55B7-49AF-A76F-B6940287DEDA}" dt="2020-12-17T15:53:13.869" v="282" actId="478"/>
-          <ac:spMkLst>
-            <pc:docMk/>
-            <pc:sldMk cId="2545776838" sldId="257"/>
-            <ac:spMk id="18" creationId="{DB361692-DEE7-435A-80B1-7C6792225A50}"/>
-          </ac:spMkLst>
-        </pc:spChg>
-        <pc:spChg chg="add mod">
-          <ac:chgData name="Frederick, Samuel" userId="090dec4f-7d84-4616-bef6-b2226d1b24c4" providerId="ADAL" clId="{89F68C54-55B7-49AF-A76F-B6940287DEDA}" dt="2020-12-17T15:35:16.708" v="146" actId="14100"/>
-          <ac:spMkLst>
-            <pc:docMk/>
-            <pc:sldMk cId="2545776838" sldId="257"/>
-            <ac:spMk id="21" creationId="{6FE09605-B19A-4BB2-9F01-0F1F7142B276}"/>
-          </ac:spMkLst>
-        </pc:spChg>
-        <pc:spChg chg="add del">
-          <ac:chgData name="Frederick, Samuel" userId="090dec4f-7d84-4616-bef6-b2226d1b24c4" providerId="ADAL" clId="{89F68C54-55B7-49AF-A76F-B6940287DEDA}" dt="2020-12-16T21:36:24.188" v="19" actId="478"/>
-          <ac:spMkLst>
-            <pc:docMk/>
-            <pc:sldMk cId="2545776838" sldId="257"/>
-            <ac:spMk id="21" creationId="{A6437E64-1AC3-4058-95CF-B26026080B91}"/>
-          </ac:spMkLst>
-        </pc:spChg>
-        <pc:spChg chg="add del">
-          <ac:chgData name="Frederick, Samuel" userId="090dec4f-7d84-4616-bef6-b2226d1b24c4" providerId="ADAL" clId="{89F68C54-55B7-49AF-A76F-B6940287DEDA}" dt="2020-12-17T15:16:59.253" v="72" actId="478"/>
-          <ac:spMkLst>
-            <pc:docMk/>
-            <pc:sldMk cId="2545776838" sldId="257"/>
-            <ac:spMk id="24" creationId="{38395F2B-3350-4E18-A72E-E5F8BCFD751C}"/>
-          </ac:spMkLst>
-        </pc:spChg>
-        <pc:spChg chg="add">
-          <ac:chgData name="Frederick, Samuel" userId="090dec4f-7d84-4616-bef6-b2226d1b24c4" providerId="ADAL" clId="{89F68C54-55B7-49AF-A76F-B6940287DEDA}" dt="2020-12-17T15:25:09.993" v="86"/>
-          <ac:spMkLst>
-            <pc:docMk/>
-            <pc:sldMk cId="2545776838" sldId="257"/>
-            <ac:spMk id="24" creationId="{A8BF37F1-E19A-4472-BBFF-A7D11D2AE557}"/>
-          </ac:spMkLst>
-        </pc:spChg>
-        <pc:spChg chg="del">
-          <ac:chgData name="Frederick, Samuel" userId="090dec4f-7d84-4616-bef6-b2226d1b24c4" providerId="ADAL" clId="{89F68C54-55B7-49AF-A76F-B6940287DEDA}" dt="2020-12-17T15:16:57.277" v="71" actId="478"/>
-          <ac:spMkLst>
-            <pc:docMk/>
-            <pc:sldMk cId="2545776838" sldId="257"/>
-            <ac:spMk id="28" creationId="{1D314D78-CE33-49D5-83AC-FF5717DCBF25}"/>
-          </ac:spMkLst>
-        </pc:spChg>
-        <pc:spChg chg="del">
-          <ac:chgData name="Frederick, Samuel" userId="090dec4f-7d84-4616-bef6-b2226d1b24c4" providerId="ADAL" clId="{89F68C54-55B7-49AF-A76F-B6940287DEDA}" dt="2020-12-17T15:17:01.097" v="73" actId="478"/>
-          <ac:spMkLst>
-            <pc:docMk/>
-            <pc:sldMk cId="2545776838" sldId="257"/>
-            <ac:spMk id="36" creationId="{783B327D-6BE1-484C-A756-764A48D795FA}"/>
-          </ac:spMkLst>
-        </pc:spChg>
-        <pc:spChg chg="del">
-          <ac:chgData name="Frederick, Samuel" userId="090dec4f-7d84-4616-bef6-b2226d1b24c4" providerId="ADAL" clId="{89F68C54-55B7-49AF-A76F-B6940287DEDA}" dt="2020-12-16T21:33:25.555" v="14" actId="478"/>
-          <ac:spMkLst>
-            <pc:docMk/>
-            <pc:sldMk cId="2545776838" sldId="257"/>
-            <ac:spMk id="39" creationId="{22042117-3B80-40F5-B4D1-CD3EBBE4CB1F}"/>
-          </ac:spMkLst>
-        </pc:spChg>
-        <pc:spChg chg="del">
-          <ac:chgData name="Frederick, Samuel" userId="090dec4f-7d84-4616-bef6-b2226d1b24c4" providerId="ADAL" clId="{89F68C54-55B7-49AF-A76F-B6940287DEDA}" dt="2020-12-17T15:16:14.226" v="70" actId="478"/>
-          <ac:spMkLst>
-            <pc:docMk/>
-            <pc:sldMk cId="2545776838" sldId="257"/>
-            <ac:spMk id="41" creationId="{C07C568A-A831-4547-96FE-A3DA07755FB0}"/>
-          </ac:spMkLst>
-        </pc:spChg>
-        <pc:picChg chg="add del">
-          <ac:chgData name="Frederick, Samuel" userId="090dec4f-7d84-4616-bef6-b2226d1b24c4" providerId="ADAL" clId="{89F68C54-55B7-49AF-A76F-B6940287DEDA}" dt="2020-12-17T15:35:17.673" v="148" actId="478"/>
-          <ac:picMkLst>
-            <pc:docMk/>
-            <pc:sldMk cId="2545776838" sldId="257"/>
-            <ac:picMk id="17" creationId="{017A361E-2188-4B1F-A04E-F3AD45CCE846}"/>
-          </ac:picMkLst>
-        </pc:picChg>
-        <pc:picChg chg="del mod">
-          <ac:chgData name="Frederick, Samuel" userId="090dec4f-7d84-4616-bef6-b2226d1b24c4" providerId="ADAL" clId="{89F68C54-55B7-49AF-A76F-B6940287DEDA}" dt="2020-12-17T15:17:02.672" v="75" actId="478"/>
-          <ac:picMkLst>
-            <pc:docMk/>
-            <pc:sldMk cId="2545776838" sldId="257"/>
-            <ac:picMk id="32" creationId="{4ECFEC31-08B5-4576-98E0-4FADA90B7393}"/>
-          </ac:picMkLst>
-        </pc:picChg>
-        <pc:cxnChg chg="add">
-          <ac:chgData name="Frederick, Samuel" userId="090dec4f-7d84-4616-bef6-b2226d1b24c4" providerId="ADAL" clId="{89F68C54-55B7-49AF-A76F-B6940287DEDA}" dt="2020-12-17T15:25:09.993" v="86"/>
-          <ac:cxnSpMkLst>
-            <pc:docMk/>
-            <pc:sldMk cId="2545776838" sldId="257"/>
-            <ac:cxnSpMk id="20" creationId="{B735BA38-F161-42D3-8CA2-55D1FEBFA21C}"/>
-          </ac:cxnSpMkLst>
-        </pc:cxnChg>
-        <pc:cxnChg chg="del">
-          <ac:chgData name="Frederick, Samuel" userId="090dec4f-7d84-4616-bef6-b2226d1b24c4" providerId="ADAL" clId="{89F68C54-55B7-49AF-A76F-B6940287DEDA}" dt="2020-12-17T15:25:08.982" v="85" actId="478"/>
-          <ac:cxnSpMkLst>
-            <pc:docMk/>
-            <pc:sldMk cId="2545776838" sldId="257"/>
-            <ac:cxnSpMk id="37" creationId="{DAE8B1F2-AECF-4261-8187-650AB8D4F3C5}"/>
-          </ac:cxnSpMkLst>
-        </pc:cxnChg>
-      </pc:sldChg>
-      <pc:sldChg chg="addSp delSp del">
-        <pc:chgData name="Frederick, Samuel" userId="090dec4f-7d84-4616-bef6-b2226d1b24c4" providerId="ADAL" clId="{89F68C54-55B7-49AF-A76F-B6940287DEDA}" dt="2020-12-17T15:54:43.609" v="291" actId="2696"/>
-        <pc:sldMkLst>
-          <pc:docMk/>
-          <pc:sldMk cId="1550599966" sldId="258"/>
-        </pc:sldMkLst>
-        <pc:spChg chg="add del">
-          <ac:chgData name="Frederick, Samuel" userId="090dec4f-7d84-4616-bef6-b2226d1b24c4" providerId="ADAL" clId="{89F68C54-55B7-49AF-A76F-B6940287DEDA}" dt="2020-12-17T15:47:26.526" v="178" actId="478"/>
-          <ac:spMkLst>
-            <pc:docMk/>
-            <pc:sldMk cId="1550599966" sldId="258"/>
-            <ac:spMk id="8" creationId="{1C5129B4-86E0-401D-84F6-AF44887B271D}"/>
-          </ac:spMkLst>
-        </pc:spChg>
-        <pc:spChg chg="add del">
-          <ac:chgData name="Frederick, Samuel" userId="090dec4f-7d84-4616-bef6-b2226d1b24c4" providerId="ADAL" clId="{89F68C54-55B7-49AF-A76F-B6940287DEDA}" dt="2020-12-17T15:53:16.432" v="283" actId="478"/>
-          <ac:spMkLst>
-            <pc:docMk/>
-            <pc:sldMk cId="1550599966" sldId="258"/>
-            <ac:spMk id="10" creationId="{CE575008-A319-4A72-B967-5966BDF65DE7}"/>
-          </ac:spMkLst>
-        </pc:spChg>
-        <pc:spChg chg="add">
-          <ac:chgData name="Frederick, Samuel" userId="090dec4f-7d84-4616-bef6-b2226d1b24c4" providerId="ADAL" clId="{89F68C54-55B7-49AF-A76F-B6940287DEDA}" dt="2020-12-17T15:25:12.544" v="87"/>
-          <ac:spMkLst>
-            <pc:docMk/>
-            <pc:sldMk cId="1550599966" sldId="258"/>
-            <ac:spMk id="12" creationId="{44F3BB0B-7AB0-46EC-9A15-917B7AF95519}"/>
-          </ac:spMkLst>
-        </pc:spChg>
-        <pc:spChg chg="add">
-          <ac:chgData name="Frederick, Samuel" userId="090dec4f-7d84-4616-bef6-b2226d1b24c4" providerId="ADAL" clId="{89F68C54-55B7-49AF-A76F-B6940287DEDA}" dt="2020-12-17T15:25:12.544" v="87"/>
-          <ac:spMkLst>
-            <pc:docMk/>
-            <pc:sldMk cId="1550599966" sldId="258"/>
-            <ac:spMk id="13" creationId="{93BC31EA-ECD3-4989-8439-27337E726300}"/>
-          </ac:spMkLst>
-        </pc:spChg>
-        <pc:spChg chg="add del">
-          <ac:chgData name="Frederick, Samuel" userId="090dec4f-7d84-4616-bef6-b2226d1b24c4" providerId="ADAL" clId="{89F68C54-55B7-49AF-A76F-B6940287DEDA}" dt="2020-12-16T21:36:27.584" v="21" actId="478"/>
-          <ac:spMkLst>
-            <pc:docMk/>
-            <pc:sldMk cId="1550599966" sldId="258"/>
-            <ac:spMk id="14" creationId="{A3F78638-9314-44D8-8A9E-6B389A87C8E0}"/>
-          </ac:spMkLst>
-        </pc:spChg>
-        <pc:spChg chg="add del">
-          <ac:chgData name="Frederick, Samuel" userId="090dec4f-7d84-4616-bef6-b2226d1b24c4" providerId="ADAL" clId="{89F68C54-55B7-49AF-A76F-B6940287DEDA}" dt="2020-12-17T15:17:16.480" v="76" actId="478"/>
-          <ac:spMkLst>
-            <pc:docMk/>
-            <pc:sldMk cId="1550599966" sldId="258"/>
-            <ac:spMk id="15" creationId="{13484D59-0373-4682-8404-13753BC24C9C}"/>
-          </ac:spMkLst>
-        </pc:spChg>
-        <pc:spChg chg="del">
-          <ac:chgData name="Frederick, Samuel" userId="090dec4f-7d84-4616-bef6-b2226d1b24c4" providerId="ADAL" clId="{89F68C54-55B7-49AF-A76F-B6940287DEDA}" dt="2020-12-17T15:17:16.480" v="76" actId="478"/>
-          <ac:spMkLst>
-            <pc:docMk/>
-            <pc:sldMk cId="1550599966" sldId="258"/>
-            <ac:spMk id="19" creationId="{30A7178B-3F76-44B5-A094-FA93F7797F1A}"/>
-          </ac:spMkLst>
-        </pc:spChg>
-        <pc:spChg chg="del">
-          <ac:chgData name="Frederick, Samuel" userId="090dec4f-7d84-4616-bef6-b2226d1b24c4" providerId="ADAL" clId="{89F68C54-55B7-49AF-A76F-B6940287DEDA}" dt="2020-12-17T15:17:16.480" v="76" actId="478"/>
-          <ac:spMkLst>
-            <pc:docMk/>
-            <pc:sldMk cId="1550599966" sldId="258"/>
-            <ac:spMk id="22" creationId="{9683165E-9B86-40F5-ADE7-6C8B491B8145}"/>
-          </ac:spMkLst>
-        </pc:spChg>
-        <pc:spChg chg="del">
-          <ac:chgData name="Frederick, Samuel" userId="090dec4f-7d84-4616-bef6-b2226d1b24c4" providerId="ADAL" clId="{89F68C54-55B7-49AF-A76F-B6940287DEDA}" dt="2020-12-16T21:33:31.778" v="16" actId="478"/>
-          <ac:spMkLst>
-            <pc:docMk/>
-            <pc:sldMk cId="1550599966" sldId="258"/>
-            <ac:spMk id="24" creationId="{1B4BA866-9C96-42CB-AF80-97759CC430DB}"/>
-          </ac:spMkLst>
-        </pc:spChg>
-        <pc:spChg chg="del">
-          <ac:chgData name="Frederick, Samuel" userId="090dec4f-7d84-4616-bef6-b2226d1b24c4" providerId="ADAL" clId="{89F68C54-55B7-49AF-A76F-B6940287DEDA}" dt="2020-12-17T15:17:16.480" v="76" actId="478"/>
-          <ac:spMkLst>
-            <pc:docMk/>
-            <pc:sldMk cId="1550599966" sldId="258"/>
-            <ac:spMk id="25" creationId="{3F367B69-0608-4F85-AF8F-6F34295EDA01}"/>
-          </ac:spMkLst>
-        </pc:spChg>
-        <pc:picChg chg="add del">
-          <ac:chgData name="Frederick, Samuel" userId="090dec4f-7d84-4616-bef6-b2226d1b24c4" providerId="ADAL" clId="{89F68C54-55B7-49AF-A76F-B6940287DEDA}" dt="2020-12-17T15:47:27.843" v="180" actId="478"/>
-          <ac:picMkLst>
-            <pc:docMk/>
-            <pc:sldMk cId="1550599966" sldId="258"/>
-            <ac:picMk id="9" creationId="{29CF352A-696B-48B8-9C03-CA6ED28E7ECC}"/>
-          </ac:picMkLst>
-        </pc:picChg>
-        <pc:picChg chg="del">
-          <ac:chgData name="Frederick, Samuel" userId="090dec4f-7d84-4616-bef6-b2226d1b24c4" providerId="ADAL" clId="{89F68C54-55B7-49AF-A76F-B6940287DEDA}" dt="2020-12-17T15:17:16.480" v="76" actId="478"/>
-          <ac:picMkLst>
-            <pc:docMk/>
-            <pc:sldMk cId="1550599966" sldId="258"/>
-            <ac:picMk id="20" creationId="{4C2A1A99-1143-4219-80B3-83736493BACB}"/>
-          </ac:picMkLst>
-        </pc:picChg>
-        <pc:cxnChg chg="add">
-          <ac:chgData name="Frederick, Samuel" userId="090dec4f-7d84-4616-bef6-b2226d1b24c4" providerId="ADAL" clId="{89F68C54-55B7-49AF-A76F-B6940287DEDA}" dt="2020-12-17T15:25:12.544" v="87"/>
-          <ac:cxnSpMkLst>
-            <pc:docMk/>
-            <pc:sldMk cId="1550599966" sldId="258"/>
-            <ac:cxnSpMk id="11" creationId="{D52031C1-413D-4549-8534-A00E0DAB4AB6}"/>
-          </ac:cxnSpMkLst>
-        </pc:cxnChg>
-        <pc:cxnChg chg="del">
-          <ac:chgData name="Frederick, Samuel" userId="090dec4f-7d84-4616-bef6-b2226d1b24c4" providerId="ADAL" clId="{89F68C54-55B7-49AF-A76F-B6940287DEDA}" dt="2020-12-17T15:17:16.480" v="76" actId="478"/>
-          <ac:cxnSpMkLst>
-            <pc:docMk/>
-            <pc:sldMk cId="1550599966" sldId="258"/>
-            <ac:cxnSpMk id="23" creationId="{95109887-5CDE-4447-94F4-A2BB2C820FBC}"/>
-          </ac:cxnSpMkLst>
-        </pc:cxnChg>
-      </pc:sldChg>
-      <pc:sldChg chg="delSp add del">
-        <pc:chgData name="Frederick, Samuel" userId="090dec4f-7d84-4616-bef6-b2226d1b24c4" providerId="ADAL" clId="{89F68C54-55B7-49AF-A76F-B6940287DEDA}" dt="2020-12-17T15:41:02.260" v="157" actId="2696"/>
-        <pc:sldMkLst>
-          <pc:docMk/>
-          <pc:sldMk cId="2410093258" sldId="259"/>
-        </pc:sldMkLst>
-        <pc:spChg chg="del">
-          <ac:chgData name="Frederick, Samuel" userId="090dec4f-7d84-4616-bef6-b2226d1b24c4" providerId="ADAL" clId="{89F68C54-55B7-49AF-A76F-B6940287DEDA}" dt="2020-12-17T15:40:52.925" v="156" actId="478"/>
-          <ac:spMkLst>
-            <pc:docMk/>
-            <pc:sldMk cId="2410093258" sldId="259"/>
-            <ac:spMk id="2" creationId="{D326621B-FB73-47CF-91DD-EBEE08DC5D86}"/>
-          </ac:spMkLst>
-        </pc:spChg>
-      </pc:sldChg>
-      <pc:sldChg chg="addSp delSp modSp add del">
-        <pc:chgData name="Frederick, Samuel" userId="090dec4f-7d84-4616-bef6-b2226d1b24c4" providerId="ADAL" clId="{89F68C54-55B7-49AF-A76F-B6940287DEDA}" dt="2020-12-17T15:46:54.734" v="173" actId="2696"/>
-        <pc:sldMkLst>
-          <pc:docMk/>
-          <pc:sldMk cId="3245744288" sldId="259"/>
-        </pc:sldMkLst>
-        <pc:spChg chg="del">
-          <ac:chgData name="Frederick, Samuel" userId="090dec4f-7d84-4616-bef6-b2226d1b24c4" providerId="ADAL" clId="{89F68C54-55B7-49AF-A76F-B6940287DEDA}" dt="2020-12-17T15:43:03.008" v="169"/>
-          <ac:spMkLst>
-            <pc:docMk/>
-            <pc:sldMk cId="3245744288" sldId="259"/>
-            <ac:spMk id="2" creationId="{CEE833C7-C95F-4B18-BE4E-158110F90748}"/>
-          </ac:spMkLst>
-        </pc:spChg>
-        <pc:spChg chg="del">
-          <ac:chgData name="Frederick, Samuel" userId="090dec4f-7d84-4616-bef6-b2226d1b24c4" providerId="ADAL" clId="{89F68C54-55B7-49AF-A76F-B6940287DEDA}" dt="2020-12-17T15:43:03.008" v="169"/>
-          <ac:spMkLst>
-            <pc:docMk/>
-            <pc:sldMk cId="3245744288" sldId="259"/>
-            <ac:spMk id="4" creationId="{6E7F31CD-FC06-4A33-8AAC-992D049761A6}"/>
-          </ac:spMkLst>
-        </pc:spChg>
-        <pc:spChg chg="add mod">
-          <ac:chgData name="Frederick, Samuel" userId="090dec4f-7d84-4616-bef6-b2226d1b24c4" providerId="ADAL" clId="{89F68C54-55B7-49AF-A76F-B6940287DEDA}" dt="2020-12-17T15:43:03.008" v="169"/>
-          <ac:spMkLst>
-            <pc:docMk/>
-            <pc:sldMk cId="3245744288" sldId="259"/>
-            <ac:spMk id="5" creationId="{BDCEF8D6-43AF-472A-8B65-6C0CC8693C70}"/>
-          </ac:spMkLst>
-        </pc:spChg>
-      </pc:sldChg>
-      <pc:sldChg chg="addSp delSp modSp add del ord">
-        <pc:chgData name="Frederick, Samuel" userId="090dec4f-7d84-4616-bef6-b2226d1b24c4" providerId="ADAL" clId="{89F68C54-55B7-49AF-A76F-B6940287DEDA}" dt="2020-12-30T15:44:19.367" v="577" actId="2696"/>
-        <pc:sldMkLst>
-          <pc:docMk/>
-          <pc:sldMk cId="3989749464" sldId="259"/>
-        </pc:sldMkLst>
-        <pc:spChg chg="add del mod">
-          <ac:chgData name="Frederick, Samuel" userId="090dec4f-7d84-4616-bef6-b2226d1b24c4" providerId="ADAL" clId="{89F68C54-55B7-49AF-A76F-B6940287DEDA}" dt="2020-12-17T16:19:40.174" v="432" actId="478"/>
-          <ac:spMkLst>
-            <pc:docMk/>
-            <pc:sldMk cId="3989749464" sldId="259"/>
-            <ac:spMk id="2" creationId="{7D1B6CDF-941A-44A6-B55B-6AF0C98144C1}"/>
-          </ac:spMkLst>
-        </pc:spChg>
-        <pc:spChg chg="add mod">
-          <ac:chgData name="Frederick, Samuel" userId="090dec4f-7d84-4616-bef6-b2226d1b24c4" providerId="ADAL" clId="{89F68C54-55B7-49AF-A76F-B6940287DEDA}" dt="2020-12-18T20:55:14.888" v="544" actId="13244"/>
-          <ac:spMkLst>
-            <pc:docMk/>
-            <pc:sldMk cId="3989749464" sldId="259"/>
-            <ac:spMk id="2" creationId="{91E78DD3-F9DE-4BC8-8D0B-9F11F62EB640}"/>
-          </ac:spMkLst>
-        </pc:spChg>
-        <pc:spChg chg="add del mod">
-          <ac:chgData name="Frederick, Samuel" userId="090dec4f-7d84-4616-bef6-b2226d1b24c4" providerId="ADAL" clId="{89F68C54-55B7-49AF-A76F-B6940287DEDA}" dt="2020-12-18T20:55:09.425" v="543"/>
-          <ac:spMkLst>
-            <pc:docMk/>
-            <pc:sldMk cId="3989749464" sldId="259"/>
-            <ac:spMk id="4" creationId="{C94C8DB5-8C4B-4514-8BD6-BEEE300D2AB8}"/>
-          </ac:spMkLst>
-        </pc:spChg>
-        <pc:spChg chg="add">
-          <ac:chgData name="Frederick, Samuel" userId="090dec4f-7d84-4616-bef6-b2226d1b24c4" providerId="ADAL" clId="{89F68C54-55B7-49AF-A76F-B6940287DEDA}" dt="2020-12-17T15:47:58.991" v="182"/>
-          <ac:spMkLst>
-            <pc:docMk/>
-            <pc:sldMk cId="3989749464" sldId="259"/>
-            <ac:spMk id="7" creationId="{21110295-55DA-4566-82EC-ACF44A2402E3}"/>
-          </ac:spMkLst>
-        </pc:spChg>
-        <pc:spChg chg="add">
-          <ac:chgData name="Frederick, Samuel" userId="090dec4f-7d84-4616-bef6-b2226d1b24c4" providerId="ADAL" clId="{89F68C54-55B7-49AF-A76F-B6940287DEDA}" dt="2020-12-17T15:47:58.991" v="182"/>
-          <ac:spMkLst>
-            <pc:docMk/>
-            <pc:sldMk cId="3989749464" sldId="259"/>
-            <ac:spMk id="8" creationId="{BF188BFC-C6AC-4022-8984-5E562351ECC3}"/>
-          </ac:spMkLst>
-        </pc:spChg>
-        <pc:spChg chg="add">
-          <ac:chgData name="Frederick, Samuel" userId="090dec4f-7d84-4616-bef6-b2226d1b24c4" providerId="ADAL" clId="{89F68C54-55B7-49AF-A76F-B6940287DEDA}" dt="2020-12-17T15:47:58.991" v="182"/>
-          <ac:spMkLst>
-            <pc:docMk/>
-            <pc:sldMk cId="3989749464" sldId="259"/>
-            <ac:spMk id="11" creationId="{2103B3C2-AE72-4F03-9003-3CB57BDDB7FC}"/>
-          </ac:spMkLst>
-        </pc:spChg>
-        <pc:spChg chg="add">
-          <ac:chgData name="Frederick, Samuel" userId="090dec4f-7d84-4616-bef6-b2226d1b24c4" providerId="ADAL" clId="{89F68C54-55B7-49AF-A76F-B6940287DEDA}" dt="2020-12-17T15:47:58.991" v="182"/>
-          <ac:spMkLst>
-            <pc:docMk/>
-            <pc:sldMk cId="3989749464" sldId="259"/>
-            <ac:spMk id="13" creationId="{E54F6849-F520-4396-9ADD-54941A4DD80D}"/>
-          </ac:spMkLst>
-        </pc:spChg>
-        <pc:spChg chg="add">
-          <ac:chgData name="Frederick, Samuel" userId="090dec4f-7d84-4616-bef6-b2226d1b24c4" providerId="ADAL" clId="{89F68C54-55B7-49AF-A76F-B6940287DEDA}" dt="2020-12-17T15:47:58.991" v="182"/>
-          <ac:spMkLst>
-            <pc:docMk/>
-            <pc:sldMk cId="3989749464" sldId="259"/>
-            <ac:spMk id="14" creationId="{6B680602-3BC1-4E5E-A6A7-AECA251CA1EC}"/>
-          </ac:spMkLst>
-        </pc:spChg>
-        <pc:spChg chg="add mod">
-          <ac:chgData name="Frederick, Samuel" userId="090dec4f-7d84-4616-bef6-b2226d1b24c4" providerId="ADAL" clId="{89F68C54-55B7-49AF-A76F-B6940287DEDA}" dt="2020-12-17T15:49:03.297" v="194" actId="14100"/>
-          <ac:spMkLst>
-            <pc:docMk/>
-            <pc:sldMk cId="3989749464" sldId="259"/>
-            <ac:spMk id="15" creationId="{4CFAFCA8-4D27-4BDE-BF4B-F097617F95DA}"/>
-          </ac:spMkLst>
-        </pc:spChg>
-        <pc:spChg chg="add del ord">
-          <ac:chgData name="Frederick, Samuel" userId="090dec4f-7d84-4616-bef6-b2226d1b24c4" providerId="ADAL" clId="{89F68C54-55B7-49AF-A76F-B6940287DEDA}" dt="2020-12-17T21:50:01.841" v="530" actId="478"/>
-          <ac:spMkLst>
-            <pc:docMk/>
-            <pc:sldMk cId="3989749464" sldId="259"/>
-            <ac:spMk id="16" creationId="{723B379F-1B7A-42F5-A190-775C3A5740FE}"/>
-          </ac:spMkLst>
-        </pc:spChg>
-        <pc:spChg chg="add">
-          <ac:chgData name="Frederick, Samuel" userId="090dec4f-7d84-4616-bef6-b2226d1b24c4" providerId="ADAL" clId="{89F68C54-55B7-49AF-A76F-B6940287DEDA}" dt="2020-12-21T14:56:22.768" v="562"/>
-          <ac:spMkLst>
-            <pc:docMk/>
-            <pc:sldMk cId="3989749464" sldId="259"/>
-            <ac:spMk id="17" creationId="{1B1553A4-D56B-48B5-A341-8713024DC269}"/>
-          </ac:spMkLst>
-        </pc:spChg>
-        <pc:spChg chg="add del mod">
-          <ac:chgData name="Frederick, Samuel" userId="090dec4f-7d84-4616-bef6-b2226d1b24c4" providerId="ADAL" clId="{89F68C54-55B7-49AF-A76F-B6940287DEDA}" dt="2020-12-17T15:52:49.544" v="279" actId="478"/>
-          <ac:spMkLst>
-            <pc:docMk/>
-            <pc:sldMk cId="3989749464" sldId="259"/>
-            <ac:spMk id="18" creationId="{038629C1-9540-4C49-968E-2F193B8F252B}"/>
-          </ac:spMkLst>
-        </pc:spChg>
-        <pc:spChg chg="add del mod">
-          <ac:chgData name="Frederick, Samuel" userId="090dec4f-7d84-4616-bef6-b2226d1b24c4" providerId="ADAL" clId="{89F68C54-55B7-49AF-A76F-B6940287DEDA}" dt="2020-12-21T14:56:22.319" v="561" actId="478"/>
-          <ac:spMkLst>
-            <pc:docMk/>
-            <pc:sldMk cId="3989749464" sldId="259"/>
-            <ac:spMk id="18" creationId="{AA3AB5D5-B64F-46E2-9056-61D31EFEAD57}"/>
-          </ac:spMkLst>
-        </pc:spChg>
-        <pc:spChg chg="add">
-          <ac:chgData name="Frederick, Samuel" userId="090dec4f-7d84-4616-bef6-b2226d1b24c4" providerId="ADAL" clId="{89F68C54-55B7-49AF-A76F-B6940287DEDA}" dt="2020-12-21T14:56:22.768" v="562"/>
-          <ac:spMkLst>
-            <pc:docMk/>
-            <pc:sldMk cId="3989749464" sldId="259"/>
-            <ac:spMk id="19" creationId="{85701BB1-D266-49BA-9881-5B47147C96AB}"/>
-          </ac:spMkLst>
-        </pc:spChg>
-        <pc:spChg chg="add del">
-          <ac:chgData name="Frederick, Samuel" userId="090dec4f-7d84-4616-bef6-b2226d1b24c4" providerId="ADAL" clId="{89F68C54-55B7-49AF-A76F-B6940287DEDA}" dt="2020-12-21T14:56:22.319" v="561" actId="478"/>
-          <ac:spMkLst>
-            <pc:docMk/>
-            <pc:sldMk cId="3989749464" sldId="259"/>
-            <ac:spMk id="20" creationId="{3961632C-D981-4DD1-97E4-2425E0CD9899}"/>
-          </ac:spMkLst>
-        </pc:spChg>
-        <pc:spChg chg="add del">
-          <ac:chgData name="Frederick, Samuel" userId="090dec4f-7d84-4616-bef6-b2226d1b24c4" providerId="ADAL" clId="{89F68C54-55B7-49AF-A76F-B6940287DEDA}" dt="2020-12-18T20:15:16.150" v="535" actId="478"/>
-          <ac:spMkLst>
-            <pc:docMk/>
-            <pc:sldMk cId="3989749464" sldId="259"/>
-            <ac:spMk id="21" creationId="{772459A7-10F8-4065-B47E-CE74D1C7F268}"/>
-          </ac:spMkLst>
-        </pc:spChg>
-        <pc:graphicFrameChg chg="add del">
-          <ac:chgData name="Frederick, Samuel" userId="090dec4f-7d84-4616-bef6-b2226d1b24c4" providerId="ADAL" clId="{89F68C54-55B7-49AF-A76F-B6940287DEDA}" dt="2020-12-17T15:50:51.014" v="206" actId="478"/>
-          <ac:graphicFrameMkLst>
-            <pc:docMk/>
-            <pc:sldMk cId="3989749464" sldId="259"/>
-            <ac:graphicFrameMk id="4" creationId="{2381F676-6D8C-49DE-88E7-70518387D2E7}"/>
-          </ac:graphicFrameMkLst>
-        </pc:graphicFrameChg>
-        <pc:graphicFrameChg chg="add">
-          <ac:chgData name="Frederick, Samuel" userId="090dec4f-7d84-4616-bef6-b2226d1b24c4" providerId="ADAL" clId="{89F68C54-55B7-49AF-A76F-B6940287DEDA}" dt="2020-12-17T15:47:58.991" v="182"/>
-          <ac:graphicFrameMkLst>
-            <pc:docMk/>
-            <pc:sldMk cId="3989749464" sldId="259"/>
-            <ac:graphicFrameMk id="5" creationId="{391EFEF1-1D03-456E-BBC6-CFE38B0FF945}"/>
-          </ac:graphicFrameMkLst>
-        </pc:graphicFrameChg>
-        <pc:graphicFrameChg chg="add">
-          <ac:chgData name="Frederick, Samuel" userId="090dec4f-7d84-4616-bef6-b2226d1b24c4" providerId="ADAL" clId="{89F68C54-55B7-49AF-A76F-B6940287DEDA}" dt="2020-12-17T15:47:58.991" v="182"/>
-          <ac:graphicFrameMkLst>
-            <pc:docMk/>
-            <pc:sldMk cId="3989749464" sldId="259"/>
-            <ac:graphicFrameMk id="6" creationId="{3A40424D-3C99-4D2C-9AD1-DF21E02A06D4}"/>
-          </ac:graphicFrameMkLst>
-        </pc:graphicFrameChg>
-        <pc:graphicFrameChg chg="add">
-          <ac:chgData name="Frederick, Samuel" userId="090dec4f-7d84-4616-bef6-b2226d1b24c4" providerId="ADAL" clId="{89F68C54-55B7-49AF-A76F-B6940287DEDA}" dt="2020-12-17T15:47:58.991" v="182"/>
-          <ac:graphicFrameMkLst>
-            <pc:docMk/>
-            <pc:sldMk cId="3989749464" sldId="259"/>
-            <ac:graphicFrameMk id="9" creationId="{01A3B4E5-DAC2-4313-8D84-185029C67B23}"/>
-          </ac:graphicFrameMkLst>
-        </pc:graphicFrameChg>
-        <pc:picChg chg="add del mod ord">
-          <ac:chgData name="Frederick, Samuel" userId="090dec4f-7d84-4616-bef6-b2226d1b24c4" providerId="ADAL" clId="{89F68C54-55B7-49AF-A76F-B6940287DEDA}" dt="2020-12-18T21:20:41.914" v="552" actId="478"/>
-          <ac:picMkLst>
-            <pc:docMk/>
-            <pc:sldMk cId="3989749464" sldId="259"/>
-            <ac:picMk id="17" creationId="{28C99D86-27BB-40DC-A8FC-58A497885236}"/>
-          </ac:picMkLst>
-        </pc:picChg>
-        <pc:picChg chg="add del mod">
-          <ac:chgData name="Frederick, Samuel" userId="090dec4f-7d84-4616-bef6-b2226d1b24c4" providerId="ADAL" clId="{89F68C54-55B7-49AF-A76F-B6940287DEDA}" dt="2020-12-17T15:51:24.989" v="209" actId="931"/>
-          <ac:picMkLst>
-            <pc:docMk/>
-            <pc:sldMk cId="3989749464" sldId="259"/>
-            <ac:picMk id="23" creationId="{6FAE0DCF-59D4-43C0-A750-4D8DF2C4D01C}"/>
-          </ac:picMkLst>
-        </pc:picChg>
-        <pc:cxnChg chg="add">
-          <ac:chgData name="Frederick, Samuel" userId="090dec4f-7d84-4616-bef6-b2226d1b24c4" providerId="ADAL" clId="{89F68C54-55B7-49AF-A76F-B6940287DEDA}" dt="2020-12-17T15:47:58.991" v="182"/>
-          <ac:cxnSpMkLst>
-            <pc:docMk/>
-            <pc:sldMk cId="3989749464" sldId="259"/>
-            <ac:cxnSpMk id="10" creationId="{51422B99-ABBB-49DA-9D62-00370DA50DBF}"/>
-          </ac:cxnSpMkLst>
-        </pc:cxnChg>
-        <pc:cxnChg chg="add">
-          <ac:chgData name="Frederick, Samuel" userId="090dec4f-7d84-4616-bef6-b2226d1b24c4" providerId="ADAL" clId="{89F68C54-55B7-49AF-A76F-B6940287DEDA}" dt="2020-12-17T15:47:58.991" v="182"/>
-          <ac:cxnSpMkLst>
-            <pc:docMk/>
-            <pc:sldMk cId="3989749464" sldId="259"/>
-            <ac:cxnSpMk id="12" creationId="{7F793300-6BC6-4459-9D33-55CB4CC99309}"/>
-          </ac:cxnSpMkLst>
-        </pc:cxnChg>
-        <pc:cxnChg chg="add del">
-          <ac:chgData name="Frederick, Samuel" userId="090dec4f-7d84-4616-bef6-b2226d1b24c4" providerId="ADAL" clId="{89F68C54-55B7-49AF-A76F-B6940287DEDA}" dt="2020-12-17T21:50:04.969" v="531" actId="478"/>
-          <ac:cxnSpMkLst>
-            <pc:docMk/>
-            <pc:sldMk cId="3989749464" sldId="259"/>
-            <ac:cxnSpMk id="19" creationId="{99654423-6A7E-4E7B-8692-F617B54FC6C5}"/>
-          </ac:cxnSpMkLst>
-        </pc:cxnChg>
-      </pc:sldChg>
-      <pc:sldChg chg="add del">
-        <pc:chgData name="Frederick, Samuel" userId="090dec4f-7d84-4616-bef6-b2226d1b24c4" providerId="ADAL" clId="{89F68C54-55B7-49AF-A76F-B6940287DEDA}" dt="2020-12-17T15:46:54.725" v="172" actId="2696"/>
-        <pc:sldMkLst>
-          <pc:docMk/>
-          <pc:sldMk cId="2925276707" sldId="260"/>
-        </pc:sldMkLst>
-      </pc:sldChg>
-      <pc:sldChg chg="addSp delSp modSp add">
-        <pc:chgData name="Frederick, Samuel" userId="090dec4f-7d84-4616-bef6-b2226d1b24c4" providerId="ADAL" clId="{89F68C54-55B7-49AF-A76F-B6940287DEDA}" dt="2020-12-21T14:56:00.224" v="559"/>
-        <pc:sldMkLst>
-          <pc:docMk/>
-          <pc:sldMk cId="3695094907" sldId="260"/>
-        </pc:sldMkLst>
-        <pc:spChg chg="add mod">
-          <ac:chgData name="Frederick, Samuel" userId="090dec4f-7d84-4616-bef6-b2226d1b24c4" providerId="ADAL" clId="{89F68C54-55B7-49AF-A76F-B6940287DEDA}" dt="2020-12-18T20:54:32.885" v="541" actId="13244"/>
-          <ac:spMkLst>
-            <pc:docMk/>
-            <pc:sldMk cId="3695094907" sldId="260"/>
-            <ac:spMk id="2" creationId="{12BA04D6-C757-4968-BA01-F5D9DB9535A0}"/>
-          </ac:spMkLst>
-        </pc:spChg>
-        <pc:spChg chg="del mod">
-          <ac:chgData name="Frederick, Samuel" userId="090dec4f-7d84-4616-bef6-b2226d1b24c4" providerId="ADAL" clId="{89F68C54-55B7-49AF-A76F-B6940287DEDA}" dt="2020-12-17T16:18:45.265" v="426" actId="478"/>
-          <ac:spMkLst>
-            <pc:docMk/>
-            <pc:sldMk cId="3695094907" sldId="260"/>
-            <ac:spMk id="2" creationId="{B4BFA219-568D-45E5-907A-2A03EE4E3259}"/>
-          </ac:spMkLst>
-        </pc:spChg>
-        <pc:spChg chg="add">
-          <ac:chgData name="Frederick, Samuel" userId="090dec4f-7d84-4616-bef6-b2226d1b24c4" providerId="ADAL" clId="{89F68C54-55B7-49AF-A76F-B6940287DEDA}" dt="2020-12-17T15:54:21.272" v="287"/>
-          <ac:spMkLst>
-            <pc:docMk/>
-            <pc:sldMk cId="3695094907" sldId="260"/>
-            <ac:spMk id="5" creationId="{87C71407-EF7C-4BA0-806E-4181E2359064}"/>
-          </ac:spMkLst>
-        </pc:spChg>
-        <pc:spChg chg="add">
-          <ac:chgData name="Frederick, Samuel" userId="090dec4f-7d84-4616-bef6-b2226d1b24c4" providerId="ADAL" clId="{89F68C54-55B7-49AF-A76F-B6940287DEDA}" dt="2020-12-17T15:54:21.272" v="287"/>
-          <ac:spMkLst>
-            <pc:docMk/>
-            <pc:sldMk cId="3695094907" sldId="260"/>
-            <ac:spMk id="6" creationId="{3E628B0D-3BD8-41B5-85B0-8006E4BA83A6}"/>
-          </ac:spMkLst>
-        </pc:spChg>
-        <pc:spChg chg="add del">
-          <ac:chgData name="Frederick, Samuel" userId="090dec4f-7d84-4616-bef6-b2226d1b24c4" providerId="ADAL" clId="{89F68C54-55B7-49AF-A76F-B6940287DEDA}" dt="2020-12-17T21:50:07.872" v="532" actId="478"/>
-          <ac:spMkLst>
-            <pc:docMk/>
-            <pc:sldMk cId="3695094907" sldId="260"/>
-            <ac:spMk id="9" creationId="{F19C2004-5FA3-43E9-A953-E94C939ABB07}"/>
-          </ac:spMkLst>
-        </pc:spChg>
-        <pc:spChg chg="add del">
-          <ac:chgData name="Frederick, Samuel" userId="090dec4f-7d84-4616-bef6-b2226d1b24c4" providerId="ADAL" clId="{89F68C54-55B7-49AF-A76F-B6940287DEDA}" dt="2020-12-21T14:55:51.847" v="558"/>
-          <ac:spMkLst>
-            <pc:docMk/>
-            <pc:sldMk cId="3695094907" sldId="260"/>
-            <ac:spMk id="10" creationId="{65188710-81CE-4004-9884-B77B1813C8B2}"/>
-          </ac:spMkLst>
-        </pc:spChg>
-        <pc:spChg chg="add del">
-          <ac:chgData name="Frederick, Samuel" userId="090dec4f-7d84-4616-bef6-b2226d1b24c4" providerId="ADAL" clId="{89F68C54-55B7-49AF-A76F-B6940287DEDA}" dt="2020-12-21T14:55:17.344" v="556" actId="478"/>
-          <ac:spMkLst>
-            <pc:docMk/>
-            <pc:sldMk cId="3695094907" sldId="260"/>
-            <ac:spMk id="11" creationId="{2301228A-6DD1-43C8-AE99-A8B5BA102FB6}"/>
-          </ac:spMkLst>
-        </pc:spChg>
-        <pc:spChg chg="add del">
-          <ac:chgData name="Frederick, Samuel" userId="090dec4f-7d84-4616-bef6-b2226d1b24c4" providerId="ADAL" clId="{89F68C54-55B7-49AF-A76F-B6940287DEDA}" dt="2020-12-21T14:55:17.344" v="556" actId="478"/>
-          <ac:spMkLst>
-            <pc:docMk/>
-            <pc:sldMk cId="3695094907" sldId="260"/>
-            <ac:spMk id="12" creationId="{9B19DF40-BF78-40DB-8172-72A76AD5FA3B}"/>
-          </ac:spMkLst>
-        </pc:spChg>
-        <pc:spChg chg="add del">
-          <ac:chgData name="Frederick, Samuel" userId="090dec4f-7d84-4616-bef6-b2226d1b24c4" providerId="ADAL" clId="{89F68C54-55B7-49AF-A76F-B6940287DEDA}" dt="2020-12-18T20:15:20.449" v="537" actId="478"/>
-          <ac:spMkLst>
-            <pc:docMk/>
-            <pc:sldMk cId="3695094907" sldId="260"/>
-            <ac:spMk id="13" creationId="{324DAC9C-F2B5-4E08-BDF2-C2D638A8E0E5}"/>
-          </ac:spMkLst>
-        </pc:spChg>
-        <pc:spChg chg="add mod">
-          <ac:chgData name="Frederick, Samuel" userId="090dec4f-7d84-4616-bef6-b2226d1b24c4" providerId="ADAL" clId="{89F68C54-55B7-49AF-A76F-B6940287DEDA}" dt="2020-12-21T14:55:51.847" v="558"/>
-          <ac:spMkLst>
-            <pc:docMk/>
-            <pc:sldMk cId="3695094907" sldId="260"/>
-            <ac:spMk id="13" creationId="{57381A0D-B69E-4A24-B245-72BF7BC8473F}"/>
-          </ac:spMkLst>
-        </pc:spChg>
-        <pc:spChg chg="add">
-          <ac:chgData name="Frederick, Samuel" userId="090dec4f-7d84-4616-bef6-b2226d1b24c4" providerId="ADAL" clId="{89F68C54-55B7-49AF-A76F-B6940287DEDA}" dt="2020-12-21T14:56:00.224" v="559"/>
-          <ac:spMkLst>
-            <pc:docMk/>
-            <pc:sldMk cId="3695094907" sldId="260"/>
-            <ac:spMk id="14" creationId="{82BD2AFD-C4C4-4B13-9B40-F1FA8C3DD477}"/>
-          </ac:spMkLst>
-        </pc:spChg>
-        <pc:spChg chg="add del mod">
-          <ac:chgData name="Frederick, Samuel" userId="090dec4f-7d84-4616-bef6-b2226d1b24c4" providerId="ADAL" clId="{89F68C54-55B7-49AF-A76F-B6940287DEDA}" dt="2020-12-18T20:54:25.110" v="540"/>
-          <ac:spMkLst>
-            <pc:docMk/>
-            <pc:sldMk cId="3695094907" sldId="260"/>
-            <ac:spMk id="14" creationId="{D05DD5B7-698C-4BA6-B572-D94305B04FBA}"/>
-          </ac:spMkLst>
-        </pc:spChg>
-        <pc:graphicFrameChg chg="add del mod">
-          <ac:chgData name="Frederick, Samuel" userId="090dec4f-7d84-4616-bef6-b2226d1b24c4" providerId="ADAL" clId="{89F68C54-55B7-49AF-A76F-B6940287DEDA}" dt="2020-12-17T16:18:58.023" v="428" actId="478"/>
-          <ac:graphicFrameMkLst>
-            <pc:docMk/>
-            <pc:sldMk cId="3695094907" sldId="260"/>
-            <ac:graphicFrameMk id="4" creationId="{8866961F-DEA5-4177-89EC-A5F9BCAC1753}"/>
-          </ac:graphicFrameMkLst>
-        </pc:graphicFrameChg>
-        <pc:graphicFrameChg chg="add">
-          <ac:chgData name="Frederick, Samuel" userId="090dec4f-7d84-4616-bef6-b2226d1b24c4" providerId="ADAL" clId="{89F68C54-55B7-49AF-A76F-B6940287DEDA}" dt="2020-12-17T15:54:21.272" v="287"/>
-          <ac:graphicFrameMkLst>
-            <pc:docMk/>
-            <pc:sldMk cId="3695094907" sldId="260"/>
-            <ac:graphicFrameMk id="8" creationId="{35CBF3A8-21BF-4348-8673-6D11DB01D959}"/>
-          </ac:graphicFrameMkLst>
-        </pc:graphicFrameChg>
-        <pc:picChg chg="add del mod">
-          <ac:chgData name="Frederick, Samuel" userId="090dec4f-7d84-4616-bef6-b2226d1b24c4" providerId="ADAL" clId="{89F68C54-55B7-49AF-A76F-B6940287DEDA}" dt="2020-12-18T21:20:45.577" v="554" actId="478"/>
-          <ac:picMkLst>
-            <pc:docMk/>
-            <pc:sldMk cId="3695094907" sldId="260"/>
-            <ac:picMk id="10" creationId="{FD9A31F6-84BE-4C24-A61D-83BA1BEE431A}"/>
-          </ac:picMkLst>
-        </pc:picChg>
-        <pc:cxnChg chg="add">
-          <ac:chgData name="Frederick, Samuel" userId="090dec4f-7d84-4616-bef6-b2226d1b24c4" providerId="ADAL" clId="{89F68C54-55B7-49AF-A76F-B6940287DEDA}" dt="2020-12-17T15:54:21.272" v="287"/>
-          <ac:cxnSpMkLst>
-            <pc:docMk/>
-            <pc:sldMk cId="3695094907" sldId="260"/>
-            <ac:cxnSpMk id="7" creationId="{67F5B0D9-1FC3-40BA-B697-B53ED943BD9E}"/>
-          </ac:cxnSpMkLst>
-        </pc:cxnChg>
-        <pc:cxnChg chg="add del">
-          <ac:chgData name="Frederick, Samuel" userId="090dec4f-7d84-4616-bef6-b2226d1b24c4" providerId="ADAL" clId="{89F68C54-55B7-49AF-A76F-B6940287DEDA}" dt="2020-12-17T21:50:09.444" v="533" actId="478"/>
-          <ac:cxnSpMkLst>
-            <pc:docMk/>
-            <pc:sldMk cId="3695094907" sldId="260"/>
-            <ac:cxnSpMk id="11" creationId="{5EFF5A36-7168-4598-B2F2-18E27EBDD73A}"/>
-          </ac:cxnSpMkLst>
-        </pc:cxnChg>
-      </pc:sldChg>
-      <pc:sldChg chg="add del">
-        <pc:chgData name="Frederick, Samuel" userId="090dec4f-7d84-4616-bef6-b2226d1b24c4" providerId="ADAL" clId="{89F68C54-55B7-49AF-A76F-B6940287DEDA}" dt="2020-12-29T14:14:09.314" v="569" actId="2696"/>
-        <pc:sldMkLst>
-          <pc:docMk/>
-          <pc:sldMk cId="1051319698" sldId="261"/>
-        </pc:sldMkLst>
-      </pc:sldChg>
-      <pc:sldChg chg="add del">
-        <pc:chgData name="Frederick, Samuel" userId="090dec4f-7d84-4616-bef6-b2226d1b24c4" providerId="ADAL" clId="{89F68C54-55B7-49AF-A76F-B6940287DEDA}" dt="2020-12-17T16:17:05.464" v="416" actId="2696"/>
-        <pc:sldMkLst>
-          <pc:docMk/>
-          <pc:sldMk cId="1085471090" sldId="261"/>
-        </pc:sldMkLst>
-      </pc:sldChg>
-      <pc:sldChg chg="add del">
-        <pc:chgData name="Frederick, Samuel" userId="090dec4f-7d84-4616-bef6-b2226d1b24c4" providerId="ADAL" clId="{89F68C54-55B7-49AF-A76F-B6940287DEDA}" dt="2020-12-18T20:56:11.830" v="548" actId="2696"/>
-        <pc:sldMkLst>
-          <pc:docMk/>
-          <pc:sldMk cId="1494023112" sldId="261"/>
-        </pc:sldMkLst>
-      </pc:sldChg>
-      <pc:sldChg chg="addSp delSp modSp add del">
-        <pc:chgData name="Frederick, Samuel" userId="090dec4f-7d84-4616-bef6-b2226d1b24c4" providerId="ADAL" clId="{89F68C54-55B7-49AF-A76F-B6940287DEDA}" dt="2020-12-17T16:19:24.825" v="431" actId="2696"/>
-        <pc:sldMkLst>
-          <pc:docMk/>
-          <pc:sldMk cId="2301920597" sldId="261"/>
-        </pc:sldMkLst>
-        <pc:spChg chg="del mod">
-          <ac:chgData name="Frederick, Samuel" userId="090dec4f-7d84-4616-bef6-b2226d1b24c4" providerId="ADAL" clId="{89F68C54-55B7-49AF-A76F-B6940287DEDA}" dt="2020-12-17T16:18:33.891" v="424" actId="478"/>
-          <ac:spMkLst>
-            <pc:docMk/>
-            <pc:sldMk cId="2301920597" sldId="261"/>
-            <ac:spMk id="3" creationId="{85159C18-A519-4E80-847C-621669708341}"/>
-          </ac:spMkLst>
-        </pc:spChg>
-        <pc:spChg chg="add del">
-          <ac:chgData name="Frederick, Samuel" userId="090dec4f-7d84-4616-bef6-b2226d1b24c4" providerId="ADAL" clId="{89F68C54-55B7-49AF-A76F-B6940287DEDA}" dt="2020-12-17T16:18:33.891" v="424" actId="478"/>
-          <ac:spMkLst>
-            <pc:docMk/>
-            <pc:sldMk cId="2301920597" sldId="261"/>
-            <ac:spMk id="5" creationId="{E2898D67-AEAA-4796-94D9-9A4DF4D84525}"/>
-          </ac:spMkLst>
-        </pc:spChg>
-        <pc:spChg chg="add del">
-          <ac:chgData name="Frederick, Samuel" userId="090dec4f-7d84-4616-bef6-b2226d1b24c4" providerId="ADAL" clId="{89F68C54-55B7-49AF-A76F-B6940287DEDA}" dt="2020-12-17T16:18:33.891" v="424" actId="478"/>
-          <ac:spMkLst>
-            <pc:docMk/>
-            <pc:sldMk cId="2301920597" sldId="261"/>
-            <ac:spMk id="8" creationId="{592C222E-9877-4B3A-A403-C17BE3E3A39D}"/>
-          </ac:spMkLst>
-        </pc:spChg>
-        <pc:spChg chg="add del">
-          <ac:chgData name="Frederick, Samuel" userId="090dec4f-7d84-4616-bef6-b2226d1b24c4" providerId="ADAL" clId="{89F68C54-55B7-49AF-A76F-B6940287DEDA}" dt="2020-12-17T16:18:33.891" v="424" actId="478"/>
-          <ac:spMkLst>
-            <pc:docMk/>
-            <pc:sldMk cId="2301920597" sldId="261"/>
-            <ac:spMk id="9" creationId="{46495B9F-46AB-46B1-ADDA-DB6C9AAA9AE7}"/>
-          </ac:spMkLst>
-        </pc:spChg>
-        <pc:spChg chg="add mod">
-          <ac:chgData name="Frederick, Samuel" userId="090dec4f-7d84-4616-bef6-b2226d1b24c4" providerId="ADAL" clId="{89F68C54-55B7-49AF-A76F-B6940287DEDA}" dt="2020-12-17T16:18:38.568" v="425"/>
-          <ac:spMkLst>
-            <pc:docMk/>
-            <pc:sldMk cId="2301920597" sldId="261"/>
-            <ac:spMk id="10" creationId="{695FC43F-12DE-437A-8E09-FF414359AC24}"/>
-          </ac:spMkLst>
-        </pc:spChg>
-        <pc:graphicFrameChg chg="add del">
-          <ac:chgData name="Frederick, Samuel" userId="090dec4f-7d84-4616-bef6-b2226d1b24c4" providerId="ADAL" clId="{89F68C54-55B7-49AF-A76F-B6940287DEDA}" dt="2020-12-17T16:18:33.891" v="424" actId="478"/>
-          <ac:graphicFrameMkLst>
-            <pc:docMk/>
-            <pc:sldMk cId="2301920597" sldId="261"/>
-            <ac:graphicFrameMk id="4" creationId="{4E970C43-4B95-4202-916F-C24983FCC396}"/>
-          </ac:graphicFrameMkLst>
-        </pc:graphicFrameChg>
-        <pc:picChg chg="add del">
-          <ac:chgData name="Frederick, Samuel" userId="090dec4f-7d84-4616-bef6-b2226d1b24c4" providerId="ADAL" clId="{89F68C54-55B7-49AF-A76F-B6940287DEDA}" dt="2020-12-17T16:18:33.891" v="424" actId="478"/>
-          <ac:picMkLst>
-            <pc:docMk/>
-            <pc:sldMk cId="2301920597" sldId="261"/>
-            <ac:picMk id="6" creationId="{09DE8F54-F39C-401C-9F01-0B31637FEBBC}"/>
-          </ac:picMkLst>
-        </pc:picChg>
-        <pc:cxnChg chg="add del">
-          <ac:chgData name="Frederick, Samuel" userId="090dec4f-7d84-4616-bef6-b2226d1b24c4" providerId="ADAL" clId="{89F68C54-55B7-49AF-A76F-B6940287DEDA}" dt="2020-12-17T16:18:33.891" v="424" actId="478"/>
-          <ac:cxnSpMkLst>
-            <pc:docMk/>
-            <pc:sldMk cId="2301920597" sldId="261"/>
-            <ac:cxnSpMk id="7" creationId="{C6EF6300-E175-447D-92B4-FB95A6532E33}"/>
-          </ac:cxnSpMkLst>
-        </pc:cxnChg>
-      </pc:sldChg>
-      <pc:sldChg chg="addSp delSp modSp add del">
-        <pc:chgData name="Frederick, Samuel" userId="090dec4f-7d84-4616-bef6-b2226d1b24c4" providerId="ADAL" clId="{89F68C54-55B7-49AF-A76F-B6940287DEDA}" dt="2020-12-17T21:45:52.054" v="511" actId="2696"/>
-        <pc:sldMkLst>
-          <pc:docMk/>
-          <pc:sldMk cId="2770813235" sldId="261"/>
-        </pc:sldMkLst>
-        <pc:spChg chg="add del">
-          <ac:chgData name="Frederick, Samuel" userId="090dec4f-7d84-4616-bef6-b2226d1b24c4" providerId="ADAL" clId="{89F68C54-55B7-49AF-A76F-B6940287DEDA}" dt="2020-12-17T21:44:50.199" v="510"/>
-          <ac:spMkLst>
-            <pc:docMk/>
-            <pc:sldMk cId="2770813235" sldId="261"/>
-            <ac:spMk id="3" creationId="{75065A26-695A-4624-8F56-88DA0AAE6607}"/>
-          </ac:spMkLst>
-        </pc:spChg>
-        <pc:spChg chg="add del mod">
-          <ac:chgData name="Frederick, Samuel" userId="090dec4f-7d84-4616-bef6-b2226d1b24c4" providerId="ADAL" clId="{89F68C54-55B7-49AF-A76F-B6940287DEDA}" dt="2020-12-17T21:44:50.199" v="510"/>
-          <ac:spMkLst>
-            <pc:docMk/>
-            <pc:sldMk cId="2770813235" sldId="261"/>
-            <ac:spMk id="4" creationId="{9E697677-6557-46B1-8C4C-55DDDA4DEAEC}"/>
-          </ac:spMkLst>
-        </pc:spChg>
-      </pc:sldChg>
-      <pc:sldChg chg="addSp modSp add del">
-        <pc:chgData name="Frederick, Samuel" userId="090dec4f-7d84-4616-bef6-b2226d1b24c4" providerId="ADAL" clId="{89F68C54-55B7-49AF-A76F-B6940287DEDA}" dt="2020-12-17T15:56:07.657" v="296" actId="2696"/>
-        <pc:sldMkLst>
-          <pc:docMk/>
-          <pc:sldMk cId="3542656971" sldId="261"/>
-        </pc:sldMkLst>
-        <pc:spChg chg="mod">
-          <ac:chgData name="Frederick, Samuel" userId="090dec4f-7d84-4616-bef6-b2226d1b24c4" providerId="ADAL" clId="{89F68C54-55B7-49AF-A76F-B6940287DEDA}" dt="2020-12-17T15:55:51.448" v="295" actId="13244"/>
-          <ac:spMkLst>
-            <pc:docMk/>
-            <pc:sldMk cId="3542656971" sldId="261"/>
-            <ac:spMk id="3" creationId="{2FDE57C0-7EE6-4C67-A1BE-392C650461E1}"/>
-          </ac:spMkLst>
-        </pc:spChg>
-        <pc:spChg chg="add">
-          <ac:chgData name="Frederick, Samuel" userId="090dec4f-7d84-4616-bef6-b2226d1b24c4" providerId="ADAL" clId="{89F68C54-55B7-49AF-A76F-B6940287DEDA}" dt="2020-12-17T15:55:33.664" v="294"/>
-          <ac:spMkLst>
-            <pc:docMk/>
-            <pc:sldMk cId="3542656971" sldId="261"/>
-            <ac:spMk id="4" creationId="{CBE5BE01-1B11-46CE-8CF9-80A4EE041EFC}"/>
-          </ac:spMkLst>
-        </pc:spChg>
-        <pc:spChg chg="add">
-          <ac:chgData name="Frederick, Samuel" userId="090dec4f-7d84-4616-bef6-b2226d1b24c4" providerId="ADAL" clId="{89F68C54-55B7-49AF-A76F-B6940287DEDA}" dt="2020-12-17T15:55:33.664" v="294"/>
-          <ac:spMkLst>
-            <pc:docMk/>
-            <pc:sldMk cId="3542656971" sldId="261"/>
-            <ac:spMk id="5" creationId="{53895AD4-0166-4E19-BFC0-77E36F4EE4CD}"/>
-          </ac:spMkLst>
-        </pc:spChg>
-        <pc:spChg chg="add">
-          <ac:chgData name="Frederick, Samuel" userId="090dec4f-7d84-4616-bef6-b2226d1b24c4" providerId="ADAL" clId="{89F68C54-55B7-49AF-A76F-B6940287DEDA}" dt="2020-12-17T15:55:33.664" v="294"/>
-          <ac:spMkLst>
-            <pc:docMk/>
-            <pc:sldMk cId="3542656971" sldId="261"/>
-            <ac:spMk id="7" creationId="{33B35ABF-425D-4297-9101-25AA055E8164}"/>
-          </ac:spMkLst>
-        </pc:spChg>
-        <pc:spChg chg="add">
-          <ac:chgData name="Frederick, Samuel" userId="090dec4f-7d84-4616-bef6-b2226d1b24c4" providerId="ADAL" clId="{89F68C54-55B7-49AF-A76F-B6940287DEDA}" dt="2020-12-17T15:55:33.664" v="294"/>
-          <ac:spMkLst>
-            <pc:docMk/>
-            <pc:sldMk cId="3542656971" sldId="261"/>
-            <ac:spMk id="8" creationId="{DDBA6AAA-1186-4874-96A2-21CBAAF52670}"/>
-          </ac:spMkLst>
-        </pc:spChg>
-        <pc:spChg chg="add">
-          <ac:chgData name="Frederick, Samuel" userId="090dec4f-7d84-4616-bef6-b2226d1b24c4" providerId="ADAL" clId="{89F68C54-55B7-49AF-A76F-B6940287DEDA}" dt="2020-12-17T15:55:33.664" v="294"/>
-          <ac:spMkLst>
-            <pc:docMk/>
-            <pc:sldMk cId="3542656971" sldId="261"/>
-            <ac:spMk id="9" creationId="{2FB25D18-829F-48C4-92A5-435A600BE838}"/>
-          </ac:spMkLst>
-        </pc:spChg>
-        <pc:spChg chg="add">
-          <ac:chgData name="Frederick, Samuel" userId="090dec4f-7d84-4616-bef6-b2226d1b24c4" providerId="ADAL" clId="{89F68C54-55B7-49AF-A76F-B6940287DEDA}" dt="2020-12-17T15:55:33.664" v="294"/>
-          <ac:spMkLst>
-            <pc:docMk/>
-            <pc:sldMk cId="3542656971" sldId="261"/>
-            <ac:spMk id="10" creationId="{2B85430D-6E22-4DA1-B82A-B6D0C9131923}"/>
-          </ac:spMkLst>
-        </pc:spChg>
-        <pc:spChg chg="add">
-          <ac:chgData name="Frederick, Samuel" userId="090dec4f-7d84-4616-bef6-b2226d1b24c4" providerId="ADAL" clId="{89F68C54-55B7-49AF-A76F-B6940287DEDA}" dt="2020-12-17T15:55:33.664" v="294"/>
-          <ac:spMkLst>
-            <pc:docMk/>
-            <pc:sldMk cId="3542656971" sldId="261"/>
-            <ac:spMk id="11" creationId="{7CBAD472-DF8F-4F11-92F5-A041902666C1}"/>
-          </ac:spMkLst>
-        </pc:spChg>
-        <pc:spChg chg="add">
-          <ac:chgData name="Frederick, Samuel" userId="090dec4f-7d84-4616-bef6-b2226d1b24c4" providerId="ADAL" clId="{89F68C54-55B7-49AF-A76F-B6940287DEDA}" dt="2020-12-17T15:55:33.664" v="294"/>
-          <ac:spMkLst>
-            <pc:docMk/>
-            <pc:sldMk cId="3542656971" sldId="261"/>
-            <ac:spMk id="12" creationId="{E35FBE57-FBC3-4823-AD73-8953AB32C2C6}"/>
-          </ac:spMkLst>
-        </pc:spChg>
-        <pc:spChg chg="add">
-          <ac:chgData name="Frederick, Samuel" userId="090dec4f-7d84-4616-bef6-b2226d1b24c4" providerId="ADAL" clId="{89F68C54-55B7-49AF-A76F-B6940287DEDA}" dt="2020-12-17T15:55:33.664" v="294"/>
-          <ac:spMkLst>
-            <pc:docMk/>
-            <pc:sldMk cId="3542656971" sldId="261"/>
-            <ac:spMk id="13" creationId="{B184D797-2339-41AA-8D07-C10FAF4E3141}"/>
-          </ac:spMkLst>
-        </pc:spChg>
-        <pc:spChg chg="add">
-          <ac:chgData name="Frederick, Samuel" userId="090dec4f-7d84-4616-bef6-b2226d1b24c4" providerId="ADAL" clId="{89F68C54-55B7-49AF-A76F-B6940287DEDA}" dt="2020-12-17T15:55:33.664" v="294"/>
-          <ac:spMkLst>
-            <pc:docMk/>
-            <pc:sldMk cId="3542656971" sldId="261"/>
-            <ac:spMk id="14" creationId="{C9029C09-8773-4FFB-BC28-E0841AF0BB14}"/>
-          </ac:spMkLst>
-        </pc:spChg>
-        <pc:spChg chg="add">
-          <ac:chgData name="Frederick, Samuel" userId="090dec4f-7d84-4616-bef6-b2226d1b24c4" providerId="ADAL" clId="{89F68C54-55B7-49AF-A76F-B6940287DEDA}" dt="2020-12-17T15:55:33.664" v="294"/>
-          <ac:spMkLst>
-            <pc:docMk/>
-            <pc:sldMk cId="3542656971" sldId="261"/>
-            <ac:spMk id="15" creationId="{66E24172-360C-45F7-822D-A006140CC0F1}"/>
-          </ac:spMkLst>
-        </pc:spChg>
-        <pc:spChg chg="add">
-          <ac:chgData name="Frederick, Samuel" userId="090dec4f-7d84-4616-bef6-b2226d1b24c4" providerId="ADAL" clId="{89F68C54-55B7-49AF-A76F-B6940287DEDA}" dt="2020-12-17T15:55:33.664" v="294"/>
-          <ac:spMkLst>
-            <pc:docMk/>
-            <pc:sldMk cId="3542656971" sldId="261"/>
-            <ac:spMk id="16" creationId="{7E0A4E45-A2A2-4E48-8770-F48B673D8FED}"/>
-          </ac:spMkLst>
-        </pc:spChg>
-        <pc:spChg chg="add">
-          <ac:chgData name="Frederick, Samuel" userId="090dec4f-7d84-4616-bef6-b2226d1b24c4" providerId="ADAL" clId="{89F68C54-55B7-49AF-A76F-B6940287DEDA}" dt="2020-12-17T15:55:33.664" v="294"/>
-          <ac:spMkLst>
-            <pc:docMk/>
-            <pc:sldMk cId="3542656971" sldId="261"/>
-            <ac:spMk id="20" creationId="{A3D20A17-3512-4C27-B0D2-495137578202}"/>
-          </ac:spMkLst>
-        </pc:spChg>
-        <pc:spChg chg="add">
-          <ac:chgData name="Frederick, Samuel" userId="090dec4f-7d84-4616-bef6-b2226d1b24c4" providerId="ADAL" clId="{89F68C54-55B7-49AF-A76F-B6940287DEDA}" dt="2020-12-17T15:55:33.664" v="294"/>
-          <ac:spMkLst>
-            <pc:docMk/>
-            <pc:sldMk cId="3542656971" sldId="261"/>
-            <ac:spMk id="22" creationId="{18760CDA-65B6-4552-A66E-6219B6E9BD7A}"/>
-          </ac:spMkLst>
-        </pc:spChg>
-        <pc:spChg chg="add">
-          <ac:chgData name="Frederick, Samuel" userId="090dec4f-7d84-4616-bef6-b2226d1b24c4" providerId="ADAL" clId="{89F68C54-55B7-49AF-A76F-B6940287DEDA}" dt="2020-12-17T15:55:33.664" v="294"/>
-          <ac:spMkLst>
-            <pc:docMk/>
-            <pc:sldMk cId="3542656971" sldId="261"/>
-            <ac:spMk id="23" creationId="{4672B5E5-2725-46A3-B8B8-E775989F94C0}"/>
-          </ac:spMkLst>
-        </pc:spChg>
-        <pc:spChg chg="add">
-          <ac:chgData name="Frederick, Samuel" userId="090dec4f-7d84-4616-bef6-b2226d1b24c4" providerId="ADAL" clId="{89F68C54-55B7-49AF-A76F-B6940287DEDA}" dt="2020-12-17T15:55:33.664" v="294"/>
-          <ac:spMkLst>
-            <pc:docMk/>
-            <pc:sldMk cId="3542656971" sldId="261"/>
-            <ac:spMk id="28" creationId="{945134BB-C88C-4FF8-A386-F33688DFA9F6}"/>
-          </ac:spMkLst>
-        </pc:spChg>
-        <pc:spChg chg="add">
-          <ac:chgData name="Frederick, Samuel" userId="090dec4f-7d84-4616-bef6-b2226d1b24c4" providerId="ADAL" clId="{89F68C54-55B7-49AF-A76F-B6940287DEDA}" dt="2020-12-17T15:55:33.664" v="294"/>
-          <ac:spMkLst>
-            <pc:docMk/>
-            <pc:sldMk cId="3542656971" sldId="261"/>
-            <ac:spMk id="31" creationId="{BE30761B-6F42-47FF-9A6B-204BC7597662}"/>
-          </ac:spMkLst>
-        </pc:spChg>
-        <pc:spChg chg="add">
-          <ac:chgData name="Frederick, Samuel" userId="090dec4f-7d84-4616-bef6-b2226d1b24c4" providerId="ADAL" clId="{89F68C54-55B7-49AF-A76F-B6940287DEDA}" dt="2020-12-17T15:55:33.664" v="294"/>
-          <ac:spMkLst>
-            <pc:docMk/>
-            <pc:sldMk cId="3542656971" sldId="261"/>
-            <ac:spMk id="32" creationId="{4185FB33-093D-4BD0-9B15-2958964CBDEE}"/>
-          </ac:spMkLst>
-        </pc:spChg>
-        <pc:graphicFrameChg chg="add">
-          <ac:chgData name="Frederick, Samuel" userId="090dec4f-7d84-4616-bef6-b2226d1b24c4" providerId="ADAL" clId="{89F68C54-55B7-49AF-A76F-B6940287DEDA}" dt="2020-12-17T15:55:33.664" v="294"/>
-          <ac:graphicFrameMkLst>
-            <pc:docMk/>
-            <pc:sldMk cId="3542656971" sldId="261"/>
-            <ac:graphicFrameMk id="6" creationId="{A2C51098-80C1-4EC0-9B34-657554DF616E}"/>
-          </ac:graphicFrameMkLst>
-        </pc:graphicFrameChg>
-        <pc:graphicFrameChg chg="add">
-          <ac:chgData name="Frederick, Samuel" userId="090dec4f-7d84-4616-bef6-b2226d1b24c4" providerId="ADAL" clId="{89F68C54-55B7-49AF-A76F-B6940287DEDA}" dt="2020-12-17T15:55:33.664" v="294"/>
-          <ac:graphicFrameMkLst>
-            <pc:docMk/>
-            <pc:sldMk cId="3542656971" sldId="261"/>
-            <ac:graphicFrameMk id="17" creationId="{71704EE9-ABC5-4295-B3A1-1A0B89BCF060}"/>
-          </ac:graphicFrameMkLst>
-        </pc:graphicFrameChg>
-        <pc:graphicFrameChg chg="add">
-          <ac:chgData name="Frederick, Samuel" userId="090dec4f-7d84-4616-bef6-b2226d1b24c4" providerId="ADAL" clId="{89F68C54-55B7-49AF-A76F-B6940287DEDA}" dt="2020-12-17T15:55:33.664" v="294"/>
-          <ac:graphicFrameMkLst>
-            <pc:docMk/>
-            <pc:sldMk cId="3542656971" sldId="261"/>
-            <ac:graphicFrameMk id="19" creationId="{DCE82A4C-552E-49B6-96FC-8CC2FA124677}"/>
-          </ac:graphicFrameMkLst>
-        </pc:graphicFrameChg>
-        <pc:graphicFrameChg chg="add">
-          <ac:chgData name="Frederick, Samuel" userId="090dec4f-7d84-4616-bef6-b2226d1b24c4" providerId="ADAL" clId="{89F68C54-55B7-49AF-A76F-B6940287DEDA}" dt="2020-12-17T15:55:33.664" v="294"/>
-          <ac:graphicFrameMkLst>
-            <pc:docMk/>
-            <pc:sldMk cId="3542656971" sldId="261"/>
-            <ac:graphicFrameMk id="25" creationId="{9463BBD8-21A2-4E16-84F7-4384A25766F7}"/>
-          </ac:graphicFrameMkLst>
-        </pc:graphicFrameChg>
-        <pc:graphicFrameChg chg="add">
-          <ac:chgData name="Frederick, Samuel" userId="090dec4f-7d84-4616-bef6-b2226d1b24c4" providerId="ADAL" clId="{89F68C54-55B7-49AF-A76F-B6940287DEDA}" dt="2020-12-17T15:55:33.664" v="294"/>
-          <ac:graphicFrameMkLst>
-            <pc:docMk/>
-            <pc:sldMk cId="3542656971" sldId="261"/>
-            <ac:graphicFrameMk id="26" creationId="{E34AD36B-8E4B-4F74-A7E7-EA92CDA54030}"/>
-          </ac:graphicFrameMkLst>
-        </pc:graphicFrameChg>
-        <pc:graphicFrameChg chg="add">
-          <ac:chgData name="Frederick, Samuel" userId="090dec4f-7d84-4616-bef6-b2226d1b24c4" providerId="ADAL" clId="{89F68C54-55B7-49AF-A76F-B6940287DEDA}" dt="2020-12-17T15:55:33.664" v="294"/>
-          <ac:graphicFrameMkLst>
-            <pc:docMk/>
-            <pc:sldMk cId="3542656971" sldId="261"/>
-            <ac:graphicFrameMk id="27" creationId="{A221BCD7-76CF-4625-B88E-B90C49958923}"/>
-          </ac:graphicFrameMkLst>
-        </pc:graphicFrameChg>
-        <pc:picChg chg="add">
-          <ac:chgData name="Frederick, Samuel" userId="090dec4f-7d84-4616-bef6-b2226d1b24c4" providerId="ADAL" clId="{89F68C54-55B7-49AF-A76F-B6940287DEDA}" dt="2020-12-17T15:55:33.664" v="294"/>
-          <ac:picMkLst>
-            <pc:docMk/>
-            <pc:sldMk cId="3542656971" sldId="261"/>
-            <ac:picMk id="29" creationId="{6797C4F5-7253-4D3B-9CC4-903D22BFC635}"/>
-          </ac:picMkLst>
-        </pc:picChg>
-        <pc:cxnChg chg="add">
-          <ac:chgData name="Frederick, Samuel" userId="090dec4f-7d84-4616-bef6-b2226d1b24c4" providerId="ADAL" clId="{89F68C54-55B7-49AF-A76F-B6940287DEDA}" dt="2020-12-17T15:55:33.664" v="294"/>
-          <ac:cxnSpMkLst>
-            <pc:docMk/>
-            <pc:sldMk cId="3542656971" sldId="261"/>
-            <ac:cxnSpMk id="18" creationId="{8D73BE52-9588-4F90-8253-301080752FDA}"/>
-          </ac:cxnSpMkLst>
-        </pc:cxnChg>
-        <pc:cxnChg chg="add">
-          <ac:chgData name="Frederick, Samuel" userId="090dec4f-7d84-4616-bef6-b2226d1b24c4" providerId="ADAL" clId="{89F68C54-55B7-49AF-A76F-B6940287DEDA}" dt="2020-12-17T15:55:33.664" v="294"/>
-          <ac:cxnSpMkLst>
-            <pc:docMk/>
-            <pc:sldMk cId="3542656971" sldId="261"/>
-            <ac:cxnSpMk id="21" creationId="{FE612C06-EBAD-47FD-BE36-929CCBF9EABA}"/>
-          </ac:cxnSpMkLst>
-        </pc:cxnChg>
-        <pc:cxnChg chg="add">
-          <ac:chgData name="Frederick, Samuel" userId="090dec4f-7d84-4616-bef6-b2226d1b24c4" providerId="ADAL" clId="{89F68C54-55B7-49AF-A76F-B6940287DEDA}" dt="2020-12-17T15:55:33.664" v="294"/>
-          <ac:cxnSpMkLst>
-            <pc:docMk/>
-            <pc:sldMk cId="3542656971" sldId="261"/>
-            <ac:cxnSpMk id="24" creationId="{2F92AE66-653F-4431-BCE8-2A6F7E68AAEC}"/>
-          </ac:cxnSpMkLst>
-        </pc:cxnChg>
-        <pc:cxnChg chg="add">
-          <ac:chgData name="Frederick, Samuel" userId="090dec4f-7d84-4616-bef6-b2226d1b24c4" providerId="ADAL" clId="{89F68C54-55B7-49AF-A76F-B6940287DEDA}" dt="2020-12-17T15:55:33.664" v="294"/>
-          <ac:cxnSpMkLst>
-            <pc:docMk/>
-            <pc:sldMk cId="3542656971" sldId="261"/>
-            <ac:cxnSpMk id="30" creationId="{11BB884A-C91A-496D-ADB0-95FDF845FD76}"/>
-          </ac:cxnSpMkLst>
-        </pc:cxnChg>
-      </pc:sldChg>
-      <pc:sldMasterChg chg="addSp delSp delSldLayout modSldLayout">
-        <pc:chgData name="Frederick, Samuel" userId="090dec4f-7d84-4616-bef6-b2226d1b24c4" providerId="ADAL" clId="{89F68C54-55B7-49AF-A76F-B6940287DEDA}" dt="2020-12-29T14:16:10.918" v="576" actId="478"/>
-        <pc:sldMasterMkLst>
-          <pc:docMk/>
-          <pc:sldMasterMk cId="1191321755" sldId="2147483684"/>
-        </pc:sldMasterMkLst>
-        <pc:spChg chg="del">
-          <ac:chgData name="Frederick, Samuel" userId="090dec4f-7d84-4616-bef6-b2226d1b24c4" providerId="ADAL" clId="{89F68C54-55B7-49AF-A76F-B6940287DEDA}" dt="2020-12-17T15:14:17.966" v="59" actId="478"/>
-          <ac:spMkLst>
-            <pc:docMk/>
-            <pc:sldMasterMk cId="1191321755" sldId="2147483684"/>
-            <ac:spMk id="2" creationId="{00000000-0000-0000-0000-000000000000}"/>
-          </ac:spMkLst>
-        </pc:spChg>
-        <pc:spChg chg="add del">
-          <ac:chgData name="Frederick, Samuel" userId="090dec4f-7d84-4616-bef6-b2226d1b24c4" providerId="ADAL" clId="{89F68C54-55B7-49AF-A76F-B6940287DEDA}" dt="2020-12-17T16:12:31.834" v="323"/>
-          <ac:spMkLst>
-            <pc:docMk/>
-            <pc:sldMasterMk cId="1191321755" sldId="2147483684"/>
-            <ac:spMk id="2" creationId="{F204C071-6BAC-470C-A98D-476EEC28AE08}"/>
-          </ac:spMkLst>
-        </pc:spChg>
-        <pc:spChg chg="del">
-          <ac:chgData name="Frederick, Samuel" userId="090dec4f-7d84-4616-bef6-b2226d1b24c4" providerId="ADAL" clId="{89F68C54-55B7-49AF-A76F-B6940287DEDA}" dt="2020-12-17T15:14:19.162" v="60" actId="478"/>
-          <ac:spMkLst>
-            <pc:docMk/>
-            <pc:sldMasterMk cId="1191321755" sldId="2147483684"/>
-            <ac:spMk id="3" creationId="{00000000-0000-0000-0000-000000000000}"/>
-          </ac:spMkLst>
-        </pc:spChg>
-        <pc:spChg chg="del">
-          <ac:chgData name="Frederick, Samuel" userId="090dec4f-7d84-4616-bef6-b2226d1b24c4" providerId="ADAL" clId="{89F68C54-55B7-49AF-A76F-B6940287DEDA}" dt="2020-12-17T15:14:20.418" v="61" actId="478"/>
-          <ac:spMkLst>
-            <pc:docMk/>
-            <pc:sldMasterMk cId="1191321755" sldId="2147483684"/>
-            <ac:spMk id="4" creationId="{00000000-0000-0000-0000-000000000000}"/>
-          </ac:spMkLst>
-        </pc:spChg>
-        <pc:spChg chg="del">
-          <ac:chgData name="Frederick, Samuel" userId="090dec4f-7d84-4616-bef6-b2226d1b24c4" providerId="ADAL" clId="{89F68C54-55B7-49AF-A76F-B6940287DEDA}" dt="2020-12-17T15:14:21.179" v="62" actId="478"/>
-          <ac:spMkLst>
-            <pc:docMk/>
-            <pc:sldMasterMk cId="1191321755" sldId="2147483684"/>
-            <ac:spMk id="5" creationId="{00000000-0000-0000-0000-000000000000}"/>
-          </ac:spMkLst>
-        </pc:spChg>
-        <pc:spChg chg="del">
-          <ac:chgData name="Frederick, Samuel" userId="090dec4f-7d84-4616-bef6-b2226d1b24c4" providerId="ADAL" clId="{89F68C54-55B7-49AF-A76F-B6940287DEDA}" dt="2020-12-17T15:14:21.765" v="63" actId="478"/>
-          <ac:spMkLst>
-            <pc:docMk/>
-            <pc:sldMasterMk cId="1191321755" sldId="2147483684"/>
-            <ac:spMk id="7" creationId="{C0426436-8F1E-4C8E-8A49-E1655BDCD9FF}"/>
-          </ac:spMkLst>
-        </pc:spChg>
-        <pc:spChg chg="add del">
-          <ac:chgData name="Frederick, Samuel" userId="090dec4f-7d84-4616-bef6-b2226d1b24c4" providerId="ADAL" clId="{89F68C54-55B7-49AF-A76F-B6940287DEDA}" dt="2020-12-17T15:24:23.076" v="82"/>
-          <ac:spMkLst>
-            <pc:docMk/>
-            <pc:sldMasterMk cId="1191321755" sldId="2147483684"/>
-            <ac:spMk id="8" creationId="{A6FC3FEC-7371-4263-A6B7-F39A876229DB}"/>
-          </ac:spMkLst>
-        </pc:spChg>
-        <pc:spChg chg="add del">
-          <ac:chgData name="Frederick, Samuel" userId="090dec4f-7d84-4616-bef6-b2226d1b24c4" providerId="ADAL" clId="{89F68C54-55B7-49AF-A76F-B6940287DEDA}" dt="2020-12-17T15:24:23.076" v="82"/>
-          <ac:spMkLst>
-            <pc:docMk/>
-            <pc:sldMasterMk cId="1191321755" sldId="2147483684"/>
-            <ac:spMk id="10" creationId="{9D31EB3C-EFE8-4B38-A8E2-7EE14939DB08}"/>
-          </ac:spMkLst>
-        </pc:spChg>
-        <pc:spChg chg="add del">
-          <ac:chgData name="Frederick, Samuel" userId="090dec4f-7d84-4616-bef6-b2226d1b24c4" providerId="ADAL" clId="{89F68C54-55B7-49AF-A76F-B6940287DEDA}" dt="2020-12-17T15:24:23.076" v="82"/>
-          <ac:spMkLst>
-            <pc:docMk/>
-            <pc:sldMasterMk cId="1191321755" sldId="2147483684"/>
-            <ac:spMk id="12" creationId="{394B9D19-EF14-489B-987A-BDBF975C362E}"/>
-          </ac:spMkLst>
-        </pc:spChg>
-        <pc:spChg chg="add del">
-          <ac:chgData name="Frederick, Samuel" userId="090dec4f-7d84-4616-bef6-b2226d1b24c4" providerId="ADAL" clId="{89F68C54-55B7-49AF-A76F-B6940287DEDA}" dt="2020-12-17T15:24:23.076" v="82"/>
-          <ac:spMkLst>
-            <pc:docMk/>
-            <pc:sldMasterMk cId="1191321755" sldId="2147483684"/>
-            <ac:spMk id="13" creationId="{4DC13C97-3DC8-465C-9088-C264D16271B7}"/>
-          </ac:spMkLst>
-        </pc:spChg>
-        <pc:picChg chg="add del">
-          <ac:chgData name="Frederick, Samuel" userId="090dec4f-7d84-4616-bef6-b2226d1b24c4" providerId="ADAL" clId="{89F68C54-55B7-49AF-A76F-B6940287DEDA}" dt="2020-12-17T15:24:23.076" v="82"/>
-          <ac:picMkLst>
-            <pc:docMk/>
-            <pc:sldMasterMk cId="1191321755" sldId="2147483684"/>
-            <ac:picMk id="9" creationId="{673BC25A-0CE6-4A89-A853-2D544BD70844}"/>
-          </ac:picMkLst>
-        </pc:picChg>
-        <pc:picChg chg="add del">
-          <ac:chgData name="Frederick, Samuel" userId="090dec4f-7d84-4616-bef6-b2226d1b24c4" providerId="ADAL" clId="{89F68C54-55B7-49AF-A76F-B6940287DEDA}" dt="2020-12-17T15:26:14.975" v="89"/>
-          <ac:picMkLst>
-            <pc:docMk/>
-            <pc:sldMasterMk cId="1191321755" sldId="2147483684"/>
-            <ac:picMk id="14" creationId="{F6A9713B-8D0C-41D1-A6C9-25B89BEDF7CA}"/>
-          </ac:picMkLst>
-        </pc:picChg>
-        <pc:cxnChg chg="add del">
-          <ac:chgData name="Frederick, Samuel" userId="090dec4f-7d84-4616-bef6-b2226d1b24c4" providerId="ADAL" clId="{89F68C54-55B7-49AF-A76F-B6940287DEDA}" dt="2020-12-17T15:24:23.076" v="82"/>
-          <ac:cxnSpMkLst>
-            <pc:docMk/>
-            <pc:sldMasterMk cId="1191321755" sldId="2147483684"/>
-            <ac:cxnSpMk id="11" creationId="{7947509A-AE75-4EB5-A278-0FE9BB670F16}"/>
-          </ac:cxnSpMkLst>
-        </pc:cxnChg>
-        <pc:sldLayoutChg chg="addSp delSp modSp">
-          <pc:chgData name="Frederick, Samuel" userId="090dec4f-7d84-4616-bef6-b2226d1b24c4" providerId="ADAL" clId="{89F68C54-55B7-49AF-A76F-B6940287DEDA}" dt="2020-12-29T14:13:40.584" v="566"/>
-          <pc:sldLayoutMkLst>
-            <pc:docMk/>
-            <pc:sldMasterMk cId="1191321755" sldId="2147483684"/>
-            <pc:sldLayoutMk cId="6746695" sldId="2147483685"/>
-          </pc:sldLayoutMkLst>
-          <pc:spChg chg="del">
-            <ac:chgData name="Frederick, Samuel" userId="090dec4f-7d84-4616-bef6-b2226d1b24c4" providerId="ADAL" clId="{89F68C54-55B7-49AF-A76F-B6940287DEDA}" dt="2020-12-17T15:13:39.084" v="50" actId="478"/>
-            <ac:spMkLst>
-              <pc:docMk/>
-              <pc:sldMasterMk cId="1191321755" sldId="2147483684"/>
-              <pc:sldLayoutMk cId="6746695" sldId="2147483685"/>
-              <ac:spMk id="2" creationId="{00000000-0000-0000-0000-000000000000}"/>
-            </ac:spMkLst>
-          </pc:spChg>
-          <pc:spChg chg="add del">
-            <ac:chgData name="Frederick, Samuel" userId="090dec4f-7d84-4616-bef6-b2226d1b24c4" providerId="ADAL" clId="{89F68C54-55B7-49AF-A76F-B6940287DEDA}" dt="2020-12-17T15:26:48.715" v="91" actId="11529"/>
-            <ac:spMkLst>
-              <pc:docMk/>
-              <pc:sldMasterMk cId="1191321755" sldId="2147483684"/>
-              <pc:sldLayoutMk cId="6746695" sldId="2147483685"/>
-              <ac:spMk id="2" creationId="{9784717E-AE32-4FEF-AC05-F428E8667C00}"/>
-            </ac:spMkLst>
-          </pc:spChg>
-          <pc:spChg chg="add del mod">
-            <ac:chgData name="Frederick, Samuel" userId="090dec4f-7d84-4616-bef6-b2226d1b24c4" providerId="ADAL" clId="{89F68C54-55B7-49AF-A76F-B6940287DEDA}" dt="2020-12-17T16:08:25.730" v="300" actId="767"/>
-            <ac:spMkLst>
-              <pc:docMk/>
-              <pc:sldMasterMk cId="1191321755" sldId="2147483684"/>
-              <pc:sldLayoutMk cId="6746695" sldId="2147483685"/>
-              <ac:spMk id="2" creationId="{AFD7B1DA-FBC3-4074-97C2-432B1A68A053}"/>
-            </ac:spMkLst>
-          </pc:spChg>
-          <pc:spChg chg="del">
-            <ac:chgData name="Frederick, Samuel" userId="090dec4f-7d84-4616-bef6-b2226d1b24c4" providerId="ADAL" clId="{89F68C54-55B7-49AF-A76F-B6940287DEDA}" dt="2020-12-17T15:13:40.039" v="51" actId="478"/>
-            <ac:spMkLst>
-              <pc:docMk/>
-              <pc:sldMasterMk cId="1191321755" sldId="2147483684"/>
-              <pc:sldLayoutMk cId="6746695" sldId="2147483685"/>
-              <ac:spMk id="3" creationId="{00000000-0000-0000-0000-000000000000}"/>
-            </ac:spMkLst>
-          </pc:spChg>
-          <pc:spChg chg="add del mod">
-            <ac:chgData name="Frederick, Samuel" userId="090dec4f-7d84-4616-bef6-b2226d1b24c4" providerId="ADAL" clId="{89F68C54-55B7-49AF-A76F-B6940287DEDA}" dt="2020-12-17T16:10:15.938" v="315" actId="478"/>
-            <ac:spMkLst>
-              <pc:docMk/>
-              <pc:sldMasterMk cId="1191321755" sldId="2147483684"/>
-              <pc:sldLayoutMk cId="6746695" sldId="2147483685"/>
-              <ac:spMk id="3" creationId="{3119C750-1570-4421-A424-6936C7286F8E}"/>
-            </ac:spMkLst>
-          </pc:spChg>
-          <pc:spChg chg="del">
-            <ac:chgData name="Frederick, Samuel" userId="090dec4f-7d84-4616-bef6-b2226d1b24c4" providerId="ADAL" clId="{89F68C54-55B7-49AF-A76F-B6940287DEDA}" dt="2020-12-17T15:13:42.403" v="52" actId="478"/>
-            <ac:spMkLst>
-              <pc:docMk/>
-              <pc:sldMasterMk cId="1191321755" sldId="2147483684"/>
-              <pc:sldLayoutMk cId="6746695" sldId="2147483685"/>
-              <ac:spMk id="4" creationId="{00000000-0000-0000-0000-000000000000}"/>
-            </ac:spMkLst>
-          </pc:spChg>
-          <pc:spChg chg="add mod">
-            <ac:chgData name="Frederick, Samuel" userId="090dec4f-7d84-4616-bef6-b2226d1b24c4" providerId="ADAL" clId="{89F68C54-55B7-49AF-A76F-B6940287DEDA}" dt="2020-12-17T16:13:38.531" v="328" actId="962"/>
-            <ac:spMkLst>
-              <pc:docMk/>
-              <pc:sldMasterMk cId="1191321755" sldId="2147483684"/>
-              <pc:sldLayoutMk cId="6746695" sldId="2147483685"/>
-              <ac:spMk id="4" creationId="{3FD28EF8-7326-4B5B-B5F2-3F3DF1EE0CAD}"/>
-            </ac:spMkLst>
-          </pc:spChg>
-          <pc:spChg chg="del">
-            <ac:chgData name="Frederick, Samuel" userId="090dec4f-7d84-4616-bef6-b2226d1b24c4" providerId="ADAL" clId="{89F68C54-55B7-49AF-A76F-B6940287DEDA}" dt="2020-12-17T15:13:44.233" v="53" actId="478"/>
-            <ac:spMkLst>
-              <pc:docMk/>
-              <pc:sldMasterMk cId="1191321755" sldId="2147483684"/>
-              <pc:sldLayoutMk cId="6746695" sldId="2147483685"/>
-              <ac:spMk id="5" creationId="{00000000-0000-0000-0000-000000000000}"/>
-            </ac:spMkLst>
-          </pc:spChg>
-          <pc:spChg chg="add del">
-            <ac:chgData name="Frederick, Samuel" userId="090dec4f-7d84-4616-bef6-b2226d1b24c4" providerId="ADAL" clId="{89F68C54-55B7-49AF-A76F-B6940287DEDA}" dt="2020-12-17T21:48:47.209" v="520" actId="478"/>
-            <ac:spMkLst>
-              <pc:docMk/>
-              <pc:sldMasterMk cId="1191321755" sldId="2147483684"/>
-              <pc:sldLayoutMk cId="6746695" sldId="2147483685"/>
-              <ac:spMk id="5" creationId="{C0E3719E-A415-4008-8C3A-3BFBB84B9F08}"/>
-            </ac:spMkLst>
-          </pc:spChg>
-          <pc:spChg chg="add del mod">
-            <ac:chgData name="Frederick, Samuel" userId="090dec4f-7d84-4616-bef6-b2226d1b24c4" providerId="ADAL" clId="{89F68C54-55B7-49AF-A76F-B6940287DEDA}" dt="2020-12-17T16:16:49.271" v="414" actId="478"/>
-            <ac:spMkLst>
-              <pc:docMk/>
-              <pc:sldMasterMk cId="1191321755" sldId="2147483684"/>
-              <pc:sldLayoutMk cId="6746695" sldId="2147483685"/>
-              <ac:spMk id="5" creationId="{F6741D1E-F133-42A4-9B2A-91E5B9AF246E}"/>
-            </ac:spMkLst>
-          </pc:spChg>
-          <pc:spChg chg="del">
-            <ac:chgData name="Frederick, Samuel" userId="090dec4f-7d84-4616-bef6-b2226d1b24c4" providerId="ADAL" clId="{89F68C54-55B7-49AF-A76F-B6940287DEDA}" dt="2020-12-17T15:13:45.070" v="54" actId="478"/>
-            <ac:spMkLst>
-              <pc:docMk/>
-              <pc:sldMasterMk cId="1191321755" sldId="2147483684"/>
-              <pc:sldLayoutMk cId="6746695" sldId="2147483685"/>
-              <ac:spMk id="6" creationId="{00000000-0000-0000-0000-000000000000}"/>
-            </ac:spMkLst>
-          </pc:spChg>
-          <pc:spChg chg="add mod">
-            <ac:chgData name="Frederick, Samuel" userId="090dec4f-7d84-4616-bef6-b2226d1b24c4" providerId="ADAL" clId="{89F68C54-55B7-49AF-A76F-B6940287DEDA}" dt="2020-12-17T21:49:06.714" v="526" actId="13244"/>
-            <ac:spMkLst>
-              <pc:docMk/>
-              <pc:sldMasterMk cId="1191321755" sldId="2147483684"/>
-              <pc:sldLayoutMk cId="6746695" sldId="2147483685"/>
-              <ac:spMk id="6" creationId="{4CEAB31F-96E9-478E-B76F-992733BA077D}"/>
-            </ac:spMkLst>
-          </pc:spChg>
-          <pc:spChg chg="add del">
-            <ac:chgData name="Frederick, Samuel" userId="090dec4f-7d84-4616-bef6-b2226d1b24c4" providerId="ADAL" clId="{89F68C54-55B7-49AF-A76F-B6940287DEDA}" dt="2020-12-17T15:22:59.534" v="77"/>
-            <ac:spMkLst>
-              <pc:docMk/>
-              <pc:sldMasterMk cId="1191321755" sldId="2147483684"/>
-              <pc:sldLayoutMk cId="6746695" sldId="2147483685"/>
-              <ac:spMk id="7" creationId="{822DED2A-97E1-4602-A6FA-D83C9D7D065C}"/>
-            </ac:spMkLst>
-          </pc:spChg>
-          <pc:spChg chg="add">
-            <ac:chgData name="Frederick, Samuel" userId="090dec4f-7d84-4616-bef6-b2226d1b24c4" providerId="ADAL" clId="{89F68C54-55B7-49AF-A76F-B6940287DEDA}" dt="2020-12-21T14:54:58.022" v="555"/>
-            <ac:spMkLst>
-              <pc:docMk/>
-              <pc:sldMasterMk cId="1191321755" sldId="2147483684"/>
-              <pc:sldLayoutMk cId="6746695" sldId="2147483685"/>
-              <ac:spMk id="7" creationId="{9C129ADE-2450-4964-9002-6159F00A83DF}"/>
-            </ac:spMkLst>
-          </pc:spChg>
-          <pc:spChg chg="add">
-            <ac:chgData name="Frederick, Samuel" userId="090dec4f-7d84-4616-bef6-b2226d1b24c4" providerId="ADAL" clId="{89F68C54-55B7-49AF-A76F-B6940287DEDA}" dt="2020-12-21T14:54:58.022" v="555"/>
-            <ac:spMkLst>
-              <pc:docMk/>
-              <pc:sldMasterMk cId="1191321755" sldId="2147483684"/>
-              <pc:sldLayoutMk cId="6746695" sldId="2147483685"/>
-              <ac:spMk id="8" creationId="{FD7E6056-2EED-4702-9CAE-4FDCB8C6C0ED}"/>
-            </ac:spMkLst>
-          </pc:spChg>
-          <pc:spChg chg="add del">
-            <ac:chgData name="Frederick, Samuel" userId="090dec4f-7d84-4616-bef6-b2226d1b24c4" providerId="ADAL" clId="{89F68C54-55B7-49AF-A76F-B6940287DEDA}" dt="2020-12-17T15:22:59.534" v="77"/>
-            <ac:spMkLst>
-              <pc:docMk/>
-              <pc:sldMasterMk cId="1191321755" sldId="2147483684"/>
-              <pc:sldLayoutMk cId="6746695" sldId="2147483685"/>
-              <ac:spMk id="9" creationId="{3D7D0DD6-1DA7-44EB-BE21-7B619AEA6DCC}"/>
-            </ac:spMkLst>
-          </pc:spChg>
-          <pc:spChg chg="add del">
-            <ac:chgData name="Frederick, Samuel" userId="090dec4f-7d84-4616-bef6-b2226d1b24c4" providerId="ADAL" clId="{89F68C54-55B7-49AF-A76F-B6940287DEDA}" dt="2020-12-17T21:46:51.827" v="515" actId="478"/>
-            <ac:spMkLst>
-              <pc:docMk/>
-              <pc:sldMasterMk cId="1191321755" sldId="2147483684"/>
-              <pc:sldLayoutMk cId="6746695" sldId="2147483685"/>
-              <ac:spMk id="9" creationId="{559B1CAC-06D2-448A-866B-2359525AC59F}"/>
-            </ac:spMkLst>
-          </pc:spChg>
-          <pc:spChg chg="add del">
-            <ac:chgData name="Frederick, Samuel" userId="090dec4f-7d84-4616-bef6-b2226d1b24c4" providerId="ADAL" clId="{89F68C54-55B7-49AF-A76F-B6940287DEDA}" dt="2020-12-29T14:13:40.584" v="566"/>
-            <ac:spMkLst>
-              <pc:docMk/>
-              <pc:sldMasterMk cId="1191321755" sldId="2147483684"/>
-              <pc:sldLayoutMk cId="6746695" sldId="2147483685"/>
-              <ac:spMk id="9" creationId="{BB50ED9B-6FAA-4520-8103-BF9101CCE3F3}"/>
-            </ac:spMkLst>
-          </pc:spChg>
-          <pc:spChg chg="add del">
-            <ac:chgData name="Frederick, Samuel" userId="090dec4f-7d84-4616-bef6-b2226d1b24c4" providerId="ADAL" clId="{89F68C54-55B7-49AF-A76F-B6940287DEDA}" dt="2020-12-17T21:46:49.491" v="514" actId="478"/>
-            <ac:spMkLst>
-              <pc:docMk/>
-              <pc:sldMasterMk cId="1191321755" sldId="2147483684"/>
-              <pc:sldLayoutMk cId="6746695" sldId="2147483685"/>
-              <ac:spMk id="10" creationId="{13596239-D2CE-4B89-8BB8-8C8947F7A8C8}"/>
-            </ac:spMkLst>
-          </pc:spChg>
-          <pc:spChg chg="add del">
-            <ac:chgData name="Frederick, Samuel" userId="090dec4f-7d84-4616-bef6-b2226d1b24c4" providerId="ADAL" clId="{89F68C54-55B7-49AF-A76F-B6940287DEDA}" dt="2020-12-29T14:13:40.584" v="566"/>
-            <ac:spMkLst>
-              <pc:docMk/>
-              <pc:sldMasterMk cId="1191321755" sldId="2147483684"/>
-              <pc:sldLayoutMk cId="6746695" sldId="2147483685"/>
-              <ac:spMk id="10" creationId="{C78FCE1C-51A2-4E35-BF97-E032A59D522D}"/>
-            </ac:spMkLst>
-          </pc:spChg>
-          <pc:spChg chg="add del">
-            <ac:chgData name="Frederick, Samuel" userId="090dec4f-7d84-4616-bef6-b2226d1b24c4" providerId="ADAL" clId="{89F68C54-55B7-49AF-A76F-B6940287DEDA}" dt="2020-12-17T21:46:53.772" v="516" actId="478"/>
-            <ac:spMkLst>
-              <pc:docMk/>
-              <pc:sldMasterMk cId="1191321755" sldId="2147483684"/>
-              <pc:sldLayoutMk cId="6746695" sldId="2147483685"/>
-              <ac:spMk id="11" creationId="{B3970416-3D6D-49F6-A6D3-0BA5D634D140}"/>
-            </ac:spMkLst>
-          </pc:spChg>
-          <pc:spChg chg="add del">
-            <ac:chgData name="Frederick, Samuel" userId="090dec4f-7d84-4616-bef6-b2226d1b24c4" providerId="ADAL" clId="{89F68C54-55B7-49AF-A76F-B6940287DEDA}" dt="2020-12-17T15:22:59.534" v="77"/>
-            <ac:spMkLst>
-              <pc:docMk/>
-              <pc:sldMasterMk cId="1191321755" sldId="2147483684"/>
-              <pc:sldLayoutMk cId="6746695" sldId="2147483685"/>
-              <ac:spMk id="11" creationId="{BD32FFD4-691A-4192-A9B9-2C245EF4F3AE}"/>
-            </ac:spMkLst>
-          </pc:spChg>
-          <pc:spChg chg="add">
-            <ac:chgData name="Frederick, Samuel" userId="090dec4f-7d84-4616-bef6-b2226d1b24c4" providerId="ADAL" clId="{89F68C54-55B7-49AF-A76F-B6940287DEDA}" dt="2020-12-17T21:48:50.427" v="522"/>
-            <ac:spMkLst>
-              <pc:docMk/>
-              <pc:sldMasterMk cId="1191321755" sldId="2147483684"/>
-              <pc:sldLayoutMk cId="6746695" sldId="2147483685"/>
-              <ac:spMk id="12" creationId="{6E977456-2E7D-4B94-8F6B-14EA6E7F331A}"/>
-            </ac:spMkLst>
-          </pc:spChg>
-          <pc:spChg chg="add del">
-            <ac:chgData name="Frederick, Samuel" userId="090dec4f-7d84-4616-bef6-b2226d1b24c4" providerId="ADAL" clId="{89F68C54-55B7-49AF-A76F-B6940287DEDA}" dt="2020-12-17T15:22:59.534" v="77"/>
-            <ac:spMkLst>
-              <pc:docMk/>
-              <pc:sldMasterMk cId="1191321755" sldId="2147483684"/>
-              <pc:sldLayoutMk cId="6746695" sldId="2147483685"/>
-              <ac:spMk id="12" creationId="{F9E5CBE7-C5B3-4CE7-8B15-A0B588E7C82F}"/>
-            </ac:spMkLst>
-          </pc:spChg>
-          <pc:spChg chg="add del">
-            <ac:chgData name="Frederick, Samuel" userId="090dec4f-7d84-4616-bef6-b2226d1b24c4" providerId="ADAL" clId="{89F68C54-55B7-49AF-A76F-B6940287DEDA}" dt="2020-12-17T15:24:56.309" v="84" actId="478"/>
-            <ac:spMkLst>
-              <pc:docMk/>
-              <pc:sldMasterMk cId="1191321755" sldId="2147483684"/>
-              <pc:sldLayoutMk cId="6746695" sldId="2147483685"/>
-              <ac:spMk id="13" creationId="{02FED997-9A7A-4913-8385-858623A43E5F}"/>
-            </ac:spMkLst>
-          </pc:spChg>
-          <pc:spChg chg="add del">
-            <ac:chgData name="Frederick, Samuel" userId="090dec4f-7d84-4616-bef6-b2226d1b24c4" providerId="ADAL" clId="{89F68C54-55B7-49AF-A76F-B6940287DEDA}" dt="2020-12-29T14:13:40.584" v="566"/>
-            <ac:spMkLst>
-              <pc:docMk/>
-              <pc:sldMasterMk cId="1191321755" sldId="2147483684"/>
-              <pc:sldLayoutMk cId="6746695" sldId="2147483685"/>
-              <ac:spMk id="14" creationId="{477082C9-4BD4-4EA3-B95B-D62C9E8B0730}"/>
-            </ac:spMkLst>
-          </pc:spChg>
-          <pc:spChg chg="add del">
-            <ac:chgData name="Frederick, Samuel" userId="090dec4f-7d84-4616-bef6-b2226d1b24c4" providerId="ADAL" clId="{89F68C54-55B7-49AF-A76F-B6940287DEDA}" dt="2020-12-17T15:24:56.309" v="84" actId="478"/>
-            <ac:spMkLst>
-              <pc:docMk/>
-              <pc:sldMasterMk cId="1191321755" sldId="2147483684"/>
-              <pc:sldLayoutMk cId="6746695" sldId="2147483685"/>
-              <ac:spMk id="15" creationId="{CE20B493-0B1B-435A-A6FC-9A50F4CB53F1}"/>
-            </ac:spMkLst>
-          </pc:spChg>
-          <pc:spChg chg="add del">
-            <ac:chgData name="Frederick, Samuel" userId="090dec4f-7d84-4616-bef6-b2226d1b24c4" providerId="ADAL" clId="{89F68C54-55B7-49AF-A76F-B6940287DEDA}" dt="2020-12-29T14:13:40.584" v="566"/>
-            <ac:spMkLst>
-              <pc:docMk/>
-              <pc:sldMasterMk cId="1191321755" sldId="2147483684"/>
-              <pc:sldLayoutMk cId="6746695" sldId="2147483685"/>
-              <ac:spMk id="16" creationId="{33992653-D07E-4274-8F1F-D2E34E3A77BA}"/>
-            </ac:spMkLst>
-          </pc:spChg>
-          <pc:spChg chg="add del">
-            <ac:chgData name="Frederick, Samuel" userId="090dec4f-7d84-4616-bef6-b2226d1b24c4" providerId="ADAL" clId="{89F68C54-55B7-49AF-A76F-B6940287DEDA}" dt="2020-12-17T15:24:56.309" v="84" actId="478"/>
-            <ac:spMkLst>
-              <pc:docMk/>
-              <pc:sldMasterMk cId="1191321755" sldId="2147483684"/>
-              <pc:sldLayoutMk cId="6746695" sldId="2147483685"/>
-              <ac:spMk id="17" creationId="{39A7B1D8-C076-452D-A2EE-2B776D2DD5F4}"/>
-            </ac:spMkLst>
-          </pc:spChg>
-          <pc:spChg chg="add del">
-            <ac:chgData name="Frederick, Samuel" userId="090dec4f-7d84-4616-bef6-b2226d1b24c4" providerId="ADAL" clId="{89F68C54-55B7-49AF-A76F-B6940287DEDA}" dt="2020-12-29T14:13:40.584" v="566"/>
-            <ac:spMkLst>
-              <pc:docMk/>
-              <pc:sldMasterMk cId="1191321755" sldId="2147483684"/>
-              <pc:sldLayoutMk cId="6746695" sldId="2147483685"/>
-              <ac:spMk id="17" creationId="{94A9BCAD-7998-4109-BD84-12514D48D9B2}"/>
-            </ac:spMkLst>
-          </pc:spChg>
-          <pc:spChg chg="add del">
-            <ac:chgData name="Frederick, Samuel" userId="090dec4f-7d84-4616-bef6-b2226d1b24c4" providerId="ADAL" clId="{89F68C54-55B7-49AF-A76F-B6940287DEDA}" dt="2020-12-29T14:13:40.584" v="566"/>
-            <ac:spMkLst>
-              <pc:docMk/>
-              <pc:sldMasterMk cId="1191321755" sldId="2147483684"/>
-              <pc:sldLayoutMk cId="6746695" sldId="2147483685"/>
-              <ac:spMk id="18" creationId="{1B8EE8E7-842C-4358-8462-778FECBE8F62}"/>
-            </ac:spMkLst>
-          </pc:spChg>
-          <pc:spChg chg="add del">
-            <ac:chgData name="Frederick, Samuel" userId="090dec4f-7d84-4616-bef6-b2226d1b24c4" providerId="ADAL" clId="{89F68C54-55B7-49AF-A76F-B6940287DEDA}" dt="2020-12-17T15:24:56.309" v="84" actId="478"/>
-            <ac:spMkLst>
-              <pc:docMk/>
-              <pc:sldMasterMk cId="1191321755" sldId="2147483684"/>
-              <pc:sldLayoutMk cId="6746695" sldId="2147483685"/>
-              <ac:spMk id="18" creationId="{3239072B-C499-4974-8B9D-8CAB0EE0F64B}"/>
-            </ac:spMkLst>
-          </pc:spChg>
-          <pc:picChg chg="add del">
-            <ac:chgData name="Frederick, Samuel" userId="090dec4f-7d84-4616-bef6-b2226d1b24c4" providerId="ADAL" clId="{89F68C54-55B7-49AF-A76F-B6940287DEDA}" dt="2020-12-17T21:47:04.755" v="517" actId="478"/>
-            <ac:picMkLst>
-              <pc:docMk/>
-              <pc:sldMasterMk cId="1191321755" sldId="2147483684"/>
-              <pc:sldLayoutMk cId="6746695" sldId="2147483685"/>
-              <ac:picMk id="7" creationId="{C938D4CA-A121-4604-8225-B36B368F54FA}"/>
-            </ac:picMkLst>
-          </pc:picChg>
-          <pc:picChg chg="add del">
-            <ac:chgData name="Frederick, Samuel" userId="090dec4f-7d84-4616-bef6-b2226d1b24c4" providerId="ADAL" clId="{89F68C54-55B7-49AF-A76F-B6940287DEDA}" dt="2020-12-17T15:22:59.534" v="77"/>
-            <ac:picMkLst>
-              <pc:docMk/>
-              <pc:sldMasterMk cId="1191321755" sldId="2147483684"/>
-              <pc:sldLayoutMk cId="6746695" sldId="2147483685"/>
-              <ac:picMk id="8" creationId="{0B99DF1E-0261-4A4F-8CF6-040525C48DC8}"/>
-            </ac:picMkLst>
-          </pc:picChg>
-          <pc:picChg chg="add del">
-            <ac:chgData name="Frederick, Samuel" userId="090dec4f-7d84-4616-bef6-b2226d1b24c4" providerId="ADAL" clId="{89F68C54-55B7-49AF-A76F-B6940287DEDA}" dt="2020-12-17T15:24:56.309" v="84" actId="478"/>
-            <ac:picMkLst>
-              <pc:docMk/>
-              <pc:sldMasterMk cId="1191321755" sldId="2147483684"/>
-              <pc:sldLayoutMk cId="6746695" sldId="2147483685"/>
-              <ac:picMk id="14" creationId="{506D9F7A-F6D3-44D5-A9D4-528EE33E0AB0}"/>
-            </ac:picMkLst>
-          </pc:picChg>
-          <pc:picChg chg="add del">
-            <ac:chgData name="Frederick, Samuel" userId="090dec4f-7d84-4616-bef6-b2226d1b24c4" providerId="ADAL" clId="{89F68C54-55B7-49AF-A76F-B6940287DEDA}" dt="2020-12-17T15:31:11.843" v="97" actId="478"/>
-            <ac:picMkLst>
-              <pc:docMk/>
-              <pc:sldMasterMk cId="1191321755" sldId="2147483684"/>
-              <pc:sldLayoutMk cId="6746695" sldId="2147483685"/>
-              <ac:picMk id="19" creationId="{C5961030-D3D1-4E52-9137-81605AE7C4C3}"/>
-            </ac:picMkLst>
-          </pc:picChg>
-          <pc:cxnChg chg="add del">
-            <ac:chgData name="Frederick, Samuel" userId="090dec4f-7d84-4616-bef6-b2226d1b24c4" providerId="ADAL" clId="{89F68C54-55B7-49AF-A76F-B6940287DEDA}" dt="2020-12-17T21:48:49.414" v="521" actId="478"/>
-            <ac:cxnSpMkLst>
-              <pc:docMk/>
-              <pc:sldMasterMk cId="1191321755" sldId="2147483684"/>
-              <pc:sldLayoutMk cId="6746695" sldId="2147483685"/>
-              <ac:cxnSpMk id="8" creationId="{1A8E3FD3-21BE-4BE1-B3E5-9955787FBAA1}"/>
-            </ac:cxnSpMkLst>
-          </pc:cxnChg>
-          <pc:cxnChg chg="add del">
-            <ac:chgData name="Frederick, Samuel" userId="090dec4f-7d84-4616-bef6-b2226d1b24c4" providerId="ADAL" clId="{89F68C54-55B7-49AF-A76F-B6940287DEDA}" dt="2020-12-17T15:22:59.534" v="77"/>
-            <ac:cxnSpMkLst>
-              <pc:docMk/>
-              <pc:sldMasterMk cId="1191321755" sldId="2147483684"/>
-              <pc:sldLayoutMk cId="6746695" sldId="2147483685"/>
-              <ac:cxnSpMk id="10" creationId="{19B37F70-2F74-4903-9F2F-6051B27CE7FD}"/>
-            </ac:cxnSpMkLst>
-          </pc:cxnChg>
-          <pc:cxnChg chg="add del">
-            <ac:chgData name="Frederick, Samuel" userId="090dec4f-7d84-4616-bef6-b2226d1b24c4" providerId="ADAL" clId="{89F68C54-55B7-49AF-A76F-B6940287DEDA}" dt="2020-12-29T14:13:40.584" v="566"/>
-            <ac:cxnSpMkLst>
-              <pc:docMk/>
-              <pc:sldMasterMk cId="1191321755" sldId="2147483684"/>
-              <pc:sldLayoutMk cId="6746695" sldId="2147483685"/>
-              <ac:cxnSpMk id="11" creationId="{7C0671C1-D4C7-4A89-8D51-5FBA07044B44}"/>
-            </ac:cxnSpMkLst>
-          </pc:cxnChg>
-          <pc:cxnChg chg="add">
-            <ac:chgData name="Frederick, Samuel" userId="090dec4f-7d84-4616-bef6-b2226d1b24c4" providerId="ADAL" clId="{89F68C54-55B7-49AF-A76F-B6940287DEDA}" dt="2020-12-17T21:48:50.427" v="522"/>
-            <ac:cxnSpMkLst>
-              <pc:docMk/>
-              <pc:sldMasterMk cId="1191321755" sldId="2147483684"/>
-              <pc:sldLayoutMk cId="6746695" sldId="2147483685"/>
-              <ac:cxnSpMk id="13" creationId="{1E9DEDCC-2674-4782-A997-502FC9D56841}"/>
-            </ac:cxnSpMkLst>
-          </pc:cxnChg>
-          <pc:cxnChg chg="add del">
-            <ac:chgData name="Frederick, Samuel" userId="090dec4f-7d84-4616-bef6-b2226d1b24c4" providerId="ADAL" clId="{89F68C54-55B7-49AF-A76F-B6940287DEDA}" dt="2020-12-29T14:13:40.584" v="566"/>
-            <ac:cxnSpMkLst>
-              <pc:docMk/>
-              <pc:sldMasterMk cId="1191321755" sldId="2147483684"/>
-              <pc:sldLayoutMk cId="6746695" sldId="2147483685"/>
-              <ac:cxnSpMk id="15" creationId="{F1477822-3D44-4FFF-85FB-0C1BA9AEA70A}"/>
-            </ac:cxnSpMkLst>
-          </pc:cxnChg>
-          <pc:cxnChg chg="add del">
-            <ac:chgData name="Frederick, Samuel" userId="090dec4f-7d84-4616-bef6-b2226d1b24c4" providerId="ADAL" clId="{89F68C54-55B7-49AF-A76F-B6940287DEDA}" dt="2020-12-17T15:24:56.309" v="84" actId="478"/>
-            <ac:cxnSpMkLst>
-              <pc:docMk/>
-              <pc:sldMasterMk cId="1191321755" sldId="2147483684"/>
-              <pc:sldLayoutMk cId="6746695" sldId="2147483685"/>
-              <ac:cxnSpMk id="16" creationId="{F41AC20F-0C24-4A4B-BAAB-86DE8EAC880E}"/>
-            </ac:cxnSpMkLst>
-          </pc:cxnChg>
-        </pc:sldLayoutChg>
-        <pc:sldLayoutChg chg="addSp delSp modSp del">
-          <pc:chgData name="Frederick, Samuel" userId="090dec4f-7d84-4616-bef6-b2226d1b24c4" providerId="ADAL" clId="{89F68C54-55B7-49AF-A76F-B6940287DEDA}" dt="2020-12-17T16:09:21.839" v="304" actId="2696"/>
-          <pc:sldLayoutMkLst>
-            <pc:docMk/>
-            <pc:sldMasterMk cId="1191321755" sldId="2147483684"/>
-            <pc:sldLayoutMk cId="45040622" sldId="2147483686"/>
-          </pc:sldLayoutMkLst>
-          <pc:spChg chg="del">
-            <ac:chgData name="Frederick, Samuel" userId="090dec4f-7d84-4616-bef6-b2226d1b24c4" providerId="ADAL" clId="{89F68C54-55B7-49AF-A76F-B6940287DEDA}" dt="2020-12-17T15:34:32.127" v="129" actId="478"/>
-            <ac:spMkLst>
-              <pc:docMk/>
-              <pc:sldMasterMk cId="1191321755" sldId="2147483684"/>
-              <pc:sldLayoutMk cId="45040622" sldId="2147483686"/>
-              <ac:spMk id="2" creationId="{00000000-0000-0000-0000-000000000000}"/>
-            </ac:spMkLst>
-          </pc:spChg>
-          <pc:spChg chg="add mod">
-            <ac:chgData name="Frederick, Samuel" userId="090dec4f-7d84-4616-bef6-b2226d1b24c4" providerId="ADAL" clId="{89F68C54-55B7-49AF-A76F-B6940287DEDA}" dt="2020-12-17T15:52:31.132" v="277"/>
-            <ac:spMkLst>
-              <pc:docMk/>
-              <pc:sldMasterMk cId="1191321755" sldId="2147483684"/>
-              <pc:sldLayoutMk cId="45040622" sldId="2147483686"/>
-              <ac:spMk id="8" creationId="{64D2C9BA-19C2-4A69-9ED4-DD250D582135}"/>
-            </ac:spMkLst>
-          </pc:spChg>
-        </pc:sldLayoutChg>
-        <pc:sldLayoutChg chg="addSp del">
-          <pc:chgData name="Frederick, Samuel" userId="090dec4f-7d84-4616-bef6-b2226d1b24c4" providerId="ADAL" clId="{89F68C54-55B7-49AF-A76F-B6940287DEDA}" dt="2020-12-17T16:09:21.848" v="305" actId="2696"/>
-          <pc:sldLayoutMkLst>
-            <pc:docMk/>
-            <pc:sldMasterMk cId="1191321755" sldId="2147483684"/>
-            <pc:sldLayoutMk cId="3219687960" sldId="2147483687"/>
-          </pc:sldLayoutMkLst>
-          <pc:spChg chg="add">
-            <ac:chgData name="Frederick, Samuel" userId="090dec4f-7d84-4616-bef6-b2226d1b24c4" providerId="ADAL" clId="{89F68C54-55B7-49AF-A76F-B6940287DEDA}" dt="2020-12-17T15:34:35.019" v="130"/>
-            <ac:spMkLst>
-              <pc:docMk/>
-              <pc:sldMasterMk cId="1191321755" sldId="2147483684"/>
-              <pc:sldLayoutMk cId="3219687960" sldId="2147483687"/>
-              <ac:spMk id="8" creationId="{79593E00-1BA2-4061-B76E-50BF23783ED1}"/>
-            </ac:spMkLst>
-          </pc:spChg>
-        </pc:sldLayoutChg>
-        <pc:sldLayoutChg chg="addSp delSp del">
-          <pc:chgData name="Frederick, Samuel" userId="090dec4f-7d84-4616-bef6-b2226d1b24c4" providerId="ADAL" clId="{89F68C54-55B7-49AF-A76F-B6940287DEDA}" dt="2020-12-17T16:09:21.868" v="306" actId="2696"/>
-          <pc:sldLayoutMkLst>
-            <pc:docMk/>
-            <pc:sldMasterMk cId="1191321755" sldId="2147483684"/>
-            <pc:sldLayoutMk cId="2384152537" sldId="2147483688"/>
-          </pc:sldLayoutMkLst>
-          <pc:spChg chg="del">
-            <ac:chgData name="Frederick, Samuel" userId="090dec4f-7d84-4616-bef6-b2226d1b24c4" providerId="ADAL" clId="{89F68C54-55B7-49AF-A76F-B6940287DEDA}" dt="2020-12-17T15:34:38.201" v="131" actId="478"/>
-            <ac:spMkLst>
-              <pc:docMk/>
-              <pc:sldMasterMk cId="1191321755" sldId="2147483684"/>
-              <pc:sldLayoutMk cId="2384152537" sldId="2147483688"/>
-              <ac:spMk id="2" creationId="{00000000-0000-0000-0000-000000000000}"/>
-            </ac:spMkLst>
-          </pc:spChg>
-          <pc:spChg chg="add">
-            <ac:chgData name="Frederick, Samuel" userId="090dec4f-7d84-4616-bef6-b2226d1b24c4" providerId="ADAL" clId="{89F68C54-55B7-49AF-A76F-B6940287DEDA}" dt="2020-12-17T15:34:38.383" v="132"/>
-            <ac:spMkLst>
-              <pc:docMk/>
-              <pc:sldMasterMk cId="1191321755" sldId="2147483684"/>
-              <pc:sldLayoutMk cId="2384152537" sldId="2147483688"/>
-              <ac:spMk id="9" creationId="{AFE9ED32-527F-4F8B-9492-932F97730EDC}"/>
-            </ac:spMkLst>
-          </pc:spChg>
-        </pc:sldLayoutChg>
-        <pc:sldLayoutChg chg="addSp delSp del">
-          <pc:chgData name="Frederick, Samuel" userId="090dec4f-7d84-4616-bef6-b2226d1b24c4" providerId="ADAL" clId="{89F68C54-55B7-49AF-A76F-B6940287DEDA}" dt="2020-12-17T16:09:21.886" v="307" actId="2696"/>
-          <pc:sldLayoutMkLst>
-            <pc:docMk/>
-            <pc:sldMasterMk cId="1191321755" sldId="2147483684"/>
-            <pc:sldLayoutMk cId="1965584504" sldId="2147483689"/>
-          </pc:sldLayoutMkLst>
-          <pc:spChg chg="del">
-            <ac:chgData name="Frederick, Samuel" userId="090dec4f-7d84-4616-bef6-b2226d1b24c4" providerId="ADAL" clId="{89F68C54-55B7-49AF-A76F-B6940287DEDA}" dt="2020-12-17T15:24:04.730" v="79" actId="478"/>
-            <ac:spMkLst>
-              <pc:docMk/>
-              <pc:sldMasterMk cId="1191321755" sldId="2147483684"/>
-              <pc:sldLayoutMk cId="1965584504" sldId="2147483689"/>
-              <ac:spMk id="2" creationId="{00000000-0000-0000-0000-000000000000}"/>
-            </ac:spMkLst>
-          </pc:spChg>
-          <pc:spChg chg="add">
-            <ac:chgData name="Frederick, Samuel" userId="090dec4f-7d84-4616-bef6-b2226d1b24c4" providerId="ADAL" clId="{89F68C54-55B7-49AF-A76F-B6940287DEDA}" dt="2020-12-17T15:34:43.357" v="133"/>
-            <ac:spMkLst>
-              <pc:docMk/>
-              <pc:sldMasterMk cId="1191321755" sldId="2147483684"/>
-              <pc:sldLayoutMk cId="1965584504" sldId="2147483689"/>
-              <ac:spMk id="11" creationId="{CEA250C5-6C28-460C-BB8D-5525025C7905}"/>
-            </ac:spMkLst>
-          </pc:spChg>
-        </pc:sldLayoutChg>
-        <pc:sldLayoutChg chg="addSp delSp del">
-          <pc:chgData name="Frederick, Samuel" userId="090dec4f-7d84-4616-bef6-b2226d1b24c4" providerId="ADAL" clId="{89F68C54-55B7-49AF-A76F-B6940287DEDA}" dt="2020-12-17T16:09:21.892" v="308" actId="2696"/>
-          <pc:sldLayoutMkLst>
-            <pc:docMk/>
-            <pc:sldMasterMk cId="1191321755" sldId="2147483684"/>
-            <pc:sldLayoutMk cId="2682930201" sldId="2147483690"/>
-          </pc:sldLayoutMkLst>
-          <pc:spChg chg="del">
-            <ac:chgData name="Frederick, Samuel" userId="090dec4f-7d84-4616-bef6-b2226d1b24c4" providerId="ADAL" clId="{89F68C54-55B7-49AF-A76F-B6940287DEDA}" dt="2020-12-17T15:34:46.673" v="134" actId="478"/>
-            <ac:spMkLst>
-              <pc:docMk/>
-              <pc:sldMasterMk cId="1191321755" sldId="2147483684"/>
-              <pc:sldLayoutMk cId="2682930201" sldId="2147483690"/>
-              <ac:spMk id="2" creationId="{00000000-0000-0000-0000-000000000000}"/>
-            </ac:spMkLst>
-          </pc:spChg>
-          <pc:spChg chg="add">
-            <ac:chgData name="Frederick, Samuel" userId="090dec4f-7d84-4616-bef6-b2226d1b24c4" providerId="ADAL" clId="{89F68C54-55B7-49AF-A76F-B6940287DEDA}" dt="2020-12-17T15:34:46.866" v="135"/>
-            <ac:spMkLst>
-              <pc:docMk/>
-              <pc:sldMasterMk cId="1191321755" sldId="2147483684"/>
-              <pc:sldLayoutMk cId="2682930201" sldId="2147483690"/>
-              <ac:spMk id="7" creationId="{90EC3353-9DCD-4638-BAB5-87EEDA01597A}"/>
-            </ac:spMkLst>
-          </pc:spChg>
-        </pc:sldLayoutChg>
-        <pc:sldLayoutChg chg="addSp del">
-          <pc:chgData name="Frederick, Samuel" userId="090dec4f-7d84-4616-bef6-b2226d1b24c4" providerId="ADAL" clId="{89F68C54-55B7-49AF-A76F-B6940287DEDA}" dt="2020-12-17T16:09:21.898" v="309" actId="2696"/>
-          <pc:sldLayoutMkLst>
-            <pc:docMk/>
-            <pc:sldMasterMk cId="1191321755" sldId="2147483684"/>
-            <pc:sldLayoutMk cId="116370155" sldId="2147483691"/>
-          </pc:sldLayoutMkLst>
-          <pc:spChg chg="add">
-            <ac:chgData name="Frederick, Samuel" userId="090dec4f-7d84-4616-bef6-b2226d1b24c4" providerId="ADAL" clId="{89F68C54-55B7-49AF-A76F-B6940287DEDA}" dt="2020-12-17T15:34:48.474" v="136"/>
-            <ac:spMkLst>
-              <pc:docMk/>
-              <pc:sldMasterMk cId="1191321755" sldId="2147483684"/>
-              <pc:sldLayoutMk cId="116370155" sldId="2147483691"/>
-              <ac:spMk id="6" creationId="{A2B9450D-A5E6-415E-94FD-2DBE0FF8BC65}"/>
-            </ac:spMkLst>
-          </pc:spChg>
-        </pc:sldLayoutChg>
-        <pc:sldLayoutChg chg="del">
-          <pc:chgData name="Frederick, Samuel" userId="090dec4f-7d84-4616-bef6-b2226d1b24c4" providerId="ADAL" clId="{89F68C54-55B7-49AF-A76F-B6940287DEDA}" dt="2020-12-17T16:09:21.908" v="310" actId="2696"/>
-          <pc:sldLayoutMkLst>
-            <pc:docMk/>
-            <pc:sldMasterMk cId="1191321755" sldId="2147483684"/>
-            <pc:sldLayoutMk cId="4034981354" sldId="2147483692"/>
-          </pc:sldLayoutMkLst>
-        </pc:sldLayoutChg>
-        <pc:sldLayoutChg chg="del">
-          <pc:chgData name="Frederick, Samuel" userId="090dec4f-7d84-4616-bef6-b2226d1b24c4" providerId="ADAL" clId="{89F68C54-55B7-49AF-A76F-B6940287DEDA}" dt="2020-12-17T16:09:21.916" v="311" actId="2696"/>
-          <pc:sldLayoutMkLst>
-            <pc:docMk/>
-            <pc:sldMasterMk cId="1191321755" sldId="2147483684"/>
-            <pc:sldLayoutMk cId="4165424825" sldId="2147483693"/>
-          </pc:sldLayoutMkLst>
-        </pc:sldLayoutChg>
-        <pc:sldLayoutChg chg="del">
-          <pc:chgData name="Frederick, Samuel" userId="090dec4f-7d84-4616-bef6-b2226d1b24c4" providerId="ADAL" clId="{89F68C54-55B7-49AF-A76F-B6940287DEDA}" dt="2020-12-17T16:09:21.924" v="312" actId="2696"/>
-          <pc:sldLayoutMkLst>
-            <pc:docMk/>
-            <pc:sldMasterMk cId="1191321755" sldId="2147483684"/>
-            <pc:sldLayoutMk cId="4166971773" sldId="2147483694"/>
-          </pc:sldLayoutMkLst>
-        </pc:sldLayoutChg>
-        <pc:sldLayoutChg chg="del">
-          <pc:chgData name="Frederick, Samuel" userId="090dec4f-7d84-4616-bef6-b2226d1b24c4" providerId="ADAL" clId="{89F68C54-55B7-49AF-A76F-B6940287DEDA}" dt="2020-12-17T16:09:21.935" v="313" actId="2696"/>
-          <pc:sldLayoutMkLst>
-            <pc:docMk/>
-            <pc:sldMasterMk cId="1191321755" sldId="2147483684"/>
-            <pc:sldLayoutMk cId="4164760696" sldId="2147483695"/>
-          </pc:sldLayoutMkLst>
-        </pc:sldLayoutChg>
-        <pc:sldLayoutChg chg="addSp delSp modSp">
-          <pc:chgData name="Frederick, Samuel" userId="090dec4f-7d84-4616-bef6-b2226d1b24c4" providerId="ADAL" clId="{89F68C54-55B7-49AF-A76F-B6940287DEDA}" dt="2020-12-29T14:16:10.918" v="576" actId="478"/>
-          <pc:sldLayoutMkLst>
-            <pc:docMk/>
-            <pc:sldMasterMk cId="1191321755" sldId="2147483684"/>
-            <pc:sldLayoutMk cId="1708679687" sldId="2147483696"/>
-          </pc:sldLayoutMkLst>
-          <pc:spChg chg="add del">
-            <ac:chgData name="Frederick, Samuel" userId="090dec4f-7d84-4616-bef6-b2226d1b24c4" providerId="ADAL" clId="{89F68C54-55B7-49AF-A76F-B6940287DEDA}" dt="2020-12-17T16:14:08.932" v="332" actId="11529"/>
-            <ac:spMkLst>
-              <pc:docMk/>
-              <pc:sldMasterMk cId="1191321755" sldId="2147483684"/>
-              <pc:sldLayoutMk cId="1708679687" sldId="2147483696"/>
-              <ac:spMk id="2" creationId="{E27C3D4C-1DD9-4BE8-BCC6-4310B0A43DE7}"/>
-            </ac:spMkLst>
-          </pc:spChg>
-          <pc:spChg chg="add del">
-            <ac:chgData name="Frederick, Samuel" userId="090dec4f-7d84-4616-bef6-b2226d1b24c4" providerId="ADAL" clId="{89F68C54-55B7-49AF-A76F-B6940287DEDA}" dt="2020-12-29T14:15:45.937" v="570" actId="11529"/>
-            <ac:spMkLst>
-              <pc:docMk/>
-              <pc:sldMasterMk cId="1191321755" sldId="2147483684"/>
-              <pc:sldLayoutMk cId="1708679687" sldId="2147483696"/>
-              <ac:spMk id="2" creationId="{ECF99431-D509-40C3-A30B-1996F2D55AA8}"/>
-            </ac:spMkLst>
-          </pc:spChg>
-          <pc:spChg chg="del mod">
-            <ac:chgData name="Frederick, Samuel" userId="090dec4f-7d84-4616-bef6-b2226d1b24c4" providerId="ADAL" clId="{89F68C54-55B7-49AF-A76F-B6940287DEDA}" dt="2020-12-17T16:08:49.987" v="302" actId="478"/>
-            <ac:spMkLst>
-              <pc:docMk/>
-              <pc:sldMasterMk cId="1191321755" sldId="2147483684"/>
-              <pc:sldLayoutMk cId="1708679687" sldId="2147483696"/>
-              <ac:spMk id="3" creationId="{3119C750-1570-4421-A424-6936C7286F8E}"/>
-            </ac:spMkLst>
-          </pc:spChg>
-          <pc:spChg chg="add del mod">
-            <ac:chgData name="Frederick, Samuel" userId="090dec4f-7d84-4616-bef6-b2226d1b24c4" providerId="ADAL" clId="{89F68C54-55B7-49AF-A76F-B6940287DEDA}" dt="2020-12-29T14:15:53.667" v="572" actId="478"/>
-            <ac:spMkLst>
-              <pc:docMk/>
-              <pc:sldMasterMk cId="1191321755" sldId="2147483684"/>
-              <pc:sldLayoutMk cId="1708679687" sldId="2147483696"/>
-              <ac:spMk id="3" creationId="{A9CA798A-2A40-4FED-A1D9-DA4838DB6A81}"/>
-            </ac:spMkLst>
-          </pc:spChg>
-          <pc:spChg chg="mod">
-            <ac:chgData name="Frederick, Samuel" userId="090dec4f-7d84-4616-bef6-b2226d1b24c4" providerId="ADAL" clId="{89F68C54-55B7-49AF-A76F-B6940287DEDA}" dt="2020-12-17T16:13:49.598" v="330" actId="962"/>
-            <ac:spMkLst>
-              <pc:docMk/>
-              <pc:sldMasterMk cId="1191321755" sldId="2147483684"/>
-              <pc:sldLayoutMk cId="1708679687" sldId="2147483696"/>
-              <ac:spMk id="4" creationId="{3FD28EF8-7326-4B5B-B5F2-3F3DF1EE0CAD}"/>
-            </ac:spMkLst>
-          </pc:spChg>
-          <pc:spChg chg="add del">
-            <ac:chgData name="Frederick, Samuel" userId="090dec4f-7d84-4616-bef6-b2226d1b24c4" providerId="ADAL" clId="{89F68C54-55B7-49AF-A76F-B6940287DEDA}" dt="2020-12-17T21:49:00.018" v="524" actId="478"/>
-            <ac:spMkLst>
-              <pc:docMk/>
-              <pc:sldMasterMk cId="1191321755" sldId="2147483684"/>
-              <pc:sldLayoutMk cId="1708679687" sldId="2147483696"/>
-              <ac:spMk id="5" creationId="{3F527BB3-B51F-4144-AB4F-5BA52DDE74BE}"/>
-            </ac:spMkLst>
-          </pc:spChg>
-          <pc:spChg chg="add del">
-            <ac:chgData name="Frederick, Samuel" userId="090dec4f-7d84-4616-bef6-b2226d1b24c4" providerId="ADAL" clId="{89F68C54-55B7-49AF-A76F-B6940287DEDA}" dt="2020-12-17T16:10:23.721" v="316" actId="478"/>
-            <ac:spMkLst>
-              <pc:docMk/>
-              <pc:sldMasterMk cId="1191321755" sldId="2147483684"/>
-              <pc:sldLayoutMk cId="1708679687" sldId="2147483696"/>
-              <ac:spMk id="5" creationId="{EEC528BD-A9F9-4F27-A81E-2B3210AE71E5}"/>
-            </ac:spMkLst>
-          </pc:spChg>
-          <pc:spChg chg="add">
-            <ac:chgData name="Frederick, Samuel" userId="090dec4f-7d84-4616-bef6-b2226d1b24c4" providerId="ADAL" clId="{89F68C54-55B7-49AF-A76F-B6940287DEDA}" dt="2020-12-18T20:53:07.866" v="539"/>
-            <ac:spMkLst>
-              <pc:docMk/>
-              <pc:sldMasterMk cId="1191321755" sldId="2147483684"/>
-              <pc:sldLayoutMk cId="1708679687" sldId="2147483696"/>
-              <ac:spMk id="6" creationId="{4A98EBBE-82D6-4F96-BC74-AD84E61479EE}"/>
-            </ac:spMkLst>
-          </pc:spChg>
-          <pc:spChg chg="add del mod">
-            <ac:chgData name="Frederick, Samuel" userId="090dec4f-7d84-4616-bef6-b2226d1b24c4" providerId="ADAL" clId="{89F68C54-55B7-49AF-A76F-B6940287DEDA}" dt="2020-12-17T16:16:40.596" v="413" actId="478"/>
-            <ac:spMkLst>
-              <pc:docMk/>
-              <pc:sldMasterMk cId="1191321755" sldId="2147483684"/>
-              <pc:sldLayoutMk cId="1708679687" sldId="2147483696"/>
-              <ac:spMk id="6" creationId="{4B77682E-FB41-47AF-8D47-16FBC2DED125}"/>
-            </ac:spMkLst>
-          </pc:spChg>
-          <pc:spChg chg="add">
-            <ac:chgData name="Frederick, Samuel" userId="090dec4f-7d84-4616-bef6-b2226d1b24c4" providerId="ADAL" clId="{89F68C54-55B7-49AF-A76F-B6940287DEDA}" dt="2020-12-17T21:49:02.567" v="525"/>
-            <ac:spMkLst>
-              <pc:docMk/>
-              <pc:sldMasterMk cId="1191321755" sldId="2147483684"/>
-              <pc:sldLayoutMk cId="1708679687" sldId="2147483696"/>
-              <ac:spMk id="7" creationId="{A82DC548-D5B5-4E17-8A4F-9840B35140DC}"/>
-            </ac:spMkLst>
-          </pc:spChg>
-          <pc:spChg chg="add del mod">
-            <ac:chgData name="Frederick, Samuel" userId="090dec4f-7d84-4616-bef6-b2226d1b24c4" providerId="ADAL" clId="{89F68C54-55B7-49AF-A76F-B6940287DEDA}" dt="2020-12-17T16:18:15.407" v="422" actId="478"/>
-            <ac:spMkLst>
-              <pc:docMk/>
-              <pc:sldMasterMk cId="1191321755" sldId="2147483684"/>
-              <pc:sldLayoutMk cId="1708679687" sldId="2147483696"/>
-              <ac:spMk id="7" creationId="{B2A6C9E3-1FDC-438D-B8CC-0E9997C85B79}"/>
-            </ac:spMkLst>
-          </pc:spChg>
-          <pc:spChg chg="add mod">
-            <ac:chgData name="Frederick, Samuel" userId="090dec4f-7d84-4616-bef6-b2226d1b24c4" providerId="ADAL" clId="{89F68C54-55B7-49AF-A76F-B6940287DEDA}" dt="2020-12-17T21:49:09.906" v="527" actId="13244"/>
-            <ac:spMkLst>
-              <pc:docMk/>
-              <pc:sldMasterMk cId="1191321755" sldId="2147483684"/>
-              <pc:sldLayoutMk cId="1708679687" sldId="2147483696"/>
-              <ac:spMk id="8" creationId="{FDEC4582-AD5A-4F12-AA80-3A83C1404413}"/>
-            </ac:spMkLst>
-          </pc:spChg>
-          <pc:spChg chg="add">
-            <ac:chgData name="Frederick, Samuel" userId="090dec4f-7d84-4616-bef6-b2226d1b24c4" providerId="ADAL" clId="{89F68C54-55B7-49AF-A76F-B6940287DEDA}" dt="2020-12-18T20:53:07.866" v="539"/>
-            <ac:spMkLst>
-              <pc:docMk/>
-              <pc:sldMasterMk cId="1191321755" sldId="2147483684"/>
-              <pc:sldLayoutMk cId="1708679687" sldId="2147483696"/>
-              <ac:spMk id="10" creationId="{BC8F9E07-5B9D-4DD1-A755-826C3623EE32}"/>
-            </ac:spMkLst>
-          </pc:spChg>
-          <pc:spChg chg="add del">
-            <ac:chgData name="Frederick, Samuel" userId="090dec4f-7d84-4616-bef6-b2226d1b24c4" providerId="ADAL" clId="{89F68C54-55B7-49AF-A76F-B6940287DEDA}" dt="2020-12-29T14:16:03.529" v="574" actId="478"/>
-            <ac:spMkLst>
-              <pc:docMk/>
-              <pc:sldMasterMk cId="1191321755" sldId="2147483684"/>
-              <pc:sldLayoutMk cId="1708679687" sldId="2147483696"/>
-              <ac:spMk id="11" creationId="{61CD0BF2-F1B6-40DE-BF67-CA4F3A02ABF5}"/>
-            </ac:spMkLst>
-          </pc:spChg>
-          <pc:spChg chg="add del">
-            <ac:chgData name="Frederick, Samuel" userId="090dec4f-7d84-4616-bef6-b2226d1b24c4" providerId="ADAL" clId="{89F68C54-55B7-49AF-A76F-B6940287DEDA}" dt="2020-12-29T14:16:06.322" v="575" actId="478"/>
-            <ac:spMkLst>
-              <pc:docMk/>
-              <pc:sldMasterMk cId="1191321755" sldId="2147483684"/>
-              <pc:sldLayoutMk cId="1708679687" sldId="2147483696"/>
-              <ac:spMk id="12" creationId="{70FAEB2A-8A57-4ED1-8C4E-B258A5C2774E}"/>
-            </ac:spMkLst>
-          </pc:spChg>
-          <pc:spChg chg="add del">
-            <ac:chgData name="Frederick, Samuel" userId="090dec4f-7d84-4616-bef6-b2226d1b24c4" providerId="ADAL" clId="{89F68C54-55B7-49AF-A76F-B6940287DEDA}" dt="2020-12-29T14:16:10.918" v="576" actId="478"/>
-            <ac:spMkLst>
-              <pc:docMk/>
-              <pc:sldMasterMk cId="1191321755" sldId="2147483684"/>
-              <pc:sldLayoutMk cId="1708679687" sldId="2147483696"/>
-              <ac:spMk id="14" creationId="{5D5DDC4D-4CBA-451C-A0BC-92C56BD38768}"/>
-            </ac:spMkLst>
-          </pc:spChg>
-          <pc:spChg chg="add del">
-            <ac:chgData name="Frederick, Samuel" userId="090dec4f-7d84-4616-bef6-b2226d1b24c4" providerId="ADAL" clId="{89F68C54-55B7-49AF-A76F-B6940287DEDA}" dt="2020-12-29T14:16:06.322" v="575" actId="478"/>
-            <ac:spMkLst>
-              <pc:docMk/>
-              <pc:sldMasterMk cId="1191321755" sldId="2147483684"/>
-              <pc:sldLayoutMk cId="1708679687" sldId="2147483696"/>
-              <ac:spMk id="16" creationId="{ED02720D-A4EF-4826-8C09-11C551940217}"/>
-            </ac:spMkLst>
-          </pc:spChg>
-          <pc:spChg chg="add del">
-            <ac:chgData name="Frederick, Samuel" userId="090dec4f-7d84-4616-bef6-b2226d1b24c4" providerId="ADAL" clId="{89F68C54-55B7-49AF-A76F-B6940287DEDA}" dt="2020-12-29T14:16:06.322" v="575" actId="478"/>
-            <ac:spMkLst>
-              <pc:docMk/>
-              <pc:sldMasterMk cId="1191321755" sldId="2147483684"/>
-              <pc:sldLayoutMk cId="1708679687" sldId="2147483696"/>
-              <ac:spMk id="17" creationId="{F6DB5520-6A85-475E-B69E-926FC6071A05}"/>
-            </ac:spMkLst>
-          </pc:spChg>
-          <pc:spChg chg="add">
-            <ac:chgData name="Frederick, Samuel" userId="090dec4f-7d84-4616-bef6-b2226d1b24c4" providerId="ADAL" clId="{89F68C54-55B7-49AF-A76F-B6940287DEDA}" dt="2020-12-29T14:13:42.235" v="567"/>
-            <ac:spMkLst>
-              <pc:docMk/>
-              <pc:sldMasterMk cId="1191321755" sldId="2147483684"/>
-              <pc:sldLayoutMk cId="1708679687" sldId="2147483696"/>
-              <ac:spMk id="18" creationId="{D8B39F57-BF5C-45BE-82CA-DEA8E86392DA}"/>
-            </ac:spMkLst>
-          </pc:spChg>
-          <pc:spChg chg="add del mod">
-            <ac:chgData name="Frederick, Samuel" userId="090dec4f-7d84-4616-bef6-b2226d1b24c4" providerId="ADAL" clId="{89F68C54-55B7-49AF-A76F-B6940287DEDA}" dt="2020-12-29T14:16:03.529" v="574" actId="478"/>
-            <ac:spMkLst>
-              <pc:docMk/>
-              <pc:sldMasterMk cId="1191321755" sldId="2147483684"/>
-              <pc:sldLayoutMk cId="1708679687" sldId="2147483696"/>
-              <ac:spMk id="19" creationId="{C69CC3FC-1115-4261-866D-92BB115C32AE}"/>
-            </ac:spMkLst>
-          </pc:spChg>
-          <pc:spChg chg="add del mod">
-            <ac:chgData name="Frederick, Samuel" userId="090dec4f-7d84-4616-bef6-b2226d1b24c4" providerId="ADAL" clId="{89F68C54-55B7-49AF-A76F-B6940287DEDA}" dt="2020-12-29T14:16:03.529" v="574" actId="478"/>
-            <ac:spMkLst>
-              <pc:docMk/>
-              <pc:sldMasterMk cId="1191321755" sldId="2147483684"/>
-              <pc:sldLayoutMk cId="1708679687" sldId="2147483696"/>
-              <ac:spMk id="20" creationId="{AB66D047-70DE-4682-98B3-52223EB47C07}"/>
-            </ac:spMkLst>
-          </pc:spChg>
-          <pc:spChg chg="add del mod">
-            <ac:chgData name="Frederick, Samuel" userId="090dec4f-7d84-4616-bef6-b2226d1b24c4" providerId="ADAL" clId="{89F68C54-55B7-49AF-A76F-B6940287DEDA}" dt="2020-12-29T14:16:03.529" v="574" actId="478"/>
-            <ac:spMkLst>
-              <pc:docMk/>
-              <pc:sldMasterMk cId="1191321755" sldId="2147483684"/>
-              <pc:sldLayoutMk cId="1708679687" sldId="2147483696"/>
-              <ac:spMk id="22" creationId="{4A06693C-C97A-4738-96FD-4F6113231B16}"/>
-            </ac:spMkLst>
-          </pc:spChg>
-          <pc:spChg chg="add del mod">
-            <ac:chgData name="Frederick, Samuel" userId="090dec4f-7d84-4616-bef6-b2226d1b24c4" providerId="ADAL" clId="{89F68C54-55B7-49AF-A76F-B6940287DEDA}" dt="2020-12-29T14:16:03.529" v="574" actId="478"/>
-            <ac:spMkLst>
-              <pc:docMk/>
-              <pc:sldMasterMk cId="1191321755" sldId="2147483684"/>
-              <pc:sldLayoutMk cId="1708679687" sldId="2147483696"/>
-              <ac:spMk id="23" creationId="{808E8B0A-7340-4EA3-8039-E6EC40440357}"/>
-            </ac:spMkLst>
-          </pc:spChg>
-          <pc:cxnChg chg="add del">
-            <ac:chgData name="Frederick, Samuel" userId="090dec4f-7d84-4616-bef6-b2226d1b24c4" providerId="ADAL" clId="{89F68C54-55B7-49AF-A76F-B6940287DEDA}" dt="2020-12-17T21:48:59.521" v="523" actId="478"/>
-            <ac:cxnSpMkLst>
-              <pc:docMk/>
-              <pc:sldMasterMk cId="1191321755" sldId="2147483684"/>
-              <pc:sldLayoutMk cId="1708679687" sldId="2147483696"/>
-              <ac:cxnSpMk id="6" creationId="{388D7A3F-F111-4B2B-9924-2622CCD2CDDB}"/>
-            </ac:cxnSpMkLst>
-          </pc:cxnChg>
-          <pc:cxnChg chg="add">
-            <ac:chgData name="Frederick, Samuel" userId="090dec4f-7d84-4616-bef6-b2226d1b24c4" providerId="ADAL" clId="{89F68C54-55B7-49AF-A76F-B6940287DEDA}" dt="2020-12-17T21:49:02.567" v="525"/>
-            <ac:cxnSpMkLst>
-              <pc:docMk/>
-              <pc:sldMasterMk cId="1191321755" sldId="2147483684"/>
-              <pc:sldLayoutMk cId="1708679687" sldId="2147483696"/>
-              <ac:cxnSpMk id="9" creationId="{EB13932D-018C-4511-99BC-D90CAF43C133}"/>
-            </ac:cxnSpMkLst>
-          </pc:cxnChg>
-          <pc:cxnChg chg="add del">
-            <ac:chgData name="Frederick, Samuel" userId="090dec4f-7d84-4616-bef6-b2226d1b24c4" providerId="ADAL" clId="{89F68C54-55B7-49AF-A76F-B6940287DEDA}" dt="2020-12-29T14:16:03.529" v="574" actId="478"/>
-            <ac:cxnSpMkLst>
-              <pc:docMk/>
-              <pc:sldMasterMk cId="1191321755" sldId="2147483684"/>
-              <pc:sldLayoutMk cId="1708679687" sldId="2147483696"/>
-              <ac:cxnSpMk id="13" creationId="{D431D6A5-FF86-4279-82AE-063629250CF9}"/>
-            </ac:cxnSpMkLst>
-          </pc:cxnChg>
-          <pc:cxnChg chg="add del">
-            <ac:chgData name="Frederick, Samuel" userId="090dec4f-7d84-4616-bef6-b2226d1b24c4" providerId="ADAL" clId="{89F68C54-55B7-49AF-A76F-B6940287DEDA}" dt="2020-12-29T14:16:10.918" v="576" actId="478"/>
-            <ac:cxnSpMkLst>
-              <pc:docMk/>
-              <pc:sldMasterMk cId="1191321755" sldId="2147483684"/>
-              <pc:sldLayoutMk cId="1708679687" sldId="2147483696"/>
-              <ac:cxnSpMk id="15" creationId="{C35EE81A-05C5-41AD-AFD7-351C8BBDD174}"/>
-            </ac:cxnSpMkLst>
-          </pc:cxnChg>
-          <pc:cxnChg chg="add del mod">
-            <ac:chgData name="Frederick, Samuel" userId="090dec4f-7d84-4616-bef6-b2226d1b24c4" providerId="ADAL" clId="{89F68C54-55B7-49AF-A76F-B6940287DEDA}" dt="2020-12-29T14:16:03.529" v="574" actId="478"/>
-            <ac:cxnSpMkLst>
-              <pc:docMk/>
-              <pc:sldMasterMk cId="1191321755" sldId="2147483684"/>
-              <pc:sldLayoutMk cId="1708679687" sldId="2147483696"/>
-              <ac:cxnSpMk id="21" creationId="{239ACA1B-35F5-4C26-BB72-1FF52CD0E96B}"/>
-            </ac:cxnSpMkLst>
-          </pc:cxnChg>
-        </pc:sldLayoutChg>
-        <pc:sldLayoutChg chg="addSp delSp del">
-          <pc:chgData name="Frederick, Samuel" userId="090dec4f-7d84-4616-bef6-b2226d1b24c4" providerId="ADAL" clId="{89F68C54-55B7-49AF-A76F-B6940287DEDA}" dt="2020-12-17T21:46:13.800" v="512" actId="2696"/>
-          <pc:sldLayoutMkLst>
-            <pc:docMk/>
-            <pc:sldMasterMk cId="1191321755" sldId="2147483684"/>
-            <pc:sldLayoutMk cId="1435110977" sldId="2147483697"/>
-          </pc:sldLayoutMkLst>
-          <pc:spChg chg="del">
-            <ac:chgData name="Frederick, Samuel" userId="090dec4f-7d84-4616-bef6-b2226d1b24c4" providerId="ADAL" clId="{89F68C54-55B7-49AF-A76F-B6940287DEDA}" dt="2020-12-17T21:42:35.789" v="501" actId="478"/>
-            <ac:spMkLst>
-              <pc:docMk/>
-              <pc:sldMasterMk cId="1191321755" sldId="2147483684"/>
-              <pc:sldLayoutMk cId="1435110977" sldId="2147483697"/>
-              <ac:spMk id="2" creationId="{3FFA4345-F9C5-4989-A4F1-E647438041CE}"/>
-            </ac:spMkLst>
-          </pc:spChg>
-          <pc:spChg chg="add">
-            <ac:chgData name="Frederick, Samuel" userId="090dec4f-7d84-4616-bef6-b2226d1b24c4" providerId="ADAL" clId="{89F68C54-55B7-49AF-A76F-B6940287DEDA}" dt="2020-12-17T21:42:37.856" v="502"/>
-            <ac:spMkLst>
-              <pc:docMk/>
-              <pc:sldMasterMk cId="1191321755" sldId="2147483684"/>
-              <pc:sldLayoutMk cId="1435110977" sldId="2147483697"/>
-              <ac:spMk id="3" creationId="{AAEAAA6C-628B-4EE0-AC4F-9E987980AFEF}"/>
-            </ac:spMkLst>
-          </pc:spChg>
-          <pc:spChg chg="add">
-            <ac:chgData name="Frederick, Samuel" userId="090dec4f-7d84-4616-bef6-b2226d1b24c4" providerId="ADAL" clId="{89F68C54-55B7-49AF-A76F-B6940287DEDA}" dt="2020-12-17T21:42:37.856" v="502"/>
-            <ac:spMkLst>
-              <pc:docMk/>
-              <pc:sldMasterMk cId="1191321755" sldId="2147483684"/>
-              <pc:sldLayoutMk cId="1435110977" sldId="2147483697"/>
-              <ac:spMk id="4" creationId="{C7706A2D-B8F5-4B61-9FE3-F9059793B1E5}"/>
-            </ac:spMkLst>
-          </pc:spChg>
-          <pc:spChg chg="add">
-            <ac:chgData name="Frederick, Samuel" userId="090dec4f-7d84-4616-bef6-b2226d1b24c4" providerId="ADAL" clId="{89F68C54-55B7-49AF-A76F-B6940287DEDA}" dt="2020-12-17T21:42:37.856" v="502"/>
-            <ac:spMkLst>
-              <pc:docMk/>
-              <pc:sldMasterMk cId="1191321755" sldId="2147483684"/>
-              <pc:sldLayoutMk cId="1435110977" sldId="2147483697"/>
-              <ac:spMk id="5" creationId="{F36784FD-A49D-4CCE-BFF2-0BB61E4735B7}"/>
-            </ac:spMkLst>
-          </pc:spChg>
-          <pc:spChg chg="add">
-            <ac:chgData name="Frederick, Samuel" userId="090dec4f-7d84-4616-bef6-b2226d1b24c4" providerId="ADAL" clId="{89F68C54-55B7-49AF-A76F-B6940287DEDA}" dt="2020-12-17T21:42:37.856" v="502"/>
-            <ac:spMkLst>
-              <pc:docMk/>
-              <pc:sldMasterMk cId="1191321755" sldId="2147483684"/>
-              <pc:sldLayoutMk cId="1435110977" sldId="2147483697"/>
-              <ac:spMk id="7" creationId="{B0389FB0-01B5-4BAC-98CD-C3C06526E504}"/>
-            </ac:spMkLst>
-          </pc:spChg>
-          <pc:spChg chg="add">
-            <ac:chgData name="Frederick, Samuel" userId="090dec4f-7d84-4616-bef6-b2226d1b24c4" providerId="ADAL" clId="{89F68C54-55B7-49AF-A76F-B6940287DEDA}" dt="2020-12-17T21:42:37.856" v="502"/>
-            <ac:spMkLst>
-              <pc:docMk/>
-              <pc:sldMasterMk cId="1191321755" sldId="2147483684"/>
-              <pc:sldLayoutMk cId="1435110977" sldId="2147483697"/>
-              <ac:spMk id="10" creationId="{AAEBA064-C1B6-4179-8B01-910B54ECEEBC}"/>
-            </ac:spMkLst>
-          </pc:spChg>
-          <pc:spChg chg="add">
-            <ac:chgData name="Frederick, Samuel" userId="090dec4f-7d84-4616-bef6-b2226d1b24c4" providerId="ADAL" clId="{89F68C54-55B7-49AF-A76F-B6940287DEDA}" dt="2020-12-17T21:42:37.856" v="502"/>
-            <ac:spMkLst>
-              <pc:docMk/>
-              <pc:sldMasterMk cId="1191321755" sldId="2147483684"/>
-              <pc:sldLayoutMk cId="1435110977" sldId="2147483697"/>
-              <ac:spMk id="11" creationId="{453A409E-2530-4437-9126-A5E22B554338}"/>
-            </ac:spMkLst>
-          </pc:spChg>
-          <pc:spChg chg="add">
-            <ac:chgData name="Frederick, Samuel" userId="090dec4f-7d84-4616-bef6-b2226d1b24c4" providerId="ADAL" clId="{89F68C54-55B7-49AF-A76F-B6940287DEDA}" dt="2020-12-17T21:42:37.856" v="502"/>
-            <ac:spMkLst>
-              <pc:docMk/>
-              <pc:sldMasterMk cId="1191321755" sldId="2147483684"/>
-              <pc:sldLayoutMk cId="1435110977" sldId="2147483697"/>
-              <ac:spMk id="12" creationId="{05750AF7-1C4F-4C7A-8B4E-1336885CAC85}"/>
-            </ac:spMkLst>
-          </pc:spChg>
-          <pc:spChg chg="add">
-            <ac:chgData name="Frederick, Samuel" userId="090dec4f-7d84-4616-bef6-b2226d1b24c4" providerId="ADAL" clId="{89F68C54-55B7-49AF-A76F-B6940287DEDA}" dt="2020-12-17T21:42:37.856" v="502"/>
-            <ac:spMkLst>
-              <pc:docMk/>
-              <pc:sldMasterMk cId="1191321755" sldId="2147483684"/>
-              <pc:sldLayoutMk cId="1435110977" sldId="2147483697"/>
-              <ac:spMk id="14" creationId="{68FA0543-B9DB-44EA-B8F5-6B952446ECB5}"/>
-            </ac:spMkLst>
-          </pc:spChg>
-          <pc:spChg chg="add">
-            <ac:chgData name="Frederick, Samuel" userId="090dec4f-7d84-4616-bef6-b2226d1b24c4" providerId="ADAL" clId="{89F68C54-55B7-49AF-A76F-B6940287DEDA}" dt="2020-12-17T21:42:37.856" v="502"/>
-            <ac:spMkLst>
-              <pc:docMk/>
-              <pc:sldMasterMk cId="1191321755" sldId="2147483684"/>
-              <pc:sldLayoutMk cId="1435110977" sldId="2147483697"/>
-              <ac:spMk id="15" creationId="{043E17D2-37E5-46C2-ABFC-BF870DCE0447}"/>
-            </ac:spMkLst>
-          </pc:spChg>
-          <pc:spChg chg="add">
-            <ac:chgData name="Frederick, Samuel" userId="090dec4f-7d84-4616-bef6-b2226d1b24c4" providerId="ADAL" clId="{89F68C54-55B7-49AF-A76F-B6940287DEDA}" dt="2020-12-17T21:42:52.716" v="503"/>
-            <ac:spMkLst>
-              <pc:docMk/>
-              <pc:sldMasterMk cId="1191321755" sldId="2147483684"/>
-              <pc:sldLayoutMk cId="1435110977" sldId="2147483697"/>
-              <ac:spMk id="16" creationId="{10F99DA6-F0C3-4729-AE9F-67085D5EB4E0}"/>
-            </ac:spMkLst>
-          </pc:spChg>
-          <pc:spChg chg="add">
-            <ac:chgData name="Frederick, Samuel" userId="090dec4f-7d84-4616-bef6-b2226d1b24c4" providerId="ADAL" clId="{89F68C54-55B7-49AF-A76F-B6940287DEDA}" dt="2020-12-17T21:42:58.384" v="504"/>
-            <ac:spMkLst>
-              <pc:docMk/>
-              <pc:sldMasterMk cId="1191321755" sldId="2147483684"/>
-              <pc:sldLayoutMk cId="1435110977" sldId="2147483697"/>
-              <ac:spMk id="17" creationId="{63D76749-9D46-4258-BE33-068A7E54BECE}"/>
-            </ac:spMkLst>
-          </pc:spChg>
-          <pc:picChg chg="add">
-            <ac:chgData name="Frederick, Samuel" userId="090dec4f-7d84-4616-bef6-b2226d1b24c4" providerId="ADAL" clId="{89F68C54-55B7-49AF-A76F-B6940287DEDA}" dt="2020-12-17T21:42:37.856" v="502"/>
-            <ac:picMkLst>
-              <pc:docMk/>
-              <pc:sldMasterMk cId="1191321755" sldId="2147483684"/>
-              <pc:sldLayoutMk cId="1435110977" sldId="2147483697"/>
-              <ac:picMk id="9" creationId="{163ECF07-A9F4-49CD-B988-F2A25E85E2ED}"/>
-            </ac:picMkLst>
-          </pc:picChg>
-          <pc:cxnChg chg="add">
-            <ac:chgData name="Frederick, Samuel" userId="090dec4f-7d84-4616-bef6-b2226d1b24c4" providerId="ADAL" clId="{89F68C54-55B7-49AF-A76F-B6940287DEDA}" dt="2020-12-17T21:42:37.856" v="502"/>
-            <ac:cxnSpMkLst>
-              <pc:docMk/>
-              <pc:sldMasterMk cId="1191321755" sldId="2147483684"/>
-              <pc:sldLayoutMk cId="1435110977" sldId="2147483697"/>
-              <ac:cxnSpMk id="6" creationId="{7BEDFE47-9A50-4043-8F88-34806BAA7EE5}"/>
-            </ac:cxnSpMkLst>
-          </pc:cxnChg>
-          <pc:cxnChg chg="add">
-            <ac:chgData name="Frederick, Samuel" userId="090dec4f-7d84-4616-bef6-b2226d1b24c4" providerId="ADAL" clId="{89F68C54-55B7-49AF-A76F-B6940287DEDA}" dt="2020-12-17T21:42:37.856" v="502"/>
-            <ac:cxnSpMkLst>
-              <pc:docMk/>
-              <pc:sldMasterMk cId="1191321755" sldId="2147483684"/>
-              <pc:sldLayoutMk cId="1435110977" sldId="2147483697"/>
-              <ac:cxnSpMk id="8" creationId="{48EB7A5C-CE38-4F2B-A593-3E5FFE565764}"/>
-            </ac:cxnSpMkLst>
-          </pc:cxnChg>
-          <pc:cxnChg chg="add">
-            <ac:chgData name="Frederick, Samuel" userId="090dec4f-7d84-4616-bef6-b2226d1b24c4" providerId="ADAL" clId="{89F68C54-55B7-49AF-A76F-B6940287DEDA}" dt="2020-12-17T21:42:37.856" v="502"/>
-            <ac:cxnSpMkLst>
-              <pc:docMk/>
-              <pc:sldMasterMk cId="1191321755" sldId="2147483684"/>
-              <pc:sldLayoutMk cId="1435110977" sldId="2147483697"/>
-              <ac:cxnSpMk id="13" creationId="{6C159B0E-09D2-4933-92B8-AC508BCB016A}"/>
-            </ac:cxnSpMkLst>
-          </pc:cxnChg>
-        </pc:sldLayoutChg>
-      </pc:sldMasterChg>
-    </pc:docChg>
-  </pc:docChgLst>
-  <pc:docChgLst>
-    <pc:chgData name="Kumar, Menaka" userId="8972b6a7-3ec9-4ac8-b4ad-4e01d2fc2916" providerId="ADAL" clId="{EAF5AB98-A733-43E2-95E7-817BD815CC23}"/>
-    <pc:docChg chg="modSld">
-      <pc:chgData name="Kumar, Menaka" userId="8972b6a7-3ec9-4ac8-b4ad-4e01d2fc2916" providerId="ADAL" clId="{EAF5AB98-A733-43E2-95E7-817BD815CC23}" dt="2023-02-08T19:43:21.921" v="38" actId="20577"/>
-      <pc:docMkLst>
-        <pc:docMk/>
-      </pc:docMkLst>
-      <pc:sldChg chg="modSp mod">
-        <pc:chgData name="Kumar, Menaka" userId="8972b6a7-3ec9-4ac8-b4ad-4e01d2fc2916" providerId="ADAL" clId="{EAF5AB98-A733-43E2-95E7-817BD815CC23}" dt="2023-02-08T19:43:21.921" v="38" actId="20577"/>
-        <pc:sldMkLst>
-          <pc:docMk/>
-          <pc:sldMk cId="1609848839" sldId="256"/>
-        </pc:sldMkLst>
-        <pc:graphicFrameChg chg="modGraphic">
-          <ac:chgData name="Kumar, Menaka" userId="8972b6a7-3ec9-4ac8-b4ad-4e01d2fc2916" providerId="ADAL" clId="{EAF5AB98-A733-43E2-95E7-817BD815CC23}" dt="2023-02-08T19:43:21.921" v="38" actId="20577"/>
-          <ac:graphicFrameMkLst>
-            <pc:docMk/>
-            <pc:sldMk cId="1609848839" sldId="256"/>
-            <ac:graphicFrameMk id="18" creationId="{47941790-F508-45B8-841D-BA5D6A7CA69F}"/>
-          </ac:graphicFrameMkLst>
-        </pc:graphicFrameChg>
-      </pc:sldChg>
-    </pc:docChg>
-  </pc:docChgLst>
-  <pc:docChgLst>
-    <pc:chgData name="Kumar, Menaka" userId="8972b6a7-3ec9-4ac8-b4ad-4e01d2fc2916" providerId="ADAL" clId="{3A59A504-4BBF-4CE1-B725-22C02D41D3A9}"/>
-    <pc:docChg chg="modSld">
-      <pc:chgData name="Kumar, Menaka" userId="8972b6a7-3ec9-4ac8-b4ad-4e01d2fc2916" providerId="ADAL" clId="{3A59A504-4BBF-4CE1-B725-22C02D41D3A9}" dt="2024-05-30T18:54:23.963" v="5" actId="20577"/>
-      <pc:docMkLst>
-        <pc:docMk/>
-      </pc:docMkLst>
-      <pc:sldChg chg="modSp mod">
-        <pc:chgData name="Kumar, Menaka" userId="8972b6a7-3ec9-4ac8-b4ad-4e01d2fc2916" providerId="ADAL" clId="{3A59A504-4BBF-4CE1-B725-22C02D41D3A9}" dt="2024-05-30T18:54:23.963" v="5" actId="20577"/>
-        <pc:sldMkLst>
-          <pc:docMk/>
-          <pc:sldMk cId="1609848839" sldId="256"/>
-        </pc:sldMkLst>
-        <pc:graphicFrameChg chg="mod">
-          <ac:chgData name="Kumar, Menaka" userId="8972b6a7-3ec9-4ac8-b4ad-4e01d2fc2916" providerId="ADAL" clId="{3A59A504-4BBF-4CE1-B725-22C02D41D3A9}" dt="2024-05-30T18:54:13.006" v="1"/>
-          <ac:graphicFrameMkLst>
-            <pc:docMk/>
-            <pc:sldMk cId="1609848839" sldId="256"/>
-            <ac:graphicFrameMk id="32" creationId="{0D1D374C-B4C8-4DAE-87EF-F02EFE4AFFB7}"/>
-          </ac:graphicFrameMkLst>
-        </pc:graphicFrameChg>
-        <pc:graphicFrameChg chg="modGraphic">
-          <ac:chgData name="Kumar, Menaka" userId="8972b6a7-3ec9-4ac8-b4ad-4e01d2fc2916" providerId="ADAL" clId="{3A59A504-4BBF-4CE1-B725-22C02D41D3A9}" dt="2024-05-30T18:54:23.963" v="5" actId="20577"/>
-          <ac:graphicFrameMkLst>
-            <pc:docMk/>
-            <pc:sldMk cId="1609848839" sldId="256"/>
-            <ac:graphicFrameMk id="75" creationId="{6EB4E630-8A33-412B-A3BF-8934090A792B}"/>
-          </ac:graphicFrameMkLst>
-        </pc:graphicFrameChg>
-      </pc:sldChg>
-    </pc:docChg>
-  </pc:docChgLst>
-</pc:chgInfo>
-</file>
-
 <file path=ppt/handoutMasters/handoutMaster1.xml><?xml version="1.0" encoding="utf-8"?>
 <p:handoutMaster xmlns:a="http://schemas.openxmlformats.org/drawingml/2006/main" xmlns:r="http://schemas.openxmlformats.org/officeDocument/2006/relationships" xmlns:p="http://schemas.openxmlformats.org/presentationml/2006/main">
   <p:cSld>
@@ -3008,7 +239,7 @@
           <a:p>
             <a:fld id="{3086CAC7-D409-43E0-9239-3260F031D6D3}" type="datetimeFigureOut">
               <a:rPr lang="en-US" smtClean="0"/>
-              <a:t>5/30/2024</a:t>
+              <a:t>9/19/2024</a:t>
             </a:fld>
             <a:endParaRPr lang="en-US"/>
           </a:p>
@@ -3185,7 +416,7 @@
           <a:p>
             <a:fld id="{3CA1DE52-DF04-4D3A-9C2F-16E440759AD9}" type="datetimeFigureOut">
               <a:rPr lang="en-US" smtClean="0"/>
-              <a:t>5/30/2024</a:t>
+              <a:t>9/19/2024</a:t>
             </a:fld>
             <a:endParaRPr lang="en-US"/>
           </a:p>
@@ -8118,415 +5349,6 @@
           </a:graphicData>
         </a:graphic>
       </p:graphicFrame>
-      <p:graphicFrame>
-        <p:nvGraphicFramePr>
-          <p:cNvPr id="75" name="Table 18">
-            <a:extLst>
-              <a:ext uri="{FF2B5EF4-FFF2-40B4-BE49-F238E27FC236}">
-                <a16:creationId xmlns:a16="http://schemas.microsoft.com/office/drawing/2014/main" id="{6EB4E630-8A33-412B-A3BF-8934090A792B}"/>
-              </a:ext>
-            </a:extLst>
-          </p:cNvPr>
-          <p:cNvGraphicFramePr>
-            <a:graphicFrameLocks noGrp="1"/>
-          </p:cNvGraphicFramePr>
-          <p:nvPr>
-            <p:extLst>
-              <p:ext uri="{D42A27DB-BD31-4B8C-83A1-F6EECF244321}">
-                <p14:modId xmlns:p14="http://schemas.microsoft.com/office/powerpoint/2010/main" val="3374240126"/>
-              </p:ext>
-            </p:extLst>
-          </p:nvPr>
-        </p:nvGraphicFramePr>
-        <p:xfrm>
-          <a:off x="10235931" y="10367963"/>
-          <a:ext cx="4696426" cy="947308"/>
-        </p:xfrm>
-        <a:graphic>
-          <a:graphicData uri="http://schemas.openxmlformats.org/drawingml/2006/table">
-            <a:tbl>
-              <a:tblPr firstRow="1" bandRow="1">
-                <a:tableStyleId>{69CF1AB2-1976-4502-BF36-3FF5EA218861}</a:tableStyleId>
-              </a:tblPr>
-              <a:tblGrid>
-                <a:gridCol w="3124469">
-                  <a:extLst>
-                    <a:ext uri="{9D8B030D-6E8A-4147-A177-3AD203B41FA5}">
-                      <a16:colId xmlns:a16="http://schemas.microsoft.com/office/drawing/2014/main" val="3814208030"/>
-                    </a:ext>
-                  </a:extLst>
-                </a:gridCol>
-                <a:gridCol w="1571957">
-                  <a:extLst>
-                    <a:ext uri="{9D8B030D-6E8A-4147-A177-3AD203B41FA5}">
-                      <a16:colId xmlns:a16="http://schemas.microsoft.com/office/drawing/2014/main" val="1546040442"/>
-                    </a:ext>
-                  </a:extLst>
-                </a:gridCol>
-              </a:tblGrid>
-              <a:tr h="473654">
-                <a:tc>
-                  <a:txBody>
-                    <a:bodyPr/>
-                    <a:lstStyle/>
-                    <a:p>
-                      <a:pPr algn="ctr"/>
-                      <a:r>
-                        <a:rPr lang="en-US" sz="1100" b="0" dirty="0">
-                          <a:solidFill>
-                            <a:sysClr val="windowText" lastClr="000000"/>
-                          </a:solidFill>
-                        </a:rPr>
-                        <a:t>Range of FRM/FEM concentrations over duration of base test (</a:t>
-                      </a:r>
-                      <a:r>
-                        <a:rPr lang="el-GR" sz="1100" b="0" dirty="0">
-                          <a:solidFill>
-                            <a:sysClr val="windowText" lastClr="000000"/>
-                          </a:solidFill>
-                        </a:rPr>
-                        <a:t>μ</a:t>
-                      </a:r>
-                      <a:r>
-                        <a:rPr lang="en-US" sz="1100" b="0" dirty="0">
-                          <a:solidFill>
-                            <a:sysClr val="windowText" lastClr="000000"/>
-                          </a:solidFill>
-                        </a:rPr>
-                        <a:t>g/m</a:t>
-                      </a:r>
-                      <a:r>
-                        <a:rPr lang="en-US" sz="1100" b="0" baseline="30000" dirty="0">
-                          <a:solidFill>
-                            <a:sysClr val="windowText" lastClr="000000"/>
-                          </a:solidFill>
-                        </a:rPr>
-                        <a:t>3</a:t>
-                      </a:r>
-                      <a:r>
-                        <a:rPr lang="en-US" sz="1100" b="0" dirty="0">
-                          <a:solidFill>
-                            <a:sysClr val="windowText" lastClr="000000"/>
-                          </a:solidFill>
-                        </a:rPr>
-                        <a:t>)</a:t>
-                      </a:r>
-                    </a:p>
-                  </a:txBody>
-                  <a:tcPr marL="45720" marR="45720" anchor="ctr">
-                    <a:lnL w="12700" cap="flat" cmpd="sng" algn="ctr">
-                      <a:solidFill>
-                        <a:schemeClr val="bg1"/>
-                      </a:solidFill>
-                      <a:prstDash val="solid"/>
-                      <a:round/>
-                      <a:headEnd type="none" w="med" len="med"/>
-                      <a:tailEnd type="none" w="med" len="med"/>
-                    </a:lnL>
-                    <a:lnR w="12700" cap="flat" cmpd="sng" algn="ctr">
-                      <a:solidFill>
-                        <a:schemeClr val="bg1"/>
-                      </a:solidFill>
-                      <a:prstDash val="solid"/>
-                      <a:round/>
-                      <a:headEnd type="none" w="med" len="med"/>
-                      <a:tailEnd type="none" w="med" len="med"/>
-                    </a:lnR>
-                    <a:lnT w="12700" cap="flat" cmpd="sng" algn="ctr">
-                      <a:solidFill>
-                        <a:schemeClr val="bg1"/>
-                      </a:solidFill>
-                      <a:prstDash val="solid"/>
-                      <a:round/>
-                      <a:headEnd type="none" w="med" len="med"/>
-                      <a:tailEnd type="none" w="med" len="med"/>
-                    </a:lnT>
-                    <a:lnB w="12700" cap="flat" cmpd="sng" algn="ctr">
-                      <a:solidFill>
-                        <a:schemeClr val="bg1"/>
-                      </a:solidFill>
-                      <a:prstDash val="solid"/>
-                      <a:round/>
-                      <a:headEnd type="none" w="med" len="med"/>
-                      <a:tailEnd type="none" w="med" len="med"/>
-                    </a:lnB>
-                    <a:lnTlToBr w="12700" cmpd="sng">
-                      <a:noFill/>
-                      <a:prstDash val="solid"/>
-                    </a:lnTlToBr>
-                    <a:lnBlToTr w="12700" cmpd="sng">
-                      <a:noFill/>
-                      <a:prstDash val="solid"/>
-                    </a:lnBlToTr>
-                    <a:solidFill>
-                      <a:srgbClr val="BFD0EB"/>
-                    </a:solidFill>
-                  </a:tcPr>
-                </a:tc>
-                <a:tc>
-                  <a:txBody>
-                    <a:bodyPr/>
-                    <a:lstStyle/>
-                    <a:p>
-                      <a:pPr algn="ctr"/>
-                      <a:endParaRPr lang="en-US" sz="1400" dirty="0">
-                        <a:solidFill>
-                          <a:sysClr val="windowText" lastClr="000000"/>
-                        </a:solidFill>
-                        <a:latin typeface="+mn-lt"/>
-                      </a:endParaRPr>
-                    </a:p>
-                  </a:txBody>
-                  <a:tcPr marL="45720" marR="45720" anchor="ctr">
-                    <a:lnL w="12700" cap="flat" cmpd="sng" algn="ctr">
-                      <a:solidFill>
-                        <a:schemeClr val="bg1"/>
-                      </a:solidFill>
-                      <a:prstDash val="solid"/>
-                      <a:round/>
-                      <a:headEnd type="none" w="med" len="med"/>
-                      <a:tailEnd type="none" w="med" len="med"/>
-                    </a:lnL>
-                    <a:lnR w="12700" cap="flat" cmpd="sng" algn="ctr">
-                      <a:solidFill>
-                        <a:schemeClr val="bg1"/>
-                      </a:solidFill>
-                      <a:prstDash val="solid"/>
-                      <a:round/>
-                      <a:headEnd type="none" w="med" len="med"/>
-                      <a:tailEnd type="none" w="med" len="med"/>
-                    </a:lnR>
-                    <a:lnT w="12700" cap="flat" cmpd="sng" algn="ctr">
-                      <a:solidFill>
-                        <a:schemeClr val="bg1"/>
-                      </a:solidFill>
-                      <a:prstDash val="solid"/>
-                      <a:round/>
-                      <a:headEnd type="none" w="med" len="med"/>
-                      <a:tailEnd type="none" w="med" len="med"/>
-                    </a:lnT>
-                    <a:lnB w="12700" cap="flat" cmpd="sng" algn="ctr">
-                      <a:solidFill>
-                        <a:schemeClr val="bg1"/>
-                      </a:solidFill>
-                      <a:prstDash val="solid"/>
-                      <a:round/>
-                      <a:headEnd type="none" w="med" len="med"/>
-                      <a:tailEnd type="none" w="med" len="med"/>
-                    </a:lnB>
-                    <a:lnTlToBr w="12700" cmpd="sng">
-                      <a:noFill/>
-                      <a:prstDash val="solid"/>
-                    </a:lnTlToBr>
-                    <a:lnBlToTr w="12700" cmpd="sng">
-                      <a:noFill/>
-                      <a:prstDash val="solid"/>
-                    </a:lnBlToTr>
-                    <a:solidFill>
-                      <a:srgbClr val="E8EEF8"/>
-                    </a:solidFill>
-                  </a:tcPr>
-                </a:tc>
-                <a:extLst>
-                  <a:ext uri="{0D108BD9-81ED-4DB2-BD59-A6C34878D82A}">
-                    <a16:rowId xmlns:a16="http://schemas.microsoft.com/office/drawing/2014/main" val="1499110780"/>
-                  </a:ext>
-                </a:extLst>
-              </a:tr>
-              <a:tr h="473654">
-                <a:tc>
-                  <a:txBody>
-                    <a:bodyPr/>
-                    <a:lstStyle/>
-                    <a:p>
-                      <a:pPr marL="0" marR="0" lvl="0" indent="0" algn="ctr" defTabSz="1554480" rtl="0" eaLnBrk="1" fontAlgn="auto" latinLnBrk="0" hangingPunct="1">
-                        <a:lnSpc>
-                          <a:spcPct val="100000"/>
-                        </a:lnSpc>
-                        <a:spcBef>
-                          <a:spcPts val="0"/>
-                        </a:spcBef>
-                        <a:spcAft>
-                          <a:spcPts val="0"/>
-                        </a:spcAft>
-                        <a:buClrTx/>
-                        <a:buSzTx/>
-                        <a:buFontTx/>
-                        <a:buNone/>
-                        <a:tabLst/>
-                        <a:defRPr/>
-                      </a:pPr>
-                      <a:r>
-                        <a:rPr lang="en-US" sz="1100" b="0" dirty="0">
-                          <a:solidFill>
-                            <a:sysClr val="windowText" lastClr="000000"/>
-                          </a:solidFill>
-                        </a:rPr>
-                        <a:t>Number of 24-hr periods in FRM/FEM monitor measurements with a goal concentration </a:t>
-                      </a:r>
-                      <a:r>
-                        <a:rPr lang="en-US" sz="1100" b="0">
-                          <a:solidFill>
-                            <a:sysClr val="windowText" lastClr="000000"/>
-                          </a:solidFill>
-                        </a:rPr>
-                        <a:t>≥ 40 </a:t>
-                      </a:r>
-                      <a:r>
-                        <a:rPr lang="el-GR" sz="1100" b="0" dirty="0">
-                          <a:solidFill>
-                            <a:sysClr val="windowText" lastClr="000000"/>
-                          </a:solidFill>
-                        </a:rPr>
-                        <a:t>μ</a:t>
-                      </a:r>
-                      <a:r>
-                        <a:rPr lang="en-US" sz="1100" b="0" dirty="0">
-                          <a:solidFill>
-                            <a:sysClr val="windowText" lastClr="000000"/>
-                          </a:solidFill>
-                        </a:rPr>
-                        <a:t>g/m</a:t>
-                      </a:r>
-                      <a:r>
-                        <a:rPr lang="en-US" sz="1100" b="0" baseline="30000" dirty="0">
-                          <a:solidFill>
-                            <a:sysClr val="windowText" lastClr="000000"/>
-                          </a:solidFill>
-                        </a:rPr>
-                        <a:t>3</a:t>
-                      </a:r>
-                      <a:endParaRPr lang="en-US" sz="1100" b="0" dirty="0">
-                        <a:solidFill>
-                          <a:sysClr val="windowText" lastClr="000000"/>
-                        </a:solidFill>
-                      </a:endParaRPr>
-                    </a:p>
-                  </a:txBody>
-                  <a:tcPr marL="45720" marR="45720" anchor="ctr">
-                    <a:lnL w="12700" cap="flat" cmpd="sng" algn="ctr">
-                      <a:solidFill>
-                        <a:schemeClr val="bg1"/>
-                      </a:solidFill>
-                      <a:prstDash val="solid"/>
-                      <a:round/>
-                      <a:headEnd type="none" w="med" len="med"/>
-                      <a:tailEnd type="none" w="med" len="med"/>
-                    </a:lnL>
-                    <a:lnR w="12700" cap="flat" cmpd="sng" algn="ctr">
-                      <a:solidFill>
-                        <a:schemeClr val="bg1"/>
-                      </a:solidFill>
-                      <a:prstDash val="solid"/>
-                      <a:round/>
-                      <a:headEnd type="none" w="med" len="med"/>
-                      <a:tailEnd type="none" w="med" len="med"/>
-                    </a:lnR>
-                    <a:lnT w="12700" cap="flat" cmpd="sng" algn="ctr">
-                      <a:solidFill>
-                        <a:schemeClr val="bg1"/>
-                      </a:solidFill>
-                      <a:prstDash val="solid"/>
-                      <a:round/>
-                      <a:headEnd type="none" w="med" len="med"/>
-                      <a:tailEnd type="none" w="med" len="med"/>
-                    </a:lnT>
-                    <a:lnB w="12700" cap="flat" cmpd="sng" algn="ctr">
-                      <a:solidFill>
-                        <a:schemeClr val="bg1"/>
-                      </a:solidFill>
-                      <a:prstDash val="solid"/>
-                      <a:round/>
-                      <a:headEnd type="none" w="med" len="med"/>
-                      <a:tailEnd type="none" w="med" len="med"/>
-                    </a:lnB>
-                    <a:lnTlToBr w="12700" cmpd="sng">
-                      <a:noFill/>
-                      <a:prstDash val="solid"/>
-                    </a:lnTlToBr>
-                    <a:lnBlToTr w="12700" cmpd="sng">
-                      <a:noFill/>
-                      <a:prstDash val="solid"/>
-                    </a:lnBlToTr>
-                    <a:solidFill>
-                      <a:srgbClr val="BFD0EB"/>
-                    </a:solidFill>
-                  </a:tcPr>
-                </a:tc>
-                <a:tc>
-                  <a:txBody>
-                    <a:bodyPr/>
-                    <a:lstStyle/>
-                    <a:p>
-                      <a:pPr algn="ctr"/>
-                      <a:endParaRPr lang="en-US" sz="1400" dirty="0">
-                        <a:solidFill>
-                          <a:sysClr val="windowText" lastClr="000000"/>
-                        </a:solidFill>
-                        <a:latin typeface="+mn-lt"/>
-                      </a:endParaRPr>
-                    </a:p>
-                  </a:txBody>
-                  <a:tcPr marL="45720" marR="45720" anchor="ctr">
-                    <a:lnL w="12700" cap="flat" cmpd="sng" algn="ctr">
-                      <a:solidFill>
-                        <a:schemeClr val="bg1"/>
-                      </a:solidFill>
-                      <a:prstDash val="solid"/>
-                      <a:round/>
-                      <a:headEnd type="none" w="med" len="med"/>
-                      <a:tailEnd type="none" w="med" len="med"/>
-                    </a:lnL>
-                    <a:lnR w="12700" cap="flat" cmpd="sng" algn="ctr">
-                      <a:solidFill>
-                        <a:schemeClr val="bg1"/>
-                      </a:solidFill>
-                      <a:prstDash val="solid"/>
-                      <a:round/>
-                      <a:headEnd type="none" w="med" len="med"/>
-                      <a:tailEnd type="none" w="med" len="med"/>
-                    </a:lnR>
-                    <a:lnT w="12700" cap="flat" cmpd="sng" algn="ctr">
-                      <a:solidFill>
-                        <a:schemeClr val="bg1"/>
-                      </a:solidFill>
-                      <a:prstDash val="solid"/>
-                      <a:round/>
-                      <a:headEnd type="none" w="med" len="med"/>
-                      <a:tailEnd type="none" w="med" len="med"/>
-                    </a:lnT>
-                    <a:lnB w="12700" cap="flat" cmpd="sng" algn="ctr">
-                      <a:solidFill>
-                        <a:schemeClr val="bg1"/>
-                      </a:solidFill>
-                      <a:prstDash val="solid"/>
-                      <a:round/>
-                      <a:headEnd type="none" w="med" len="med"/>
-                      <a:tailEnd type="none" w="med" len="med"/>
-                    </a:lnB>
-                    <a:lnTlToBr w="12700" cmpd="sng">
-                      <a:noFill/>
-                      <a:prstDash val="solid"/>
-                    </a:lnTlToBr>
-                    <a:lnBlToTr w="12700" cmpd="sng">
-                      <a:noFill/>
-                      <a:prstDash val="solid"/>
-                    </a:lnBlToTr>
-                    <a:solidFill>
-                      <a:srgbClr val="E8EEF8"/>
-                    </a:solidFill>
-                  </a:tcPr>
-                </a:tc>
-                <a:extLst>
-                  <a:ext uri="{0D108BD9-81ED-4DB2-BD59-A6C34878D82A}">
-                    <a16:rowId xmlns:a16="http://schemas.microsoft.com/office/drawing/2014/main" val="337105121"/>
-                  </a:ext>
-                </a:extLst>
-              </a:tr>
-            </a:tbl>
-          </a:graphicData>
-        </a:graphic>
-      </p:graphicFrame>
       <p:sp>
         <p:nvSpPr>
           <p:cNvPr id="2" name="Picture Placeholder 1">
@@ -8544,6 +5366,13 @@
           </p:nvPr>
         </p:nvSpPr>
         <p:spPr/>
+        <p:txBody>
+          <a:bodyPr/>
+          <a:lstStyle/>
+          <a:p>
+            <a:endParaRPr lang="en-US"/>
+          </a:p>
+        </p:txBody>
       </p:sp>
       <p:sp>
         <p:nvSpPr>
@@ -10531,6 +7360,608 @@
           </a:graphicData>
         </a:graphic>
       </p:graphicFrame>
+      <p:graphicFrame>
+        <p:nvGraphicFramePr>
+          <p:cNvPr id="3" name="Table 18">
+            <a:extLst>
+              <a:ext uri="{FF2B5EF4-FFF2-40B4-BE49-F238E27FC236}">
+                <a16:creationId xmlns:a16="http://schemas.microsoft.com/office/drawing/2014/main" id="{366229A9-5E15-E26F-0C4B-16E203E3342A}"/>
+              </a:ext>
+            </a:extLst>
+          </p:cNvPr>
+          <p:cNvGraphicFramePr>
+            <a:graphicFrameLocks noGrp="1"/>
+          </p:cNvGraphicFramePr>
+          <p:nvPr>
+            <p:extLst>
+              <p:ext uri="{D42A27DB-BD31-4B8C-83A1-F6EECF244321}">
+                <p14:modId xmlns:p14="http://schemas.microsoft.com/office/powerpoint/2010/main" val="3768257667"/>
+              </p:ext>
+            </p:extLst>
+          </p:nvPr>
+        </p:nvGraphicFramePr>
+        <p:xfrm>
+          <a:off x="10244868" y="9871828"/>
+          <a:ext cx="4696426" cy="1420962"/>
+        </p:xfrm>
+        <a:graphic>
+          <a:graphicData uri="http://schemas.openxmlformats.org/drawingml/2006/table">
+            <a:tbl>
+              <a:tblPr firstRow="1" bandRow="1">
+                <a:tableStyleId>{69CF1AB2-1976-4502-BF36-3FF5EA218861}</a:tableStyleId>
+              </a:tblPr>
+              <a:tblGrid>
+                <a:gridCol w="3088360">
+                  <a:extLst>
+                    <a:ext uri="{9D8B030D-6E8A-4147-A177-3AD203B41FA5}">
+                      <a16:colId xmlns:a16="http://schemas.microsoft.com/office/drawing/2014/main" val="3814208030"/>
+                    </a:ext>
+                  </a:extLst>
+                </a:gridCol>
+                <a:gridCol w="1608066">
+                  <a:extLst>
+                    <a:ext uri="{9D8B030D-6E8A-4147-A177-3AD203B41FA5}">
+                      <a16:colId xmlns:a16="http://schemas.microsoft.com/office/drawing/2014/main" val="1546040442"/>
+                    </a:ext>
+                  </a:extLst>
+                </a:gridCol>
+              </a:tblGrid>
+              <a:tr h="473654">
+                <a:tc>
+                  <a:txBody>
+                    <a:bodyPr/>
+                    <a:lstStyle/>
+                    <a:p>
+                      <a:pPr algn="ctr"/>
+                      <a:r>
+                        <a:rPr lang="en-US" sz="1100" b="0" dirty="0">
+                          <a:solidFill>
+                            <a:sysClr val="windowText" lastClr="000000"/>
+                          </a:solidFill>
+                        </a:rPr>
+                        <a:t>Range of FRM/FEM concentrations over duration of base test (</a:t>
+                      </a:r>
+                      <a:r>
+                        <a:rPr lang="el-GR" sz="1100" b="0" dirty="0">
+                          <a:solidFill>
+                            <a:sysClr val="windowText" lastClr="000000"/>
+                          </a:solidFill>
+                        </a:rPr>
+                        <a:t>μ</a:t>
+                      </a:r>
+                      <a:r>
+                        <a:rPr lang="en-US" sz="1100" b="0" dirty="0">
+                          <a:solidFill>
+                            <a:sysClr val="windowText" lastClr="000000"/>
+                          </a:solidFill>
+                        </a:rPr>
+                        <a:t>g/m</a:t>
+                      </a:r>
+                      <a:r>
+                        <a:rPr lang="en-US" sz="1100" b="0" baseline="30000" dirty="0">
+                          <a:solidFill>
+                            <a:sysClr val="windowText" lastClr="000000"/>
+                          </a:solidFill>
+                        </a:rPr>
+                        <a:t>3</a:t>
+                      </a:r>
+                      <a:r>
+                        <a:rPr lang="en-US" sz="1100" b="0" dirty="0">
+                          <a:solidFill>
+                            <a:sysClr val="windowText" lastClr="000000"/>
+                          </a:solidFill>
+                        </a:rPr>
+                        <a:t>)</a:t>
+                      </a:r>
+                    </a:p>
+                  </a:txBody>
+                  <a:tcPr marL="45720" marR="45720" anchor="ctr">
+                    <a:lnL w="12700" cap="flat" cmpd="sng" algn="ctr">
+                      <a:solidFill>
+                        <a:schemeClr val="bg1"/>
+                      </a:solidFill>
+                      <a:prstDash val="solid"/>
+                      <a:round/>
+                      <a:headEnd type="none" w="med" len="med"/>
+                      <a:tailEnd type="none" w="med" len="med"/>
+                    </a:lnL>
+                    <a:lnR w="12700" cap="flat" cmpd="sng" algn="ctr">
+                      <a:solidFill>
+                        <a:schemeClr val="bg1"/>
+                      </a:solidFill>
+                      <a:prstDash val="solid"/>
+                      <a:round/>
+                      <a:headEnd type="none" w="med" len="med"/>
+                      <a:tailEnd type="none" w="med" len="med"/>
+                    </a:lnR>
+                    <a:lnT w="12700" cap="flat" cmpd="sng" algn="ctr">
+                      <a:solidFill>
+                        <a:schemeClr val="bg1"/>
+                      </a:solidFill>
+                      <a:prstDash val="solid"/>
+                      <a:round/>
+                      <a:headEnd type="none" w="med" len="med"/>
+                      <a:tailEnd type="none" w="med" len="med"/>
+                    </a:lnT>
+                    <a:lnB w="12700" cap="flat" cmpd="sng" algn="ctr">
+                      <a:solidFill>
+                        <a:schemeClr val="bg1"/>
+                      </a:solidFill>
+                      <a:prstDash val="solid"/>
+                      <a:round/>
+                      <a:headEnd type="none" w="med" len="med"/>
+                      <a:tailEnd type="none" w="med" len="med"/>
+                    </a:lnB>
+                    <a:lnTlToBr w="12700" cmpd="sng">
+                      <a:noFill/>
+                      <a:prstDash val="solid"/>
+                    </a:lnTlToBr>
+                    <a:lnBlToTr w="12700" cmpd="sng">
+                      <a:noFill/>
+                      <a:prstDash val="solid"/>
+                    </a:lnBlToTr>
+                    <a:solidFill>
+                      <a:srgbClr val="BFD0EB"/>
+                    </a:solidFill>
+                  </a:tcPr>
+                </a:tc>
+                <a:tc>
+                  <a:txBody>
+                    <a:bodyPr/>
+                    <a:lstStyle/>
+                    <a:p>
+                      <a:pPr algn="ctr"/>
+                      <a:endParaRPr lang="en-US" sz="1400" dirty="0">
+                        <a:solidFill>
+                          <a:sysClr val="windowText" lastClr="000000"/>
+                        </a:solidFill>
+                        <a:latin typeface="+mn-lt"/>
+                      </a:endParaRPr>
+                    </a:p>
+                  </a:txBody>
+                  <a:tcPr marL="45720" marR="45720" anchor="ctr">
+                    <a:lnL w="12700" cap="flat" cmpd="sng" algn="ctr">
+                      <a:solidFill>
+                        <a:schemeClr val="bg1"/>
+                      </a:solidFill>
+                      <a:prstDash val="solid"/>
+                      <a:round/>
+                      <a:headEnd type="none" w="med" len="med"/>
+                      <a:tailEnd type="none" w="med" len="med"/>
+                    </a:lnL>
+                    <a:lnR w="12700" cap="flat" cmpd="sng" algn="ctr">
+                      <a:solidFill>
+                        <a:schemeClr val="bg1"/>
+                      </a:solidFill>
+                      <a:prstDash val="solid"/>
+                      <a:round/>
+                      <a:headEnd type="none" w="med" len="med"/>
+                      <a:tailEnd type="none" w="med" len="med"/>
+                    </a:lnR>
+                    <a:lnT w="12700" cap="flat" cmpd="sng" algn="ctr">
+                      <a:solidFill>
+                        <a:schemeClr val="bg1"/>
+                      </a:solidFill>
+                      <a:prstDash val="solid"/>
+                      <a:round/>
+                      <a:headEnd type="none" w="med" len="med"/>
+                      <a:tailEnd type="none" w="med" len="med"/>
+                    </a:lnT>
+                    <a:lnB w="12700" cap="flat" cmpd="sng" algn="ctr">
+                      <a:solidFill>
+                        <a:schemeClr val="bg1"/>
+                      </a:solidFill>
+                      <a:prstDash val="solid"/>
+                      <a:round/>
+                      <a:headEnd type="none" w="med" len="med"/>
+                      <a:tailEnd type="none" w="med" len="med"/>
+                    </a:lnB>
+                    <a:lnTlToBr w="12700" cmpd="sng">
+                      <a:noFill/>
+                      <a:prstDash val="solid"/>
+                    </a:lnTlToBr>
+                    <a:lnBlToTr w="12700" cmpd="sng">
+                      <a:noFill/>
+                      <a:prstDash val="solid"/>
+                    </a:lnBlToTr>
+                    <a:solidFill>
+                      <a:srgbClr val="E8EEF8"/>
+                    </a:solidFill>
+                  </a:tcPr>
+                </a:tc>
+                <a:extLst>
+                  <a:ext uri="{0D108BD9-81ED-4DB2-BD59-A6C34878D82A}">
+                    <a16:rowId xmlns:a16="http://schemas.microsoft.com/office/drawing/2014/main" val="1499110780"/>
+                  </a:ext>
+                </a:extLst>
+              </a:tr>
+              <a:tr h="473654">
+                <a:tc>
+                  <a:txBody>
+                    <a:bodyPr/>
+                    <a:lstStyle/>
+                    <a:p>
+                      <a:pPr marL="0" marR="0" lvl="0" indent="0" algn="ctr" defTabSz="1554480" rtl="0" eaLnBrk="1" fontAlgn="auto" latinLnBrk="0" hangingPunct="1">
+                        <a:lnSpc>
+                          <a:spcPct val="100000"/>
+                        </a:lnSpc>
+                        <a:spcBef>
+                          <a:spcPts val="0"/>
+                        </a:spcBef>
+                        <a:spcAft>
+                          <a:spcPts val="0"/>
+                        </a:spcAft>
+                        <a:buClrTx/>
+                        <a:buSzTx/>
+                        <a:buFontTx/>
+                        <a:buNone/>
+                        <a:tabLst/>
+                        <a:defRPr/>
+                      </a:pPr>
+                      <a:r>
+                        <a:rPr lang="en-US" sz="1100" b="0" dirty="0">
+                          <a:solidFill>
+                            <a:sysClr val="windowText" lastClr="000000"/>
+                          </a:solidFill>
+                        </a:rPr>
+                        <a:t>Number of 24-hr periods in FRM/FEM measurements with a goal concentration ≥ 40 </a:t>
+                      </a:r>
+                      <a:r>
+                        <a:rPr lang="el-GR" sz="1100" b="0" dirty="0">
+                          <a:solidFill>
+                            <a:sysClr val="windowText" lastClr="000000"/>
+                          </a:solidFill>
+                        </a:rPr>
+                        <a:t>μ</a:t>
+                      </a:r>
+                      <a:r>
+                        <a:rPr lang="en-US" sz="1100" b="0" dirty="0">
+                          <a:solidFill>
+                            <a:sysClr val="windowText" lastClr="000000"/>
+                          </a:solidFill>
+                        </a:rPr>
+                        <a:t>g/m</a:t>
+                      </a:r>
+                      <a:r>
+                        <a:rPr lang="en-US" sz="1100" b="0" baseline="30000" dirty="0">
+                          <a:solidFill>
+                            <a:sysClr val="windowText" lastClr="000000"/>
+                          </a:solidFill>
+                        </a:rPr>
+                        <a:t>3</a:t>
+                      </a:r>
+                      <a:endParaRPr lang="en-US" sz="1100" b="0" dirty="0">
+                        <a:solidFill>
+                          <a:sysClr val="windowText" lastClr="000000"/>
+                        </a:solidFill>
+                      </a:endParaRPr>
+                    </a:p>
+                  </a:txBody>
+                  <a:tcPr marL="45720" marR="45720" anchor="ctr">
+                    <a:lnL w="12700" cap="flat" cmpd="sng" algn="ctr">
+                      <a:solidFill>
+                        <a:schemeClr val="bg1"/>
+                      </a:solidFill>
+                      <a:prstDash val="solid"/>
+                      <a:round/>
+                      <a:headEnd type="none" w="med" len="med"/>
+                      <a:tailEnd type="none" w="med" len="med"/>
+                    </a:lnL>
+                    <a:lnR w="12700" cap="flat" cmpd="sng" algn="ctr">
+                      <a:solidFill>
+                        <a:schemeClr val="bg1"/>
+                      </a:solidFill>
+                      <a:prstDash val="solid"/>
+                      <a:round/>
+                      <a:headEnd type="none" w="med" len="med"/>
+                      <a:tailEnd type="none" w="med" len="med"/>
+                    </a:lnR>
+                    <a:lnT w="12700" cap="flat" cmpd="sng" algn="ctr">
+                      <a:solidFill>
+                        <a:schemeClr val="bg1"/>
+                      </a:solidFill>
+                      <a:prstDash val="solid"/>
+                      <a:round/>
+                      <a:headEnd type="none" w="med" len="med"/>
+                      <a:tailEnd type="none" w="med" len="med"/>
+                    </a:lnT>
+                    <a:lnB w="12700" cap="flat" cmpd="sng" algn="ctr">
+                      <a:solidFill>
+                        <a:schemeClr val="bg1"/>
+                      </a:solidFill>
+                      <a:prstDash val="solid"/>
+                      <a:round/>
+                      <a:headEnd type="none" w="med" len="med"/>
+                      <a:tailEnd type="none" w="med" len="med"/>
+                    </a:lnB>
+                    <a:lnTlToBr w="12700" cmpd="sng">
+                      <a:noFill/>
+                      <a:prstDash val="solid"/>
+                    </a:lnTlToBr>
+                    <a:lnBlToTr w="12700" cmpd="sng">
+                      <a:noFill/>
+                      <a:prstDash val="solid"/>
+                    </a:lnBlToTr>
+                    <a:solidFill>
+                      <a:srgbClr val="BFD0EB"/>
+                    </a:solidFill>
+                  </a:tcPr>
+                </a:tc>
+                <a:tc>
+                  <a:txBody>
+                    <a:bodyPr/>
+                    <a:lstStyle/>
+                    <a:p>
+                      <a:pPr algn="ctr"/>
+                      <a:endParaRPr lang="en-US" sz="1400" dirty="0">
+                        <a:solidFill>
+                          <a:sysClr val="windowText" lastClr="000000"/>
+                        </a:solidFill>
+                        <a:latin typeface="+mn-lt"/>
+                      </a:endParaRPr>
+                    </a:p>
+                  </a:txBody>
+                  <a:tcPr marL="45720" marR="45720" anchor="ctr">
+                    <a:lnL w="12700" cap="flat" cmpd="sng" algn="ctr">
+                      <a:solidFill>
+                        <a:schemeClr val="bg1"/>
+                      </a:solidFill>
+                      <a:prstDash val="solid"/>
+                      <a:round/>
+                      <a:headEnd type="none" w="med" len="med"/>
+                      <a:tailEnd type="none" w="med" len="med"/>
+                    </a:lnL>
+                    <a:lnR w="12700" cap="flat" cmpd="sng" algn="ctr">
+                      <a:solidFill>
+                        <a:schemeClr val="bg1"/>
+                      </a:solidFill>
+                      <a:prstDash val="solid"/>
+                      <a:round/>
+                      <a:headEnd type="none" w="med" len="med"/>
+                      <a:tailEnd type="none" w="med" len="med"/>
+                    </a:lnR>
+                    <a:lnT w="12700" cap="flat" cmpd="sng" algn="ctr">
+                      <a:solidFill>
+                        <a:schemeClr val="bg1"/>
+                      </a:solidFill>
+                      <a:prstDash val="solid"/>
+                      <a:round/>
+                      <a:headEnd type="none" w="med" len="med"/>
+                      <a:tailEnd type="none" w="med" len="med"/>
+                    </a:lnT>
+                    <a:lnB w="12700" cap="flat" cmpd="sng" algn="ctr">
+                      <a:solidFill>
+                        <a:schemeClr val="bg1"/>
+                      </a:solidFill>
+                      <a:prstDash val="solid"/>
+                      <a:round/>
+                      <a:headEnd type="none" w="med" len="med"/>
+                      <a:tailEnd type="none" w="med" len="med"/>
+                    </a:lnB>
+                    <a:lnTlToBr w="12700" cmpd="sng">
+                      <a:noFill/>
+                      <a:prstDash val="solid"/>
+                    </a:lnTlToBr>
+                    <a:lnBlToTr w="12700" cmpd="sng">
+                      <a:noFill/>
+                      <a:prstDash val="solid"/>
+                    </a:lnBlToTr>
+                    <a:solidFill>
+                      <a:srgbClr val="E8EEF8"/>
+                    </a:solidFill>
+                  </a:tcPr>
+                </a:tc>
+                <a:extLst>
+                  <a:ext uri="{0D108BD9-81ED-4DB2-BD59-A6C34878D82A}">
+                    <a16:rowId xmlns:a16="http://schemas.microsoft.com/office/drawing/2014/main" val="337105121"/>
+                  </a:ext>
+                </a:extLst>
+              </a:tr>
+              <a:tr h="473654">
+                <a:tc>
+                  <a:txBody>
+                    <a:bodyPr/>
+                    <a:lstStyle/>
+                    <a:p>
+                      <a:pPr marL="0" marR="0" lvl="0" indent="0" algn="ctr" defTabSz="1554480" rtl="0" eaLnBrk="1" fontAlgn="auto" latinLnBrk="0" hangingPunct="1">
+                        <a:lnSpc>
+                          <a:spcPct val="100000"/>
+                        </a:lnSpc>
+                        <a:spcBef>
+                          <a:spcPts val="0"/>
+                        </a:spcBef>
+                        <a:spcAft>
+                          <a:spcPts val="0"/>
+                        </a:spcAft>
+                        <a:buClrTx/>
+                        <a:buSzTx/>
+                        <a:buFontTx/>
+                        <a:buNone/>
+                        <a:tabLst/>
+                        <a:defRPr/>
+                      </a:pPr>
+                      <a:r>
+                        <a:rPr lang="en-US" sz="1100" b="0" dirty="0">
+                          <a:solidFill>
+                            <a:sysClr val="windowText" lastClr="000000"/>
+                          </a:solidFill>
+                        </a:rPr>
+                        <a:t>Number of 1-hr periods in FRM/</a:t>
+                      </a:r>
+                      <a:r>
+                        <a:rPr lang="en-US" sz="1100" b="0">
+                          <a:solidFill>
+                            <a:sysClr val="windowText" lastClr="000000"/>
+                          </a:solidFill>
+                        </a:rPr>
+                        <a:t>FEM measurements </a:t>
+                      </a:r>
+                      <a:r>
+                        <a:rPr lang="en-US" sz="1100" b="0" dirty="0">
+                          <a:solidFill>
+                            <a:sysClr val="windowText" lastClr="000000"/>
+                          </a:solidFill>
+                        </a:rPr>
+                        <a:t>with a goal of PM</a:t>
+                      </a:r>
+                      <a:r>
+                        <a:rPr lang="en-US" sz="1100" b="0" baseline="-25000" dirty="0">
+                          <a:solidFill>
+                            <a:sysClr val="windowText" lastClr="000000"/>
+                          </a:solidFill>
+                        </a:rPr>
+                        <a:t>2.5</a:t>
+                      </a:r>
+                      <a:r>
+                        <a:rPr lang="en-US" sz="1100" b="0" dirty="0">
+                          <a:solidFill>
+                            <a:sysClr val="windowText" lastClr="000000"/>
+                          </a:solidFill>
+                        </a:rPr>
+                        <a:t>/PM</a:t>
+                      </a:r>
+                      <a:r>
+                        <a:rPr lang="en-US" sz="1100" b="0" baseline="-25000" dirty="0">
+                          <a:solidFill>
+                            <a:sysClr val="windowText" lastClr="000000"/>
+                          </a:solidFill>
+                        </a:rPr>
+                        <a:t>10</a:t>
+                      </a:r>
+                      <a:r>
+                        <a:rPr lang="en-US" sz="1100" b="0" dirty="0">
+                          <a:solidFill>
+                            <a:sysClr val="windowText" lastClr="000000"/>
+                          </a:solidFill>
+                        </a:rPr>
+                        <a:t> ratio of  ≤ 0.4</a:t>
+                      </a:r>
+                    </a:p>
+                  </a:txBody>
+                  <a:tcPr marL="45720" marR="45720" anchor="ctr">
+                    <a:lnL w="12700" cap="flat" cmpd="sng" algn="ctr">
+                      <a:solidFill>
+                        <a:schemeClr val="bg1"/>
+                      </a:solidFill>
+                      <a:prstDash val="solid"/>
+                      <a:round/>
+                      <a:headEnd type="none" w="med" len="med"/>
+                      <a:tailEnd type="none" w="med" len="med"/>
+                    </a:lnL>
+                    <a:lnR w="12700" cap="flat" cmpd="sng" algn="ctr">
+                      <a:solidFill>
+                        <a:schemeClr val="bg1"/>
+                      </a:solidFill>
+                      <a:prstDash val="solid"/>
+                      <a:round/>
+                      <a:headEnd type="none" w="med" len="med"/>
+                      <a:tailEnd type="none" w="med" len="med"/>
+                    </a:lnR>
+                    <a:lnT w="12700" cap="flat" cmpd="sng" algn="ctr">
+                      <a:solidFill>
+                        <a:schemeClr val="bg1"/>
+                      </a:solidFill>
+                      <a:prstDash val="solid"/>
+                      <a:round/>
+                      <a:headEnd type="none" w="med" len="med"/>
+                      <a:tailEnd type="none" w="med" len="med"/>
+                    </a:lnT>
+                    <a:lnB w="12700" cap="flat" cmpd="sng" algn="ctr">
+                      <a:solidFill>
+                        <a:schemeClr val="bg1"/>
+                      </a:solidFill>
+                      <a:prstDash val="solid"/>
+                      <a:round/>
+                      <a:headEnd type="none" w="med" len="med"/>
+                      <a:tailEnd type="none" w="med" len="med"/>
+                    </a:lnB>
+                    <a:lnTlToBr w="12700" cmpd="sng">
+                      <a:noFill/>
+                      <a:prstDash val="solid"/>
+                    </a:lnTlToBr>
+                    <a:lnBlToTr w="12700" cmpd="sng">
+                      <a:noFill/>
+                      <a:prstDash val="solid"/>
+                    </a:lnBlToTr>
+                    <a:solidFill>
+                      <a:srgbClr val="BFD0EB"/>
+                    </a:solidFill>
+                  </a:tcPr>
+                </a:tc>
+                <a:tc>
+                  <a:txBody>
+                    <a:bodyPr/>
+                    <a:lstStyle/>
+                    <a:p>
+                      <a:pPr algn="ctr"/>
+                      <a:endParaRPr lang="en-US" sz="1400" dirty="0">
+                        <a:solidFill>
+                          <a:sysClr val="windowText" lastClr="000000"/>
+                        </a:solidFill>
+                        <a:latin typeface="+mn-lt"/>
+                      </a:endParaRPr>
+                    </a:p>
+                  </a:txBody>
+                  <a:tcPr marL="45720" marR="45720" anchor="ctr">
+                    <a:lnL w="12700" cap="flat" cmpd="sng" algn="ctr">
+                      <a:solidFill>
+                        <a:schemeClr val="bg1"/>
+                      </a:solidFill>
+                      <a:prstDash val="solid"/>
+                      <a:round/>
+                      <a:headEnd type="none" w="med" len="med"/>
+                      <a:tailEnd type="none" w="med" len="med"/>
+                    </a:lnL>
+                    <a:lnR w="12700" cap="flat" cmpd="sng" algn="ctr">
+                      <a:solidFill>
+                        <a:schemeClr val="bg1"/>
+                      </a:solidFill>
+                      <a:prstDash val="solid"/>
+                      <a:round/>
+                      <a:headEnd type="none" w="med" len="med"/>
+                      <a:tailEnd type="none" w="med" len="med"/>
+                    </a:lnR>
+                    <a:lnT w="12700" cap="flat" cmpd="sng" algn="ctr">
+                      <a:solidFill>
+                        <a:schemeClr val="bg1"/>
+                      </a:solidFill>
+                      <a:prstDash val="solid"/>
+                      <a:round/>
+                      <a:headEnd type="none" w="med" len="med"/>
+                      <a:tailEnd type="none" w="med" len="med"/>
+                    </a:lnT>
+                    <a:lnB w="12700" cap="flat" cmpd="sng" algn="ctr">
+                      <a:solidFill>
+                        <a:schemeClr val="bg1"/>
+                      </a:solidFill>
+                      <a:prstDash val="solid"/>
+                      <a:round/>
+                      <a:headEnd type="none" w="med" len="med"/>
+                      <a:tailEnd type="none" w="med" len="med"/>
+                    </a:lnB>
+                    <a:lnTlToBr w="12700" cmpd="sng">
+                      <a:noFill/>
+                      <a:prstDash val="solid"/>
+                    </a:lnTlToBr>
+                    <a:lnBlToTr w="12700" cmpd="sng">
+                      <a:noFill/>
+                      <a:prstDash val="solid"/>
+                    </a:lnBlToTr>
+                    <a:solidFill>
+                      <a:srgbClr val="E8EEF8"/>
+                    </a:solidFill>
+                  </a:tcPr>
+                </a:tc>
+                <a:extLst>
+                  <a:ext uri="{0D108BD9-81ED-4DB2-BD59-A6C34878D82A}">
+                    <a16:rowId xmlns:a16="http://schemas.microsoft.com/office/drawing/2014/main" val="841359444"/>
+                  </a:ext>
+                </a:extLst>
+              </a:tr>
+            </a:tbl>
+          </a:graphicData>
+        </a:graphic>
+      </p:graphicFrame>
     </p:spTree>
     <p:extLst>
       <p:ext uri="{BB962C8B-B14F-4D97-AF65-F5344CB8AC3E}">
@@ -10608,6 +8039,13 @@
           </p:nvPr>
         </p:nvSpPr>
         <p:spPr/>
+        <p:txBody>
+          <a:bodyPr/>
+          <a:lstStyle/>
+          <a:p>
+            <a:endParaRPr lang="en-US"/>
+          </a:p>
+        </p:txBody>
       </p:sp>
       <p:sp>
         <p:nvSpPr>
@@ -14731,11 +12169,6 @@
 </file>
 
 <file path=customXml/item1.xml><?xml version="1.0" encoding="utf-8"?>
-<?mso-contentType ?>
-<SharedContentType xmlns="Microsoft.SharePoint.Taxonomy.ContentTypeSync" SourceId="29f62856-1543-49d4-a736-4569d363f533" ContentTypeId="0x0101" PreviousValue="false"/>
-</file>
-
-<file path=customXml/item2.xml><?xml version="1.0" encoding="utf-8"?>
 <ct:contentTypeSchema xmlns:ct="http://schemas.microsoft.com/office/2006/metadata/contentType" xmlns:ma="http://schemas.microsoft.com/office/2006/metadata/properties/metaAttributes" ct:_="" ma:_="" ma:contentTypeName="Document" ma:contentTypeID="0x010100564A490502BCE94B94B40D182DF629A7" ma:contentTypeVersion="10" ma:contentTypeDescription="Create a new document." ma:contentTypeScope="" ma:versionID="edc9365ca1982d5cfb353b974c2fd121">
   <xsd:schema xmlns:xsd="http://www.w3.org/2001/XMLSchema" xmlns:xs="http://www.w3.org/2001/XMLSchema" xmlns:p="http://schemas.microsoft.com/office/2006/metadata/properties" xmlns:ns1="http://schemas.microsoft.com/sharepoint/v3" xmlns:ns2="4ffa91fb-a0ff-4ac5-b2db-65c790d184a4" xmlns:ns3="http://schemas.microsoft.com/sharepoint.v3" xmlns:ns4="http://schemas.microsoft.com/sharepoint/v3/fields" xmlns:ns5="92953017-96f5-40cd-8d9e-826506a80b1b" targetNamespace="http://schemas.microsoft.com/office/2006/metadata/properties" ma:root="true" ma:fieldsID="0e17b492b81938533bbafcb3131407c0" ns1:_="" ns2:_="" ns3:_="" ns4:_="" ns5:_="">
     <xsd:import namespace="http://schemas.microsoft.com/sharepoint/v3"/>
@@ -15133,7 +12566,7 @@
 </ct:contentTypeSchema>
 </file>
 
-<file path=customXml/item3.xml><?xml version="1.0" encoding="utf-8"?>
+<file path=customXml/item2.xml><?xml version="1.0" encoding="utf-8"?>
 <p:properties xmlns:p="http://schemas.microsoft.com/office/2006/metadata/properties" xmlns:xsi="http://www.w3.org/2001/XMLSchema-instance" xmlns:pc="http://schemas.microsoft.com/office/infopath/2007/PartnerControls">
   <documentManagement>
     <_Source xmlns="http://schemas.microsoft.com/sharepoint/v3/fields" xsi:nil="true"/>
@@ -15172,7 +12605,7 @@
 </p:properties>
 </file>
 
-<file path=customXml/item4.xml><?xml version="1.0" encoding="utf-8"?>
+<file path=customXml/item3.xml><?xml version="1.0" encoding="utf-8"?>
 <?mso-contentType ?>
 <FormTemplates xmlns="http://schemas.microsoft.com/sharepoint/v3/contenttype/forms">
   <Display>DocumentLibraryForm</Display>
@@ -15181,15 +12614,12 @@
 </FormTemplates>
 </file>
 
-<file path=customXml/itemProps1.xml><?xml version="1.0" encoding="utf-8"?>
-<ds:datastoreItem xmlns:ds="http://schemas.openxmlformats.org/officeDocument/2006/customXml" ds:itemID="{9D969709-82DA-4F6F-85CB-B966EACA0A33}">
-  <ds:schemaRefs>
-    <ds:schemaRef ds:uri="Microsoft.SharePoint.Taxonomy.ContentTypeSync"/>
-  </ds:schemaRefs>
-</ds:datastoreItem>
+<file path=customXml/item4.xml><?xml version="1.0" encoding="utf-8"?>
+<?mso-contentType ?>
+<SharedContentType xmlns="Microsoft.SharePoint.Taxonomy.ContentTypeSync" SourceId="29f62856-1543-49d4-a736-4569d363f533" ContentTypeId="0x0101" PreviousValue="false"/>
 </file>
 
-<file path=customXml/itemProps2.xml><?xml version="1.0" encoding="utf-8"?>
+<file path=customXml/itemProps1.xml><?xml version="1.0" encoding="utf-8"?>
 <ds:datastoreItem xmlns:ds="http://schemas.openxmlformats.org/officeDocument/2006/customXml" ds:itemID="{2D729AC4-7E4A-4753-A9DC-47559C341E43}">
   <ds:schemaRefs>
     <ds:schemaRef ds:uri="http://schemas.microsoft.com/office/2006/metadata/contentType"/>
@@ -15211,7 +12641,7 @@
 </ds:datastoreItem>
 </file>
 
-<file path=customXml/itemProps3.xml><?xml version="1.0" encoding="utf-8"?>
+<file path=customXml/itemProps2.xml><?xml version="1.0" encoding="utf-8"?>
 <ds:datastoreItem xmlns:ds="http://schemas.openxmlformats.org/officeDocument/2006/customXml" ds:itemID="{2EED311A-CCB5-4625-B52F-BB9F85A51581}">
   <ds:schemaRefs>
     <ds:schemaRef ds:uri="http://schemas.microsoft.com/office/2006/metadata/properties"/>
@@ -15224,10 +12654,18 @@
 </ds:datastoreItem>
 </file>
 
-<file path=customXml/itemProps4.xml><?xml version="1.0" encoding="utf-8"?>
+<file path=customXml/itemProps3.xml><?xml version="1.0" encoding="utf-8"?>
 <ds:datastoreItem xmlns:ds="http://schemas.openxmlformats.org/officeDocument/2006/customXml" ds:itemID="{E3A66A80-EEBD-4235-BF6F-659447EA7FC0}">
   <ds:schemaRefs>
     <ds:schemaRef ds:uri="http://schemas.microsoft.com/sharepoint/v3/contenttype/forms"/>
   </ds:schemaRefs>
 </ds:datastoreItem>
+</file>
+
+<file path=customXml/itemProps4.xml><?xml version="1.0" encoding="utf-8"?>
+<ds:datastoreItem xmlns:ds="http://schemas.openxmlformats.org/officeDocument/2006/customXml" ds:itemID="{9D969709-82DA-4F6F-85CB-B966EACA0A33}">
+  <ds:schemaRefs>
+    <ds:schemaRef ds:uri="Microsoft.SharePoint.Taxonomy.ContentTypeSync"/>
+  </ds:schemaRefs>
+</ds:datastoreItem>
 </file>